--- a/Prezentarea si Lucrarea scrisa/LEARN-ENGLISH-Prezentarea-Tasca Natalia.pptx
+++ b/Prezentarea si Lucrarea scrisa/LEARN-ENGLISH-Prezentarea-Tasca Natalia.pptx
@@ -5,24 +5,31 @@
     <p:sldMasterId id="2147483648" r:id="rId2"/>
   </p:sldMasterIdLst>
   <p:notesMasterIdLst>
-    <p:notesMasterId r:id="rId15"/>
+    <p:notesMasterId r:id="rId22"/>
   </p:notesMasterIdLst>
   <p:handoutMasterIdLst>
-    <p:handoutMasterId r:id="rId16"/>
+    <p:handoutMasterId r:id="rId23"/>
   </p:handoutMasterIdLst>
   <p:sldIdLst>
     <p:sldId id="261" r:id="rId3"/>
     <p:sldId id="257" r:id="rId4"/>
-    <p:sldId id="262" r:id="rId5"/>
-    <p:sldId id="263" r:id="rId6"/>
-    <p:sldId id="271" r:id="rId7"/>
-    <p:sldId id="272" r:id="rId8"/>
+    <p:sldId id="263" r:id="rId5"/>
+    <p:sldId id="271" r:id="rId6"/>
+    <p:sldId id="272" r:id="rId7"/>
+    <p:sldId id="283" r:id="rId8"/>
     <p:sldId id="273" r:id="rId9"/>
-    <p:sldId id="274" r:id="rId10"/>
-    <p:sldId id="275" r:id="rId11"/>
-    <p:sldId id="280" r:id="rId12"/>
-    <p:sldId id="276" r:id="rId13"/>
-    <p:sldId id="278" r:id="rId14"/>
+    <p:sldId id="281" r:id="rId10"/>
+    <p:sldId id="282" r:id="rId11"/>
+    <p:sldId id="274" r:id="rId12"/>
+    <p:sldId id="284" r:id="rId13"/>
+    <p:sldId id="280" r:id="rId14"/>
+    <p:sldId id="285" r:id="rId15"/>
+    <p:sldId id="275" r:id="rId16"/>
+    <p:sldId id="276" r:id="rId17"/>
+    <p:sldId id="286" r:id="rId18"/>
+    <p:sldId id="287" r:id="rId19"/>
+    <p:sldId id="288" r:id="rId20"/>
+    <p:sldId id="278" r:id="rId21"/>
   </p:sldIdLst>
   <p:sldSz cx="12192000" cy="6858000"/>
   <p:notesSz cx="6858000" cy="9144000"/>
@@ -143,6 +150,795 @@
 </p:presentation>
 </file>
 
+<file path=ppt/commentAuthors.xml><?xml version="1.0" encoding="utf-8"?>
+<p:cmAuthorLst xmlns:a="http://schemas.openxmlformats.org/drawingml/2006/main" xmlns:r="http://schemas.openxmlformats.org/officeDocument/2006/relationships" xmlns:p="http://schemas.openxmlformats.org/presentationml/2006/main">
+  <p:cmAuthor id="2" name="Author" initials="A" lastIdx="215" clrIdx="1"/>
+</p:cmAuthorLst>
+</file>
+
+<file path=ppt/comments/comment1.xml><?xml version="1.0" encoding="utf-8"?>
+<p:cmLst xmlns:a="http://schemas.openxmlformats.org/drawingml/2006/main" xmlns:r="http://schemas.openxmlformats.org/officeDocument/2006/relationships" xmlns:p="http://schemas.openxmlformats.org/presentationml/2006/main">
+  <p:cm authorId="2" dt="2017-02-12T13:39:09.242" idx="148">
+    <p:pos x="10" y="10"/>
+    <p:text>Buna ziua.</p:text>
+    <p:extLst>
+      <p:ext uri="{C676402C-5697-4E1C-873F-D02D1690AC5C}">
+        <p15:threadingInfo xmlns:p15="http://schemas.microsoft.com/office/powerpoint/2012/main" timeZoneBias="-120"/>
+      </p:ext>
+    </p:extLst>
+  </p:cm>
+  <p:cm authorId="2" dt="2017-02-12T13:39:52.967" idx="149">
+    <p:pos x="106" y="106"/>
+    <p:text>Ma numesc Tasca Natalia.</p:text>
+    <p:extLst>
+      <p:ext uri="{C676402C-5697-4E1C-873F-D02D1690AC5C}">
+        <p15:threadingInfo xmlns:p15="http://schemas.microsoft.com/office/powerpoint/2012/main" timeZoneBias="-120"/>
+      </p:ext>
+    </p:extLst>
+  </p:cm>
+  <p:cm authorId="2" dt="2017-02-12T13:39:56.091" idx="150">
+    <p:pos x="202" y="202"/>
+    <p:text>Vreau sa va prezint aplicatia mea "Learn-English", care este o aplicatie interactiva de a invata limba engleza.</p:text>
+    <p:extLst>
+      <p:ext uri="{C676402C-5697-4E1C-873F-D02D1690AC5C}">
+        <p15:threadingInfo xmlns:p15="http://schemas.microsoft.com/office/powerpoint/2012/main" timeZoneBias="-120"/>
+      </p:ext>
+    </p:extLst>
+  </p:cm>
+</p:cmLst>
+</file>
+
+<file path=ppt/comments/comment10.xml><?xml version="1.0" encoding="utf-8"?>
+<p:cmLst xmlns:a="http://schemas.openxmlformats.org/drawingml/2006/main" xmlns:r="http://schemas.openxmlformats.org/officeDocument/2006/relationships" xmlns:p="http://schemas.openxmlformats.org/presentationml/2006/main">
+  <p:cm authorId="2" dt="2017-02-12T21:02:19.080" idx="184">
+    <p:pos x="106" y="106"/>
+    <p:text>Ca si in cazul modulului de listening, aplicatie ofera nu permite scrierea gresita a cuvintelor</p:text>
+    <p:extLst>
+      <p:ext uri="{C676402C-5697-4E1C-873F-D02D1690AC5C}">
+        <p15:threadingInfo xmlns:p15="http://schemas.microsoft.com/office/powerpoint/2012/main" timeZoneBias="-120"/>
+      </p:ext>
+    </p:extLst>
+  </p:cm>
+</p:cmLst>
+</file>
+
+<file path=ppt/comments/comment11.xml><?xml version="1.0" encoding="utf-8"?>
+<p:cmLst xmlns:a="http://schemas.openxmlformats.org/drawingml/2006/main" xmlns:r="http://schemas.openxmlformats.org/officeDocument/2006/relationships" xmlns:p="http://schemas.openxmlformats.org/presentationml/2006/main">
+  <p:cm authorId="2" dt="2017-02-12T21:38:14.557" idx="185">
+    <p:pos x="7014" y="832"/>
+    <p:text>Dupa cum am mentionat, mai inainte, unul dim motivile pentru care am facut aceasta aplicatie, este posibilitatea de ami alege singura materialele de studiu.</p:text>
+    <p:extLst>
+      <p:ext uri="{C676402C-5697-4E1C-873F-D02D1690AC5C}">
+        <p15:threadingInfo xmlns:p15="http://schemas.microsoft.com/office/powerpoint/2012/main" timeZoneBias="-120"/>
+      </p:ext>
+    </p:extLst>
+  </p:cm>
+  <p:cm authorId="2" dt="2017-02-12T21:40:04" idx="186">
+    <p:pos x="7014" y="928"/>
+    <p:text>Pentru asta folosim modulul de adaugare video.</p:text>
+    <p:extLst>
+      <p:ext uri="{C676402C-5697-4E1C-873F-D02D1690AC5C}">
+        <p15:threadingInfo xmlns:p15="http://schemas.microsoft.com/office/powerpoint/2012/main" timeZoneBias="-120">
+          <p15:parentCm authorId="2" idx="185"/>
+        </p15:threadingInfo>
+      </p:ext>
+    </p:extLst>
+  </p:cm>
+  <p:cm authorId="2" dt="2017-02-12T21:40:43.753" idx="187">
+    <p:pos x="7014" y="1024"/>
+    <p:text>Pentru moment aplicatia accepta numai clipuri video de pe youtube.</p:text>
+    <p:extLst>
+      <p:ext uri="{C676402C-5697-4E1C-873F-D02D1690AC5C}">
+        <p15:threadingInfo xmlns:p15="http://schemas.microsoft.com/office/powerpoint/2012/main" timeZoneBias="-120">
+          <p15:parentCm authorId="2" idx="185"/>
+        </p15:threadingInfo>
+      </p:ext>
+    </p:extLst>
+  </p:cm>
+  <p:cm authorId="2" dt="2017-02-12T21:41:17.472" idx="188">
+    <p:pos x="7014" y="1120"/>
+    <p:text>Pentru incarcare se introduce url-ul in campul din pagina si se apasa butonul Load</p:text>
+    <p:extLst>
+      <p:ext uri="{C676402C-5697-4E1C-873F-D02D1690AC5C}">
+        <p15:threadingInfo xmlns:p15="http://schemas.microsoft.com/office/powerpoint/2012/main" timeZoneBias="-120">
+          <p15:parentCm authorId="2" idx="185"/>
+        </p15:threadingInfo>
+      </p:ext>
+    </p:extLst>
+  </p:cm>
+</p:cmLst>
+</file>
+
+<file path=ppt/comments/comment12.xml><?xml version="1.0" encoding="utf-8"?>
+<p:cmLst xmlns:a="http://schemas.openxmlformats.org/drawingml/2006/main" xmlns:r="http://schemas.openxmlformats.org/officeDocument/2006/relationships" xmlns:p="http://schemas.openxmlformats.org/presentationml/2006/main">
+  <p:cm authorId="2" dt="2017-02-12T21:46:54.750" idx="189">
+    <p:pos x="10" y="10"/>
+    <p:text>Nefind un bun cunoscator a limbii engleze, caut clipuri la care pot gasi subtitrare.</p:text>
+    <p:extLst>
+      <p:ext uri="{C676402C-5697-4E1C-873F-D02D1690AC5C}">
+        <p15:threadingInfo xmlns:p15="http://schemas.microsoft.com/office/powerpoint/2012/main" timeZoneBias="-120"/>
+      </p:ext>
+    </p:extLst>
+  </p:cm>
+  <p:cm authorId="2" dt="2017-02-12T21:48:19.471" idx="190">
+    <p:pos x="10" y="106"/>
+    <p:text>Aceasta subtitrare este impartita in fraze.</p:text>
+    <p:extLst>
+      <p:ext uri="{C676402C-5697-4E1C-873F-D02D1690AC5C}">
+        <p15:threadingInfo xmlns:p15="http://schemas.microsoft.com/office/powerpoint/2012/main" timeZoneBias="-120">
+          <p15:parentCm authorId="2" idx="189"/>
+        </p15:threadingInfo>
+      </p:ext>
+    </p:extLst>
+  </p:cm>
+  <p:cm authorId="2" dt="2017-02-12T21:49:28.009" idx="191">
+    <p:pos x="10" y="202"/>
+    <p:text>Dupa care, iau o fraza si o introduc in campul din stanga si dau play.</p:text>
+    <p:extLst>
+      <p:ext uri="{C676402C-5697-4E1C-873F-D02D1690AC5C}">
+        <p15:threadingInfo xmlns:p15="http://schemas.microsoft.com/office/powerpoint/2012/main" timeZoneBias="-120">
+          <p15:parentCm authorId="2" idx="189"/>
+        </p15:threadingInfo>
+      </p:ext>
+    </p:extLst>
+  </p:cm>
+  <p:cm authorId="2" dt="2017-02-12T21:50:22.076" idx="192">
+    <p:pos x="10" y="298"/>
+    <p:text>si opresc clipul in momentul cand fraza a fost spusa.</p:text>
+    <p:extLst>
+      <p:ext uri="{C676402C-5697-4E1C-873F-D02D1690AC5C}">
+        <p15:threadingInfo xmlns:p15="http://schemas.microsoft.com/office/powerpoint/2012/main" timeZoneBias="-120">
+          <p15:parentCm authorId="2" idx="189"/>
+        </p15:threadingInfo>
+      </p:ext>
+    </p:extLst>
+  </p:cm>
+  <p:cm authorId="2" dt="2017-02-12T21:51:13.554" idx="193">
+    <p:pos x="10" y="394"/>
+    <p:text>In momentul in care defocalizez campul din stanga, traducerea pentru fraza curenta va aparea in campul din dreapta.</p:text>
+    <p:extLst>
+      <p:ext uri="{C676402C-5697-4E1C-873F-D02D1690AC5C}">
+        <p15:threadingInfo xmlns:p15="http://schemas.microsoft.com/office/powerpoint/2012/main" timeZoneBias="-120">
+          <p15:parentCm authorId="2" idx="189"/>
+        </p15:threadingInfo>
+      </p:ext>
+    </p:extLst>
+  </p:cm>
+  <p:cm authorId="2" dt="2017-02-12T21:51:37.613" idx="194">
+    <p:pos x="10" y="490"/>
+    <p:text>Acesta traducere este generata de Google Trasnlate si poate fi corecta ulterior.</p:text>
+    <p:extLst>
+      <p:ext uri="{C676402C-5697-4E1C-873F-D02D1690AC5C}">
+        <p15:threadingInfo xmlns:p15="http://schemas.microsoft.com/office/powerpoint/2012/main" timeZoneBias="-120">
+          <p15:parentCm authorId="2" idx="189"/>
+        </p15:threadingInfo>
+      </p:ext>
+    </p:extLst>
+  </p:cm>
+  <p:cm authorId="2" dt="2017-02-12T21:52:07.291" idx="195">
+    <p:pos x="10" y="586"/>
+    <p:text>Fiecare fraza adauta va aparea in partea de jos.</p:text>
+    <p:extLst>
+      <p:ext uri="{C676402C-5697-4E1C-873F-D02D1690AC5C}">
+        <p15:threadingInfo xmlns:p15="http://schemas.microsoft.com/office/powerpoint/2012/main" timeZoneBias="-120">
+          <p15:parentCm authorId="2" idx="189"/>
+        </p15:threadingInfo>
+      </p:ext>
+    </p:extLst>
+  </p:cm>
+  <p:cm authorId="2" dt="2017-02-12T21:52:33.559" idx="196">
+    <p:pos x="10" y="682"/>
+    <p:text>Prin apasarea butonului Save se salveaza lectia.</p:text>
+    <p:extLst>
+      <p:ext uri="{C676402C-5697-4E1C-873F-D02D1690AC5C}">
+        <p15:threadingInfo xmlns:p15="http://schemas.microsoft.com/office/powerpoint/2012/main" timeZoneBias="-120">
+          <p15:parentCm authorId="2" idx="189"/>
+        </p15:threadingInfo>
+      </p:ext>
+    </p:extLst>
+  </p:cm>
+</p:cmLst>
+</file>
+
+<file path=ppt/comments/comment13.xml><?xml version="1.0" encoding="utf-8"?>
+<p:cmLst xmlns:a="http://schemas.openxmlformats.org/drawingml/2006/main" xmlns:r="http://schemas.openxmlformats.org/officeDocument/2006/relationships" xmlns:p="http://schemas.openxmlformats.org/presentationml/2006/main">
+  <p:cm authorId="2" dt="2017-02-12T21:54:29.838" idx="197">
+    <p:pos x="10" y="10"/>
+    <p:text>Modulul recomandare, ne ofera recomandari de lectiile aferente nivelui. Ele sant calculate in functie de clipurile restante.</p:text>
+    <p:extLst>
+      <p:ext uri="{C676402C-5697-4E1C-873F-D02D1690AC5C}">
+        <p15:threadingInfo xmlns:p15="http://schemas.microsoft.com/office/powerpoint/2012/main" timeZoneBias="-120"/>
+      </p:ext>
+    </p:extLst>
+  </p:cm>
+  <p:cm authorId="2" dt="2017-02-12T21:57:25.553" idx="198">
+    <p:pos x="10" y="106"/>
+    <p:text>Tot in aceasta pagina, putem vizualiza si progesul.Nivelul la care se afla userul este afisat in partea dreapta.</p:text>
+    <p:extLst>
+      <p:ext uri="{C676402C-5697-4E1C-873F-D02D1690AC5C}">
+        <p15:threadingInfo xmlns:p15="http://schemas.microsoft.com/office/powerpoint/2012/main" timeZoneBias="-120">
+          <p15:parentCm authorId="2" idx="197"/>
+        </p15:threadingInfo>
+      </p:ext>
+    </p:extLst>
+  </p:cm>
+  <p:cm authorId="2" dt="2017-02-12T22:00:11.481" idx="199">
+    <p:pos x="10" y="202"/>
+    <p:text>Exista 5 niveluri: Elementary, Pre_intermediate, Intermediate, UpperIntermediate si Anvansed</p:text>
+    <p:extLst>
+      <p:ext uri="{C676402C-5697-4E1C-873F-D02D1690AC5C}">
+        <p15:threadingInfo xmlns:p15="http://schemas.microsoft.com/office/powerpoint/2012/main" timeZoneBias="-120">
+          <p15:parentCm authorId="2" idx="197"/>
+        </p15:threadingInfo>
+      </p:ext>
+    </p:extLst>
+  </p:cm>
+  <p:cm authorId="2" dt="2017-02-12T22:00:40.153" idx="200">
+    <p:pos x="10" y="298"/>
+    <p:text>Exista o formula de calcul pentru determina progresul general</p:text>
+    <p:extLst>
+      <p:ext uri="{C676402C-5697-4E1C-873F-D02D1690AC5C}">
+        <p15:threadingInfo xmlns:p15="http://schemas.microsoft.com/office/powerpoint/2012/main" timeZoneBias="-120">
+          <p15:parentCm authorId="2" idx="197"/>
+        </p15:threadingInfo>
+      </p:ext>
+    </p:extLst>
+  </p:cm>
+  <p:cm authorId="2" dt="2017-02-12T22:01:17.762" idx="201">
+    <p:pos x="10" y="394"/>
+    <p:text>Deasemeanea se poate vedea progresul pentru activitatile de Listening, Wrinting si Speaking</p:text>
+    <p:extLst>
+      <p:ext uri="{C676402C-5697-4E1C-873F-D02D1690AC5C}">
+        <p15:threadingInfo xmlns:p15="http://schemas.microsoft.com/office/powerpoint/2012/main" timeZoneBias="-120">
+          <p15:parentCm authorId="2" idx="197"/>
+        </p15:threadingInfo>
+      </p:ext>
+    </p:extLst>
+  </p:cm>
+</p:cmLst>
+</file>
+
+<file path=ppt/comments/comment14.xml><?xml version="1.0" encoding="utf-8"?>
+<p:cmLst xmlns:a="http://schemas.openxmlformats.org/drawingml/2006/main" xmlns:r="http://schemas.openxmlformats.org/officeDocument/2006/relationships" xmlns:p="http://schemas.openxmlformats.org/presentationml/2006/main">
+  <p:cm authorId="2" dt="2017-02-12T22:08:56.467" idx="202">
+    <p:pos x="10" y="10"/>
+    <p:text>Avem posibilitatea de a schimba nivelul user-ul, ceea ce va genera alte recomandari.</p:text>
+    <p:extLst>
+      <p:ext uri="{C676402C-5697-4E1C-873F-D02D1690AC5C}">
+        <p15:threadingInfo xmlns:p15="http://schemas.microsoft.com/office/powerpoint/2012/main" timeZoneBias="-120"/>
+      </p:ext>
+    </p:extLst>
+  </p:cm>
+  <p:cm authorId="2" dt="2017-02-12T22:10:43.048" idx="203">
+    <p:pos x="10" y="106"/>
+    <p:text>O alta functionalitate este vizualizarea tuturor clipurilor prezente in aplicatie. Cat si pregresul user-ul pentru fiecare din ele.</p:text>
+    <p:extLst>
+      <p:ext uri="{C676402C-5697-4E1C-873F-D02D1690AC5C}">
+        <p15:threadingInfo xmlns:p15="http://schemas.microsoft.com/office/powerpoint/2012/main" timeZoneBias="-120">
+          <p15:parentCm authorId="2" idx="202"/>
+        </p15:threadingInfo>
+      </p:ext>
+    </p:extLst>
+  </p:cm>
+  <p:cm authorId="2" dt="2017-02-12T22:10:51.151" idx="204">
+    <p:pos x="10" y="202"/>
+    <p:text>Fiecare clip video ofera informatii referitoare la lectiile trecute, acestea fiind bifate.</p:text>
+    <p:extLst>
+      <p:ext uri="{C676402C-5697-4E1C-873F-D02D1690AC5C}">
+        <p15:threadingInfo xmlns:p15="http://schemas.microsoft.com/office/powerpoint/2012/main" timeZoneBias="-120">
+          <p15:parentCm authorId="2" idx="202"/>
+        </p15:threadingInfo>
+      </p:ext>
+    </p:extLst>
+  </p:cm>
+</p:cmLst>
+</file>
+
+<file path=ppt/comments/comment15.xml><?xml version="1.0" encoding="utf-8"?>
+<p:cmLst xmlns:a="http://schemas.openxmlformats.org/drawingml/2006/main" xmlns:r="http://schemas.openxmlformats.org/officeDocument/2006/relationships" xmlns:p="http://schemas.openxmlformats.org/presentationml/2006/main">
+  <p:cm authorId="2" dt="2017-02-12T22:16:50.731" idx="205">
+    <p:pos x="10" y="10"/>
+    <p:text>"Learn-English" a fost construita ca o aplicatie Single Page Aplication.</p:text>
+    <p:extLst mod="1">
+      <p:ext uri="{C676402C-5697-4E1C-873F-D02D1690AC5C}">
+        <p15:threadingInfo xmlns:p15="http://schemas.microsoft.com/office/powerpoint/2012/main" timeZoneBias="-120"/>
+      </p:ext>
+    </p:extLst>
+  </p:cm>
+  <p:cm authorId="2" dt="2017-02-13T20:38:03.708" idx="206">
+    <p:pos x="10" y="106"/>
+    <p:text>Pe artea de client, am folosit AnglarJS,</p:text>
+    <p:extLst>
+      <p:ext uri="{C676402C-5697-4E1C-873F-D02D1690AC5C}">
+        <p15:threadingInfo xmlns:p15="http://schemas.microsoft.com/office/powerpoint/2012/main" timeZoneBias="-120">
+          <p15:parentCm authorId="2" idx="205"/>
+        </p15:threadingInfo>
+      </p:ext>
+    </p:extLst>
+  </p:cm>
+  <p:cm authorId="2" dt="2017-02-13T20:40:11.700" idx="207">
+    <p:pos x="10" y="202"/>
+    <p:text>Anglarjs - este un framework open-source creat de Google.</p:text>
+    <p:extLst>
+      <p:ext uri="{C676402C-5697-4E1C-873F-D02D1690AC5C}">
+        <p15:threadingInfo xmlns:p15="http://schemas.microsoft.com/office/powerpoint/2012/main" timeZoneBias="-120">
+          <p15:parentCm authorId="2" idx="205"/>
+        </p15:threadingInfo>
+      </p:ext>
+    </p:extLst>
+  </p:cm>
+</p:cmLst>
+</file>
+
+<file path=ppt/comments/comment16.xml><?xml version="1.0" encoding="utf-8"?>
+<p:cmLst xmlns:a="http://schemas.openxmlformats.org/drawingml/2006/main" xmlns:r="http://schemas.openxmlformats.org/officeDocument/2006/relationships" xmlns:p="http://schemas.openxmlformats.org/presentationml/2006/main">
+  <p:cm authorId="2" dt="2017-02-13T14:05:52.782" idx="208">
+    <p:pos x="10" y="10"/>
+    <p:text>Pot fi Adaugate urmatoarele imbunatari</p:text>
+    <p:extLst>
+      <p:ext uri="{C676402C-5697-4E1C-873F-D02D1690AC5C}">
+        <p15:threadingInfo xmlns:p15="http://schemas.microsoft.com/office/powerpoint/2012/main" timeZoneBias="-120"/>
+      </p:ext>
+    </p:extLst>
+  </p:cm>
+</p:cmLst>
+</file>
+
+<file path=ppt/comments/comment17.xml><?xml version="1.0" encoding="utf-8"?>
+<p:cmLst xmlns:a="http://schemas.openxmlformats.org/drawingml/2006/main" xmlns:r="http://schemas.openxmlformats.org/officeDocument/2006/relationships" xmlns:p="http://schemas.openxmlformats.org/presentationml/2006/main">
+  <p:cm authorId="2" dt="2017-02-12T22:39:01.452" idx="209">
+    <p:pos x="4363" y="2251"/>
+    <p:text>Dupa cum am mentionat mai inainte pentru a trece un clip, avem nevoie de un scor de peste 90%.</p:text>
+    <p:extLst>
+      <p:ext uri="{C676402C-5697-4E1C-873F-D02D1690AC5C}">
+        <p15:threadingInfo xmlns:p15="http://schemas.microsoft.com/office/powerpoint/2012/main" timeZoneBias="-120"/>
+      </p:ext>
+    </p:extLst>
+  </p:cm>
+  <p:cm authorId="2" dt="2017-02-12T22:48:39.654" idx="210">
+    <p:pos x="4363" y="2347"/>
+    <p:text>Efectele acestui scor ar fi, ca pentru a trece un clip, avem nevoie sa il facem de 2 sau mail multe ori.</p:text>
+    <p:extLst>
+      <p:ext uri="{C676402C-5697-4E1C-873F-D02D1690AC5C}">
+        <p15:threadingInfo xmlns:p15="http://schemas.microsoft.com/office/powerpoint/2012/main" timeZoneBias="-120">
+          <p15:parentCm authorId="2" idx="209"/>
+        </p15:threadingInfo>
+      </p:ext>
+    </p:extLst>
+  </p:cm>
+  <p:cm authorId="2" dt="2017-02-12T22:49:29.099" idx="211">
+    <p:pos x="4363" y="2443"/>
+    <p:text>Fiecare fraze din video, de regula este ascultata de mail multe orice, ceea ce duce la invatarea frazelor.</p:text>
+    <p:extLst>
+      <p:ext uri="{C676402C-5697-4E1C-873F-D02D1690AC5C}">
+        <p15:threadingInfo xmlns:p15="http://schemas.microsoft.com/office/powerpoint/2012/main" timeZoneBias="-120">
+          <p15:parentCm authorId="2" idx="209"/>
+        </p15:threadingInfo>
+      </p:ext>
+    </p:extLst>
+  </p:cm>
+  <p:cm authorId="2" dt="2017-02-12T22:50:28.605" idx="212">
+    <p:pos x="4363" y="2539"/>
+    <p:text>Se ajunge in cele din urma la perceptia , fiecarui cavant din lectie.</p:text>
+    <p:extLst>
+      <p:ext uri="{C676402C-5697-4E1C-873F-D02D1690AC5C}">
+        <p15:threadingInfo xmlns:p15="http://schemas.microsoft.com/office/powerpoint/2012/main" timeZoneBias="-120">
+          <p15:parentCm authorId="2" idx="209"/>
+        </p15:threadingInfo>
+      </p:ext>
+    </p:extLst>
+  </p:cm>
+  <p:cm authorId="2" dt="2017-02-12T22:54:00.447" idx="213">
+    <p:pos x="4363" y="2635"/>
+    <p:text>Progresul realizat in urma trecerii unei lectii, constitue un avantaj pentru lectiile viitoare.</p:text>
+    <p:extLst>
+      <p:ext uri="{C676402C-5697-4E1C-873F-D02D1690AC5C}">
+        <p15:threadingInfo xmlns:p15="http://schemas.microsoft.com/office/powerpoint/2012/main" timeZoneBias="-120">
+          <p15:parentCm authorId="2" idx="209"/>
+        </p15:threadingInfo>
+      </p:ext>
+    </p:extLst>
+  </p:cm>
+  <p:cm authorId="2" dt="2017-02-12T22:54:55.494" idx="214">
+    <p:pos x="4363" y="2731"/>
+    <p:text>Dupa parcurgerea unui numar cat mai mare de lectii se simte o imbunatatire generala a cunostintele de limba engleza</p:text>
+    <p:extLst>
+      <p:ext uri="{C676402C-5697-4E1C-873F-D02D1690AC5C}">
+        <p15:threadingInfo xmlns:p15="http://schemas.microsoft.com/office/powerpoint/2012/main" timeZoneBias="-120">
+          <p15:parentCm authorId="2" idx="209"/>
+        </p15:threadingInfo>
+      </p:ext>
+    </p:extLst>
+  </p:cm>
+  <p:cm authorId="2" dt="2017-02-12T22:55:15.717" idx="215">
+    <p:pos x="1059" y="1271"/>
+    <p:text/>
+    <p:extLst>
+      <p:ext uri="{C676402C-5697-4E1C-873F-D02D1690AC5C}">
+        <p15:threadingInfo xmlns:p15="http://schemas.microsoft.com/office/powerpoint/2012/main" timeZoneBias="-120"/>
+      </p:ext>
+    </p:extLst>
+  </p:cm>
+</p:cmLst>
+</file>
+
+<file path=ppt/comments/comment2.xml><?xml version="1.0" encoding="utf-8"?>
+<p:cmLst xmlns:a="http://schemas.openxmlformats.org/drawingml/2006/main" xmlns:r="http://schemas.openxmlformats.org/officeDocument/2006/relationships" xmlns:p="http://schemas.openxmlformats.org/presentationml/2006/main">
+  <p:cm authorId="2" dt="2017-02-12T13:52:24.253" idx="151">
+    <p:pos x="1205" y="1397"/>
+    <p:text>Motivul pentru care am facut aceasta aplicatie a fost sa imi imbunatatesc nivelul de cunostinte a limbii engleza</p:text>
+    <p:extLst>
+      <p:ext uri="{C676402C-5697-4E1C-873F-D02D1690AC5C}">
+        <p15:threadingInfo xmlns:p15="http://schemas.microsoft.com/office/powerpoint/2012/main" timeZoneBias="-120"/>
+      </p:ext>
+    </p:extLst>
+  </p:cm>
+  <p:cm authorId="2" dt="2017-02-12T13:57:23.717" idx="152">
+    <p:pos x="10" y="10"/>
+    <p:text>Am incercat mai multe aplicatii, dar majoritatea dintre ele pornesc de la nivelul incepator pan la nivelul mediu. Exista putine aplicatii care te pot duce la un nivel avansat.</p:text>
+    <p:extLst>
+      <p:ext uri="{C676402C-5697-4E1C-873F-D02D1690AC5C}">
+        <p15:threadingInfo xmlns:p15="http://schemas.microsoft.com/office/powerpoint/2012/main" timeZoneBias="-120"/>
+      </p:ext>
+    </p:extLst>
+  </p:cm>
+  <p:cm authorId="2" dt="2017-02-12T14:17:30.143" idx="153">
+    <p:pos x="202" y="202"/>
+    <p:text>Materialele propuse de aplicatii nu prezinta intodeaua interes. Am vrut sa creez o aplicatie in care continutul este ales de mine, in functie de necesitatile si interesele mele.</p:text>
+    <p:extLst>
+      <p:ext uri="{C676402C-5697-4E1C-873F-D02D1690AC5C}">
+        <p15:threadingInfo xmlns:p15="http://schemas.microsoft.com/office/powerpoint/2012/main" timeZoneBias="-120"/>
+      </p:ext>
+    </p:extLst>
+  </p:cm>
+  <p:cm authorId="2" dt="2017-02-12T14:22:10.408" idx="154">
+    <p:pos x="106" y="106"/>
+    <p:text>Acest lucru ma determinat sa creez o aplicatie care sa ma ajute sa imi inbunatatesc abilitatile de intelegere a unui text vorbit, de scrierea corecta a cuvintelor si de vorbire.</p:text>
+    <p:extLst mod="1">
+      <p:ext uri="{C676402C-5697-4E1C-873F-D02D1690AC5C}">
+        <p15:threadingInfo xmlns:p15="http://schemas.microsoft.com/office/powerpoint/2012/main" timeZoneBias="-120"/>
+      </p:ext>
+    </p:extLst>
+  </p:cm>
+</p:cmLst>
+</file>
+
+<file path=ppt/comments/comment3.xml><?xml version="1.0" encoding="utf-8"?>
+<p:cmLst xmlns:a="http://schemas.openxmlformats.org/drawingml/2006/main" xmlns:r="http://schemas.openxmlformats.org/officeDocument/2006/relationships" xmlns:p="http://schemas.openxmlformats.org/presentationml/2006/main">
+  <p:cm authorId="2" dt="2017-02-12T15:19:21.416" idx="155">
+    <p:pos x="106" y="106"/>
+    <p:text>Aplicatie"Learn-English" este structurate pe lectii, care constau in exercitii practice care vor dezvolta eficient cele mai importante abilitati lingvistice si anume: ascultarea, scrierea si vorbirea</p:text>
+    <p:extLst>
+      <p:ext uri="{C676402C-5697-4E1C-873F-D02D1690AC5C}">
+        <p15:threadingInfo xmlns:p15="http://schemas.microsoft.com/office/powerpoint/2012/main" timeZoneBias="-120"/>
+      </p:ext>
+    </p:extLst>
+  </p:cm>
+  <p:cm authorId="2" dt="2017-02-12T15:19:59.807" idx="156">
+    <p:pos x="106" y="202"/>
+    <p:text>Lectiile au la baza clipuri video.</p:text>
+    <p:extLst>
+      <p:ext uri="{C676402C-5697-4E1C-873F-D02D1690AC5C}">
+        <p15:threadingInfo xmlns:p15="http://schemas.microsoft.com/office/powerpoint/2012/main" timeZoneBias="-120">
+          <p15:parentCm authorId="2" idx="155"/>
+        </p15:threadingInfo>
+      </p:ext>
+    </p:extLst>
+  </p:cm>
+  <p:cm authorId="2" dt="2017-02-12T15:20:57.537" idx="157">
+    <p:pos x="106" y="298"/>
+    <p:text>Fiecare videoclip are asociat un nivel, de la Elementar la Anvansat</p:text>
+    <p:extLst>
+      <p:ext uri="{C676402C-5697-4E1C-873F-D02D1690AC5C}">
+        <p15:threadingInfo xmlns:p15="http://schemas.microsoft.com/office/powerpoint/2012/main" timeZoneBias="-120">
+          <p15:parentCm authorId="2" idx="155"/>
+        </p15:threadingInfo>
+      </p:ext>
+    </p:extLst>
+  </p:cm>
+  <p:cm authorId="2" dt="2017-02-12T15:28:12.807" idx="158">
+    <p:pos x="106" y="394"/>
+    <p:text>Un avantaj al clipuriloe video, este ca in dialoguri, este utilizata limba englieza a vorbitorii nativi.</p:text>
+    <p:extLst>
+      <p:ext uri="{C676402C-5697-4E1C-873F-D02D1690AC5C}">
+        <p15:threadingInfo xmlns:p15="http://schemas.microsoft.com/office/powerpoint/2012/main" timeZoneBias="-120">
+          <p15:parentCm authorId="2" idx="155"/>
+        </p15:threadingInfo>
+      </p:ext>
+    </p:extLst>
+  </p:cm>
+  <p:cm authorId="2" dt="2017-02-12T15:30:36.368" idx="159">
+    <p:pos x="106" y="490"/>
+    <p:text>Acestia folosesc expresii si fraze specifice, care pot fi invatate cu usurinta</p:text>
+    <p:extLst>
+      <p:ext uri="{C676402C-5697-4E1C-873F-D02D1690AC5C}">
+        <p15:threadingInfo xmlns:p15="http://schemas.microsoft.com/office/powerpoint/2012/main" timeZoneBias="-120">
+          <p15:parentCm authorId="2" idx="155"/>
+        </p15:threadingInfo>
+      </p:ext>
+    </p:extLst>
+  </p:cm>
+</p:cmLst>
+</file>
+
+<file path=ppt/comments/comment4.xml><?xml version="1.0" encoding="utf-8"?>
+<p:cmLst xmlns:a="http://schemas.openxmlformats.org/drawingml/2006/main" xmlns:r="http://schemas.openxmlformats.org/officeDocument/2006/relationships" xmlns:p="http://schemas.openxmlformats.org/presentationml/2006/main">
+  <p:cm authorId="2" dt="2017-02-12T19:49:09.614" idx="160">
+    <p:pos x="10" y="10"/>
+    <p:text>Aplicatia este structurata pe aceste module.</p:text>
+    <p:extLst>
+      <p:ext uri="{C676402C-5697-4E1C-873F-D02D1690AC5C}">
+        <p15:threadingInfo xmlns:p15="http://schemas.microsoft.com/office/powerpoint/2012/main" timeZoneBias="-120"/>
+      </p:ext>
+    </p:extLst>
+  </p:cm>
+  <p:cm authorId="2" dt="2017-02-12T19:49:31.625" idx="161">
+    <p:pos x="10" y="106"/>
+    <p:text>Voi incepe prezentarea modulului de Listening.</p:text>
+    <p:extLst>
+      <p:ext uri="{C676402C-5697-4E1C-873F-D02D1690AC5C}">
+        <p15:threadingInfo xmlns:p15="http://schemas.microsoft.com/office/powerpoint/2012/main" timeZoneBias="-120">
+          <p15:parentCm authorId="2" idx="160"/>
+        </p15:threadingInfo>
+      </p:ext>
+    </p:extLst>
+  </p:cm>
+</p:cmLst>
+</file>
+
+<file path=ppt/comments/comment5.xml><?xml version="1.0" encoding="utf-8"?>
+<p:cmLst xmlns:a="http://schemas.openxmlformats.org/drawingml/2006/main" xmlns:r="http://schemas.openxmlformats.org/officeDocument/2006/relationships" xmlns:p="http://schemas.openxmlformats.org/presentationml/2006/main">
+  <p:cm authorId="2" dt="2017-02-12T20:58:02.283" idx="162">
+    <p:pos x="1470" y="271"/>
+    <p:text>Dupa cum am spus, aplicatia are la baza video-clipuri, incarcate de pe Youtube.</p:text>
+    <p:extLst>
+      <p:ext uri="{C676402C-5697-4E1C-873F-D02D1690AC5C}">
+        <p15:threadingInfo xmlns:p15="http://schemas.microsoft.com/office/powerpoint/2012/main" timeZoneBias="-120"/>
+      </p:ext>
+    </p:extLst>
+  </p:cm>
+  <p:cm authorId="2" dt="2017-02-12T20:59:01.945" idx="163">
+    <p:pos x="1470" y="367"/>
+    <p:text>Inainte de a incepe lectiile, putem asculta video-ul in intregime. dupa care sa elegem tip-ul de activitate pe care vreu sa il facem.</p:text>
+    <p:extLst>
+      <p:ext uri="{C676402C-5697-4E1C-873F-D02D1690AC5C}">
+        <p15:threadingInfo xmlns:p15="http://schemas.microsoft.com/office/powerpoint/2012/main" timeZoneBias="-120">
+          <p15:parentCm authorId="2" idx="162"/>
+        </p15:threadingInfo>
+      </p:ext>
+    </p:extLst>
+  </p:cm>
+</p:cmLst>
+</file>
+
+<file path=ppt/comments/comment6.xml><?xml version="1.0" encoding="utf-8"?>
+<p:cmLst xmlns:a="http://schemas.openxmlformats.org/drawingml/2006/main" xmlns:r="http://schemas.openxmlformats.org/officeDocument/2006/relationships" xmlns:p="http://schemas.openxmlformats.org/presentationml/2006/main">
+  <p:cm authorId="2" dt="2017-02-12T19:56:51.305" idx="164">
+    <p:pos x="10" y="10"/>
+    <p:text>Una distre cele mai importante aspecte in invatarea unei limbi straine este capacitatea de recunostere auditiva.</p:text>
+    <p:extLst>
+      <p:ext uri="{C676402C-5697-4E1C-873F-D02D1690AC5C}">
+        <p15:threadingInfo xmlns:p15="http://schemas.microsoft.com/office/powerpoint/2012/main" timeZoneBias="-120"/>
+      </p:ext>
+    </p:extLst>
+  </p:cm>
+  <p:cm authorId="2" dt="2017-02-12T19:59:45.618" idx="165">
+    <p:pos x="10" y="106"/>
+    <p:text>In general este mai usor de inteles un text scris, decat unul rostit.</p:text>
+    <p:extLst>
+      <p:ext uri="{C676402C-5697-4E1C-873F-D02D1690AC5C}">
+        <p15:threadingInfo xmlns:p15="http://schemas.microsoft.com/office/powerpoint/2012/main" timeZoneBias="-120">
+          <p15:parentCm authorId="2" idx="164"/>
+        </p15:threadingInfo>
+      </p:ext>
+    </p:extLst>
+  </p:cm>
+  <p:cm authorId="2" dt="2017-02-12T20:01:41.984" idx="166">
+    <p:pos x="10" y="202"/>
+    <p:text>Modulul listening functioneaza in felul urmator:</p:text>
+    <p:extLst>
+      <p:ext uri="{C676402C-5697-4E1C-873F-D02D1690AC5C}">
+        <p15:threadingInfo xmlns:p15="http://schemas.microsoft.com/office/powerpoint/2012/main" timeZoneBias="-120">
+          <p15:parentCm authorId="2" idx="164"/>
+        </p15:threadingInfo>
+      </p:ext>
+    </p:extLst>
+  </p:cm>
+  <p:cm authorId="2" dt="2017-02-12T20:02:42.890" idx="167">
+    <p:pos x="10" y="298"/>
+    <p:text>Fiecare video este inpartit intru-un numar de fraze, pe care user-ul trebuie sa le scrie.</p:text>
+    <p:extLst>
+      <p:ext uri="{C676402C-5697-4E1C-873F-D02D1690AC5C}">
+        <p15:threadingInfo xmlns:p15="http://schemas.microsoft.com/office/powerpoint/2012/main" timeZoneBias="-120">
+          <p15:parentCm authorId="2" idx="164"/>
+        </p15:threadingInfo>
+      </p:ext>
+    </p:extLst>
+  </p:cm>
+  <p:cm authorId="2" dt="2017-02-12T20:03:14.809" idx="168">
+    <p:pos x="10" y="394"/>
+    <p:text>In cazul de fata, pentru video-ul curent avem 3 fraze</p:text>
+    <p:extLst>
+      <p:ext uri="{C676402C-5697-4E1C-873F-D02D1690AC5C}">
+        <p15:threadingInfo xmlns:p15="http://schemas.microsoft.com/office/powerpoint/2012/main" timeZoneBias="-120">
+          <p15:parentCm authorId="2" idx="164"/>
+        </p15:threadingInfo>
+      </p:ext>
+    </p:extLst>
+  </p:cm>
+  <p:cm authorId="2" dt="2017-02-12T20:24:29.450" idx="169">
+    <p:pos x="10" y="490"/>
+    <p:text>Utilizator poate da play, pe video si il poate asculta fraza curenta, ori de cate ori doreste.</p:text>
+    <p:extLst>
+      <p:ext uri="{C676402C-5697-4E1C-873F-D02D1690AC5C}">
+        <p15:threadingInfo xmlns:p15="http://schemas.microsoft.com/office/powerpoint/2012/main" timeZoneBias="-120">
+          <p15:parentCm authorId="2" idx="164"/>
+        </p15:threadingInfo>
+      </p:ext>
+    </p:extLst>
+  </p:cm>
+  <p:cm authorId="2" dt="2017-02-12T20:24:56.888" idx="170">
+    <p:pos x="10" y="586"/>
+    <p:text>Cand este pregatit incepe sa introduca cuvintele din fraza.</p:text>
+    <p:extLst>
+      <p:ext uri="{C676402C-5697-4E1C-873F-D02D1690AC5C}">
+        <p15:threadingInfo xmlns:p15="http://schemas.microsoft.com/office/powerpoint/2012/main" timeZoneBias="-120">
+          <p15:parentCm authorId="2" idx="164"/>
+        </p15:threadingInfo>
+      </p:ext>
+    </p:extLst>
+  </p:cm>
+</p:cmLst>
+</file>
+
+<file path=ppt/comments/comment7.xml><?xml version="1.0" encoding="utf-8"?>
+<p:cmLst xmlns:a="http://schemas.openxmlformats.org/drawingml/2006/main" xmlns:r="http://schemas.openxmlformats.org/officeDocument/2006/relationships" xmlns:p="http://schemas.openxmlformats.org/presentationml/2006/main">
+  <p:cm authorId="2" dt="2017-02-12T20:25:52.872" idx="171">
+    <p:pos x="10" y="10"/>
+    <p:text>Aplicatia nu permite scrierea gresita a cuvintelor. Cat timp cuvantul curent este scris corect, acesta apare cu verde.</p:text>
+    <p:extLst>
+      <p:ext uri="{C676402C-5697-4E1C-873F-D02D1690AC5C}">
+        <p15:threadingInfo xmlns:p15="http://schemas.microsoft.com/office/powerpoint/2012/main" timeZoneBias="-120"/>
+      </p:ext>
+    </p:extLst>
+  </p:cm>
+  <p:cm authorId="2" dt="2017-02-12T20:28:01.008" idx="172">
+    <p:pos x="10" y="106"/>
+    <p:text>In momentul in care am scris o litera gresita , cuvantul se va face rosu</p:text>
+    <p:extLst>
+      <p:ext uri="{C676402C-5697-4E1C-873F-D02D1690AC5C}">
+        <p15:threadingInfo xmlns:p15="http://schemas.microsoft.com/office/powerpoint/2012/main" timeZoneBias="-120">
+          <p15:parentCm authorId="2" idx="171"/>
+        </p15:threadingInfo>
+      </p:ext>
+    </p:extLst>
+  </p:cm>
+  <p:cm authorId="2" dt="2017-02-12T20:28:53.820" idx="173">
+    <p:pos x="10" y="202"/>
+    <p:text>Daca nu userul nu intelege ce cuvant urmeaza, poate apasa butonul "Hint" si poate poate vedea ce cuvant trebe scris.</p:text>
+    <p:extLst>
+      <p:ext uri="{C676402C-5697-4E1C-873F-D02D1690AC5C}">
+        <p15:threadingInfo xmlns:p15="http://schemas.microsoft.com/office/powerpoint/2012/main" timeZoneBias="-120">
+          <p15:parentCm authorId="2" idx="171"/>
+        </p15:threadingInfo>
+      </p:ext>
+    </p:extLst>
+  </p:cm>
+  <p:cm authorId="2" dt="2017-02-12T21:02:19.080" idx="174">
+    <p:pos x="106" y="106"/>
+    <p:text/>
+    <p:extLst>
+      <p:ext uri="{C676402C-5697-4E1C-873F-D02D1690AC5C}">
+        <p15:threadingInfo xmlns:p15="http://schemas.microsoft.com/office/powerpoint/2012/main" timeZoneBias="-120"/>
+      </p:ext>
+    </p:extLst>
+  </p:cm>
+</p:cmLst>
+</file>
+
+<file path=ppt/comments/comment8.xml><?xml version="1.0" encoding="utf-8"?>
+<p:cmLst xmlns:a="http://schemas.openxmlformats.org/drawingml/2006/main" xmlns:r="http://schemas.openxmlformats.org/officeDocument/2006/relationships" xmlns:p="http://schemas.openxmlformats.org/presentationml/2006/main">
+  <p:cm authorId="2" dt="2017-02-12T20:29:40.102" idx="175">
+    <p:pos x="10" y="10"/>
+    <p:text/>
+    <p:extLst>
+      <p:ext uri="{C676402C-5697-4E1C-873F-D02D1690AC5C}">
+        <p15:threadingInfo xmlns:p15="http://schemas.microsoft.com/office/powerpoint/2012/main" timeZoneBias="-120"/>
+      </p:ext>
+    </p:extLst>
+  </p:cm>
+  <p:cm authorId="2" dt="2017-02-12T20:30:07.644" idx="176">
+    <p:pos x="10" y="106"/>
+    <p:text>Cand sa finalizat o lectie, este calculata eficienta.</p:text>
+    <p:extLst>
+      <p:ext uri="{C676402C-5697-4E1C-873F-D02D1690AC5C}">
+        <p15:threadingInfo xmlns:p15="http://schemas.microsoft.com/office/powerpoint/2012/main" timeZoneBias="-120">
+          <p15:parentCm authorId="2" idx="175"/>
+        </p15:threadingInfo>
+      </p:ext>
+    </p:extLst>
+  </p:cm>
+  <p:cm authorId="2" dt="2017-02-12T20:30:58.436" idx="177">
+    <p:pos x="10" y="202"/>
+    <p:text>Ea este calculate in functie de numarul de hint-uri cerute si numarul de cuvinte din video</p:text>
+    <p:extLst>
+      <p:ext uri="{C676402C-5697-4E1C-873F-D02D1690AC5C}">
+        <p15:threadingInfo xmlns:p15="http://schemas.microsoft.com/office/powerpoint/2012/main" timeZoneBias="-120">
+          <p15:parentCm authorId="2" idx="175"/>
+        </p15:threadingInfo>
+      </p:ext>
+    </p:extLst>
+  </p:cm>
+  <p:cm authorId="2" dt="2017-02-12T20:31:34.497" idx="178">
+    <p:pos x="10" y="298"/>
+    <p:text>Ca o lectie sa fie trecuta, trebuie sa se obtine o eficienta de peste 90 %</p:text>
+    <p:extLst>
+      <p:ext uri="{C676402C-5697-4E1C-873F-D02D1690AC5C}">
+        <p15:threadingInfo xmlns:p15="http://schemas.microsoft.com/office/powerpoint/2012/main" timeZoneBias="-120">
+          <p15:parentCm authorId="2" idx="175"/>
+        </p15:threadingInfo>
+      </p:ext>
+    </p:extLst>
+  </p:cm>
+</p:cmLst>
+</file>
+
+<file path=ppt/comments/comment9.xml><?xml version="1.0" encoding="utf-8"?>
+<p:cmLst xmlns:a="http://schemas.openxmlformats.org/drawingml/2006/main" xmlns:r="http://schemas.openxmlformats.org/officeDocument/2006/relationships" xmlns:p="http://schemas.openxmlformats.org/presentationml/2006/main">
+  <p:cm authorId="2" dt="2017-02-12T20:32:27.413" idx="179">
+    <p:pos x="10" y="10"/>
+    <p:text/>
+    <p:extLst>
+      <p:ext uri="{C676402C-5697-4E1C-873F-D02D1690AC5C}">
+        <p15:threadingInfo xmlns:p15="http://schemas.microsoft.com/office/powerpoint/2012/main" timeZoneBias="-120"/>
+      </p:ext>
+    </p:extLst>
+  </p:cm>
+  <p:cm authorId="2" dt="2017-02-12T20:32:30.918" idx="180">
+    <p:pos x="106" y="106"/>
+    <p:text>Prin  modulul writig, utilizatorul isi verifica capacitatile de a traduce in scris fraze.</p:text>
+    <p:extLst>
+      <p:ext uri="{C676402C-5697-4E1C-873F-D02D1690AC5C}">
+        <p15:threadingInfo xmlns:p15="http://schemas.microsoft.com/office/powerpoint/2012/main" timeZoneBias="-120"/>
+      </p:ext>
+    </p:extLst>
+  </p:cm>
+  <p:cm authorId="2" dt="2017-02-12T20:33:33.998" idx="181">
+    <p:pos x="106" y="202"/>
+    <p:text>Acest modul este recomandat sa fie trecut dupa modulul de listening</p:text>
+    <p:extLst>
+      <p:ext uri="{C676402C-5697-4E1C-873F-D02D1690AC5C}">
+        <p15:threadingInfo xmlns:p15="http://schemas.microsoft.com/office/powerpoint/2012/main" timeZoneBias="-120">
+          <p15:parentCm authorId="2" idx="180"/>
+        </p15:threadingInfo>
+      </p:ext>
+    </p:extLst>
+  </p:cm>
+  <p:cm authorId="2" dt="2017-02-12T21:18:02.166" idx="182">
+    <p:pos x="106" y="298"/>
+    <p:text>Dupa scrierea completa a unei fraze acesta va aparea in partea de jos, cu traduce.</p:text>
+    <p:extLst>
+      <p:ext uri="{C676402C-5697-4E1C-873F-D02D1690AC5C}">
+        <p15:threadingInfo xmlns:p15="http://schemas.microsoft.com/office/powerpoint/2012/main" timeZoneBias="-120">
+          <p15:parentCm authorId="2" idx="180"/>
+        </p15:threadingInfo>
+      </p:ext>
+    </p:extLst>
+  </p:cm>
+  <p:cm authorId="2" dt="2017-02-12T21:18:41.618" idx="183">
+    <p:pos x="106" y="394"/>
+    <p:text>In cazul in care treducerea lipseste in baza de date, fraza este tradusa de google translate</p:text>
+    <p:extLst>
+      <p:ext uri="{C676402C-5697-4E1C-873F-D02D1690AC5C}">
+        <p15:threadingInfo xmlns:p15="http://schemas.microsoft.com/office/powerpoint/2012/main" timeZoneBias="-120">
+          <p15:parentCm authorId="2" idx="180"/>
+        </p15:threadingInfo>
+      </p:ext>
+    </p:extLst>
+  </p:cm>
+</p:cmLst>
+</file>
+
 <file path=ppt/handoutMasters/handoutMaster1.xml><?xml version="1.0" encoding="utf-8"?>
 <p:handoutMaster xmlns:a="http://schemas.openxmlformats.org/drawingml/2006/main" xmlns:r="http://schemas.openxmlformats.org/officeDocument/2006/relationships" xmlns:p="http://schemas.openxmlformats.org/presentationml/2006/main">
   <p:cSld>
@@ -225,7 +1021,7 @@
           <a:p>
             <a:fld id="{59041DB8-B66F-4DC8-A96E-33677E0F90FF}" type="datetimeFigureOut">
               <a:rPr lang="en-US" smtClean="0"/>
-              <a:t>2/9/2017</a:t>
+              <a:t>2/13/2017</a:t>
             </a:fld>
             <a:endParaRPr lang="en-US"/>
           </a:p>
@@ -391,7 +1187,7 @@
           <a:p>
             <a:fld id="{DEB49C4A-65AC-492D-9701-81B46C3AD0E4}" type="datetimeFigureOut">
               <a:rPr lang="en-US" smtClean="0"/>
-              <a:t>2/9/2017</a:t>
+              <a:t>2/13/2017</a:t>
             </a:fld>
             <a:endParaRPr lang="en-US"/>
           </a:p>
@@ -710,6 +1506,727 @@
       </p:sp>
       <p:sp>
         <p:nvSpPr>
+          <p:cNvPr id="4" name="Footer Placeholder 3"/>
+          <p:cNvSpPr>
+            <a:spLocks noGrp="1"/>
+          </p:cNvSpPr>
+          <p:nvPr>
+            <p:ph type="ftr" sz="quarter" idx="10"/>
+          </p:nvPr>
+        </p:nvSpPr>
+        <p:spPr/>
+        <p:txBody>
+          <a:bodyPr/>
+          <a:lstStyle/>
+          <a:p>
+            <a:endParaRPr lang="en-US"/>
+          </a:p>
+        </p:txBody>
+      </p:sp>
+      <p:sp>
+        <p:nvSpPr>
+          <p:cNvPr id="5" name="Slide Number Placeholder 4"/>
+          <p:cNvSpPr>
+            <a:spLocks noGrp="1"/>
+          </p:cNvSpPr>
+          <p:nvPr>
+            <p:ph type="sldNum" sz="quarter" idx="11"/>
+          </p:nvPr>
+        </p:nvSpPr>
+        <p:spPr/>
+        <p:txBody>
+          <a:bodyPr/>
+          <a:lstStyle/>
+          <a:p>
+            <a:fld id="{82869989-EB00-4EE7-BCB5-25BDC5BB29F8}" type="slidenum">
+              <a:rPr lang="en-US" smtClean="0"/>
+              <a:t>1</a:t>
+            </a:fld>
+            <a:endParaRPr lang="en-US"/>
+          </a:p>
+        </p:txBody>
+      </p:sp>
+    </p:spTree>
+    <p:extLst>
+      <p:ext uri="{BB962C8B-B14F-4D97-AF65-F5344CB8AC3E}">
+        <p14:creationId xmlns:p14="http://schemas.microsoft.com/office/powerpoint/2010/main" val="510910713"/>
+      </p:ext>
+    </p:extLst>
+  </p:cSld>
+  <p:clrMapOvr>
+    <a:masterClrMapping/>
+  </p:clrMapOvr>
+</p:notes>
+</file>
+
+<file path=ppt/notesSlides/notesSlide10.xml><?xml version="1.0" encoding="utf-8"?>
+<p:notes xmlns:a="http://schemas.openxmlformats.org/drawingml/2006/main" xmlns:r="http://schemas.openxmlformats.org/officeDocument/2006/relationships" xmlns:p="http://schemas.openxmlformats.org/presentationml/2006/main">
+  <p:cSld>
+    <p:spTree>
+      <p:nvGrpSpPr>
+        <p:cNvPr id="1" name=""/>
+        <p:cNvGrpSpPr/>
+        <p:nvPr/>
+      </p:nvGrpSpPr>
+      <p:grpSpPr>
+        <a:xfrm>
+          <a:off x="0" y="0"/>
+          <a:ext cx="0" cy="0"/>
+          <a:chOff x="0" y="0"/>
+          <a:chExt cx="0" cy="0"/>
+        </a:xfrm>
+      </p:grpSpPr>
+      <p:sp>
+        <p:nvSpPr>
+          <p:cNvPr id="2" name="Slide Image Placeholder 1"/>
+          <p:cNvSpPr>
+            <a:spLocks noGrp="1" noRot="1" noChangeAspect="1"/>
+          </p:cNvSpPr>
+          <p:nvPr>
+            <p:ph type="sldImg"/>
+          </p:nvPr>
+        </p:nvSpPr>
+        <p:spPr/>
+      </p:sp>
+      <p:sp>
+        <p:nvSpPr>
+          <p:cNvPr id="3" name="Notes Placeholder 2"/>
+          <p:cNvSpPr>
+            <a:spLocks noGrp="1"/>
+          </p:cNvSpPr>
+          <p:nvPr>
+            <p:ph type="body" idx="1"/>
+          </p:nvPr>
+        </p:nvSpPr>
+        <p:spPr/>
+        <p:txBody>
+          <a:bodyPr/>
+          <a:lstStyle/>
+          <a:p>
+            <a:endParaRPr lang="en-US"/>
+          </a:p>
+        </p:txBody>
+      </p:sp>
+      <p:sp>
+        <p:nvSpPr>
+          <p:cNvPr id="4" name="Footer Placeholder 3"/>
+          <p:cNvSpPr>
+            <a:spLocks noGrp="1"/>
+          </p:cNvSpPr>
+          <p:nvPr>
+            <p:ph type="ftr" sz="quarter" idx="10"/>
+          </p:nvPr>
+        </p:nvSpPr>
+        <p:spPr/>
+        <p:txBody>
+          <a:bodyPr/>
+          <a:lstStyle/>
+          <a:p>
+            <a:endParaRPr lang="en-US"/>
+          </a:p>
+        </p:txBody>
+      </p:sp>
+      <p:sp>
+        <p:nvSpPr>
+          <p:cNvPr id="5" name="Slide Number Placeholder 4"/>
+          <p:cNvSpPr>
+            <a:spLocks noGrp="1"/>
+          </p:cNvSpPr>
+          <p:nvPr>
+            <p:ph type="sldNum" sz="quarter" idx="11"/>
+          </p:nvPr>
+        </p:nvSpPr>
+        <p:spPr/>
+        <p:txBody>
+          <a:bodyPr/>
+          <a:lstStyle/>
+          <a:p>
+            <a:fld id="{82869989-EB00-4EE7-BCB5-25BDC5BB29F8}" type="slidenum">
+              <a:rPr lang="en-US" smtClean="0"/>
+              <a:t>11</a:t>
+            </a:fld>
+            <a:endParaRPr lang="en-US"/>
+          </a:p>
+        </p:txBody>
+      </p:sp>
+    </p:spTree>
+    <p:extLst>
+      <p:ext uri="{BB962C8B-B14F-4D97-AF65-F5344CB8AC3E}">
+        <p14:creationId xmlns:p14="http://schemas.microsoft.com/office/powerpoint/2010/main" val="1866087652"/>
+      </p:ext>
+    </p:extLst>
+  </p:cSld>
+  <p:clrMapOvr>
+    <a:masterClrMapping/>
+  </p:clrMapOvr>
+</p:notes>
+</file>
+
+<file path=ppt/notesSlides/notesSlide11.xml><?xml version="1.0" encoding="utf-8"?>
+<p:notes xmlns:a="http://schemas.openxmlformats.org/drawingml/2006/main" xmlns:r="http://schemas.openxmlformats.org/officeDocument/2006/relationships" xmlns:p="http://schemas.openxmlformats.org/presentationml/2006/main">
+  <p:cSld>
+    <p:spTree>
+      <p:nvGrpSpPr>
+        <p:cNvPr id="1" name=""/>
+        <p:cNvGrpSpPr/>
+        <p:nvPr/>
+      </p:nvGrpSpPr>
+      <p:grpSpPr>
+        <a:xfrm>
+          <a:off x="0" y="0"/>
+          <a:ext cx="0" cy="0"/>
+          <a:chOff x="0" y="0"/>
+          <a:chExt cx="0" cy="0"/>
+        </a:xfrm>
+      </p:grpSpPr>
+      <p:sp>
+        <p:nvSpPr>
+          <p:cNvPr id="2" name="Slide Image Placeholder 1"/>
+          <p:cNvSpPr>
+            <a:spLocks noGrp="1" noRot="1" noChangeAspect="1"/>
+          </p:cNvSpPr>
+          <p:nvPr>
+            <p:ph type="sldImg"/>
+          </p:nvPr>
+        </p:nvSpPr>
+        <p:spPr/>
+      </p:sp>
+      <p:sp>
+        <p:nvSpPr>
+          <p:cNvPr id="3" name="Notes Placeholder 2"/>
+          <p:cNvSpPr>
+            <a:spLocks noGrp="1"/>
+          </p:cNvSpPr>
+          <p:nvPr>
+            <p:ph type="body" idx="1"/>
+          </p:nvPr>
+        </p:nvSpPr>
+        <p:spPr/>
+        <p:txBody>
+          <a:bodyPr/>
+          <a:lstStyle/>
+          <a:p>
+            <a:endParaRPr lang="en-US"/>
+          </a:p>
+        </p:txBody>
+      </p:sp>
+      <p:sp>
+        <p:nvSpPr>
+          <p:cNvPr id="4" name="Footer Placeholder 3"/>
+          <p:cNvSpPr>
+            <a:spLocks noGrp="1"/>
+          </p:cNvSpPr>
+          <p:nvPr>
+            <p:ph type="ftr" sz="quarter" idx="10"/>
+          </p:nvPr>
+        </p:nvSpPr>
+        <p:spPr/>
+        <p:txBody>
+          <a:bodyPr/>
+          <a:lstStyle/>
+          <a:p>
+            <a:endParaRPr lang="en-US"/>
+          </a:p>
+        </p:txBody>
+      </p:sp>
+      <p:sp>
+        <p:nvSpPr>
+          <p:cNvPr id="5" name="Slide Number Placeholder 4"/>
+          <p:cNvSpPr>
+            <a:spLocks noGrp="1"/>
+          </p:cNvSpPr>
+          <p:nvPr>
+            <p:ph type="sldNum" sz="quarter" idx="11"/>
+          </p:nvPr>
+        </p:nvSpPr>
+        <p:spPr/>
+        <p:txBody>
+          <a:bodyPr/>
+          <a:lstStyle/>
+          <a:p>
+            <a:fld id="{82869989-EB00-4EE7-BCB5-25BDC5BB29F8}" type="slidenum">
+              <a:rPr lang="en-US" smtClean="0"/>
+              <a:t>12</a:t>
+            </a:fld>
+            <a:endParaRPr lang="en-US"/>
+          </a:p>
+        </p:txBody>
+      </p:sp>
+    </p:spTree>
+    <p:extLst>
+      <p:ext uri="{BB962C8B-B14F-4D97-AF65-F5344CB8AC3E}">
+        <p14:creationId xmlns:p14="http://schemas.microsoft.com/office/powerpoint/2010/main" val="321160549"/>
+      </p:ext>
+    </p:extLst>
+  </p:cSld>
+  <p:clrMapOvr>
+    <a:masterClrMapping/>
+  </p:clrMapOvr>
+</p:notes>
+</file>
+
+<file path=ppt/notesSlides/notesSlide12.xml><?xml version="1.0" encoding="utf-8"?>
+<p:notes xmlns:a="http://schemas.openxmlformats.org/drawingml/2006/main" xmlns:r="http://schemas.openxmlformats.org/officeDocument/2006/relationships" xmlns:p="http://schemas.openxmlformats.org/presentationml/2006/main">
+  <p:cSld>
+    <p:spTree>
+      <p:nvGrpSpPr>
+        <p:cNvPr id="1" name=""/>
+        <p:cNvGrpSpPr/>
+        <p:nvPr/>
+      </p:nvGrpSpPr>
+      <p:grpSpPr>
+        <a:xfrm>
+          <a:off x="0" y="0"/>
+          <a:ext cx="0" cy="0"/>
+          <a:chOff x="0" y="0"/>
+          <a:chExt cx="0" cy="0"/>
+        </a:xfrm>
+      </p:grpSpPr>
+      <p:sp>
+        <p:nvSpPr>
+          <p:cNvPr id="2" name="Slide Image Placeholder 1"/>
+          <p:cNvSpPr>
+            <a:spLocks noGrp="1" noRot="1" noChangeAspect="1"/>
+          </p:cNvSpPr>
+          <p:nvPr>
+            <p:ph type="sldImg"/>
+          </p:nvPr>
+        </p:nvSpPr>
+        <p:spPr/>
+      </p:sp>
+      <p:sp>
+        <p:nvSpPr>
+          <p:cNvPr id="3" name="Notes Placeholder 2"/>
+          <p:cNvSpPr>
+            <a:spLocks noGrp="1"/>
+          </p:cNvSpPr>
+          <p:nvPr>
+            <p:ph type="body" idx="1"/>
+          </p:nvPr>
+        </p:nvSpPr>
+        <p:spPr/>
+        <p:txBody>
+          <a:bodyPr/>
+          <a:lstStyle/>
+          <a:p>
+            <a:endParaRPr lang="en-US"/>
+          </a:p>
+        </p:txBody>
+      </p:sp>
+      <p:sp>
+        <p:nvSpPr>
+          <p:cNvPr id="4" name="Footer Placeholder 3"/>
+          <p:cNvSpPr>
+            <a:spLocks noGrp="1"/>
+          </p:cNvSpPr>
+          <p:nvPr>
+            <p:ph type="ftr" sz="quarter" idx="10"/>
+          </p:nvPr>
+        </p:nvSpPr>
+        <p:spPr/>
+        <p:txBody>
+          <a:bodyPr/>
+          <a:lstStyle/>
+          <a:p>
+            <a:endParaRPr lang="en-US"/>
+          </a:p>
+        </p:txBody>
+      </p:sp>
+      <p:sp>
+        <p:nvSpPr>
+          <p:cNvPr id="5" name="Slide Number Placeholder 4"/>
+          <p:cNvSpPr>
+            <a:spLocks noGrp="1"/>
+          </p:cNvSpPr>
+          <p:nvPr>
+            <p:ph type="sldNum" sz="quarter" idx="11"/>
+          </p:nvPr>
+        </p:nvSpPr>
+        <p:spPr/>
+        <p:txBody>
+          <a:bodyPr/>
+          <a:lstStyle/>
+          <a:p>
+            <a:fld id="{82869989-EB00-4EE7-BCB5-25BDC5BB29F8}" type="slidenum">
+              <a:rPr lang="en-US" smtClean="0"/>
+              <a:t>13</a:t>
+            </a:fld>
+            <a:endParaRPr lang="en-US"/>
+          </a:p>
+        </p:txBody>
+      </p:sp>
+    </p:spTree>
+    <p:extLst>
+      <p:ext uri="{BB962C8B-B14F-4D97-AF65-F5344CB8AC3E}">
+        <p14:creationId xmlns:p14="http://schemas.microsoft.com/office/powerpoint/2010/main" val="1562654361"/>
+      </p:ext>
+    </p:extLst>
+  </p:cSld>
+  <p:clrMapOvr>
+    <a:masterClrMapping/>
+  </p:clrMapOvr>
+</p:notes>
+</file>
+
+<file path=ppt/notesSlides/notesSlide13.xml><?xml version="1.0" encoding="utf-8"?>
+<p:notes xmlns:a="http://schemas.openxmlformats.org/drawingml/2006/main" xmlns:r="http://schemas.openxmlformats.org/officeDocument/2006/relationships" xmlns:p="http://schemas.openxmlformats.org/presentationml/2006/main">
+  <p:cSld>
+    <p:spTree>
+      <p:nvGrpSpPr>
+        <p:cNvPr id="1" name=""/>
+        <p:cNvGrpSpPr/>
+        <p:nvPr/>
+      </p:nvGrpSpPr>
+      <p:grpSpPr>
+        <a:xfrm>
+          <a:off x="0" y="0"/>
+          <a:ext cx="0" cy="0"/>
+          <a:chOff x="0" y="0"/>
+          <a:chExt cx="0" cy="0"/>
+        </a:xfrm>
+      </p:grpSpPr>
+      <p:sp>
+        <p:nvSpPr>
+          <p:cNvPr id="2" name="Slide Image Placeholder 1"/>
+          <p:cNvSpPr>
+            <a:spLocks noGrp="1" noRot="1" noChangeAspect="1"/>
+          </p:cNvSpPr>
+          <p:nvPr>
+            <p:ph type="sldImg"/>
+          </p:nvPr>
+        </p:nvSpPr>
+        <p:spPr/>
+      </p:sp>
+      <p:sp>
+        <p:nvSpPr>
+          <p:cNvPr id="3" name="Notes Placeholder 2"/>
+          <p:cNvSpPr>
+            <a:spLocks noGrp="1"/>
+          </p:cNvSpPr>
+          <p:nvPr>
+            <p:ph type="body" idx="1"/>
+          </p:nvPr>
+        </p:nvSpPr>
+        <p:spPr/>
+        <p:txBody>
+          <a:bodyPr/>
+          <a:lstStyle/>
+          <a:p>
+            <a:endParaRPr lang="en-US"/>
+          </a:p>
+        </p:txBody>
+      </p:sp>
+      <p:sp>
+        <p:nvSpPr>
+          <p:cNvPr id="4" name="Footer Placeholder 3"/>
+          <p:cNvSpPr>
+            <a:spLocks noGrp="1"/>
+          </p:cNvSpPr>
+          <p:nvPr>
+            <p:ph type="ftr" sz="quarter" idx="10"/>
+          </p:nvPr>
+        </p:nvSpPr>
+        <p:spPr/>
+        <p:txBody>
+          <a:bodyPr/>
+          <a:lstStyle/>
+          <a:p>
+            <a:endParaRPr lang="en-US"/>
+          </a:p>
+        </p:txBody>
+      </p:sp>
+      <p:sp>
+        <p:nvSpPr>
+          <p:cNvPr id="5" name="Slide Number Placeholder 4"/>
+          <p:cNvSpPr>
+            <a:spLocks noGrp="1"/>
+          </p:cNvSpPr>
+          <p:nvPr>
+            <p:ph type="sldNum" sz="quarter" idx="11"/>
+          </p:nvPr>
+        </p:nvSpPr>
+        <p:spPr/>
+        <p:txBody>
+          <a:bodyPr/>
+          <a:lstStyle/>
+          <a:p>
+            <a:fld id="{82869989-EB00-4EE7-BCB5-25BDC5BB29F8}" type="slidenum">
+              <a:rPr lang="en-US" smtClean="0"/>
+              <a:t>14</a:t>
+            </a:fld>
+            <a:endParaRPr lang="en-US"/>
+          </a:p>
+        </p:txBody>
+      </p:sp>
+    </p:spTree>
+    <p:extLst>
+      <p:ext uri="{BB962C8B-B14F-4D97-AF65-F5344CB8AC3E}">
+        <p14:creationId xmlns:p14="http://schemas.microsoft.com/office/powerpoint/2010/main" val="2162121710"/>
+      </p:ext>
+    </p:extLst>
+  </p:cSld>
+  <p:clrMapOvr>
+    <a:masterClrMapping/>
+  </p:clrMapOvr>
+</p:notes>
+</file>
+
+<file path=ppt/notesSlides/notesSlide14.xml><?xml version="1.0" encoding="utf-8"?>
+<p:notes xmlns:a="http://schemas.openxmlformats.org/drawingml/2006/main" xmlns:r="http://schemas.openxmlformats.org/officeDocument/2006/relationships" xmlns:p="http://schemas.openxmlformats.org/presentationml/2006/main">
+  <p:cSld>
+    <p:spTree>
+      <p:nvGrpSpPr>
+        <p:cNvPr id="1" name=""/>
+        <p:cNvGrpSpPr/>
+        <p:nvPr/>
+      </p:nvGrpSpPr>
+      <p:grpSpPr>
+        <a:xfrm>
+          <a:off x="0" y="0"/>
+          <a:ext cx="0" cy="0"/>
+          <a:chOff x="0" y="0"/>
+          <a:chExt cx="0" cy="0"/>
+        </a:xfrm>
+      </p:grpSpPr>
+      <p:sp>
+        <p:nvSpPr>
+          <p:cNvPr id="2" name="Slide Image Placeholder 1"/>
+          <p:cNvSpPr>
+            <a:spLocks noGrp="1" noRot="1" noChangeAspect="1"/>
+          </p:cNvSpPr>
+          <p:nvPr>
+            <p:ph type="sldImg"/>
+          </p:nvPr>
+        </p:nvSpPr>
+        <p:spPr/>
+      </p:sp>
+      <p:sp>
+        <p:nvSpPr>
+          <p:cNvPr id="3" name="Notes Placeholder 2"/>
+          <p:cNvSpPr>
+            <a:spLocks noGrp="1"/>
+          </p:cNvSpPr>
+          <p:nvPr>
+            <p:ph type="body" idx="1"/>
+          </p:nvPr>
+        </p:nvSpPr>
+        <p:spPr/>
+        <p:txBody>
+          <a:bodyPr/>
+          <a:lstStyle/>
+          <a:p>
+            <a:endParaRPr lang="en-US"/>
+          </a:p>
+        </p:txBody>
+      </p:sp>
+      <p:sp>
+        <p:nvSpPr>
+          <p:cNvPr id="4" name="Footer Placeholder 3"/>
+          <p:cNvSpPr>
+            <a:spLocks noGrp="1"/>
+          </p:cNvSpPr>
+          <p:nvPr>
+            <p:ph type="ftr" sz="quarter" idx="10"/>
+          </p:nvPr>
+        </p:nvSpPr>
+        <p:spPr/>
+        <p:txBody>
+          <a:bodyPr/>
+          <a:lstStyle/>
+          <a:p>
+            <a:endParaRPr lang="en-US"/>
+          </a:p>
+        </p:txBody>
+      </p:sp>
+      <p:sp>
+        <p:nvSpPr>
+          <p:cNvPr id="5" name="Slide Number Placeholder 4"/>
+          <p:cNvSpPr>
+            <a:spLocks noGrp="1"/>
+          </p:cNvSpPr>
+          <p:nvPr>
+            <p:ph type="sldNum" sz="quarter" idx="11"/>
+          </p:nvPr>
+        </p:nvSpPr>
+        <p:spPr/>
+        <p:txBody>
+          <a:bodyPr/>
+          <a:lstStyle/>
+          <a:p>
+            <a:fld id="{82869989-EB00-4EE7-BCB5-25BDC5BB29F8}" type="slidenum">
+              <a:rPr lang="en-US" smtClean="0"/>
+              <a:t>15</a:t>
+            </a:fld>
+            <a:endParaRPr lang="en-US"/>
+          </a:p>
+        </p:txBody>
+      </p:sp>
+    </p:spTree>
+    <p:extLst>
+      <p:ext uri="{BB962C8B-B14F-4D97-AF65-F5344CB8AC3E}">
+        <p14:creationId xmlns:p14="http://schemas.microsoft.com/office/powerpoint/2010/main" val="3144178900"/>
+      </p:ext>
+    </p:extLst>
+  </p:cSld>
+  <p:clrMapOvr>
+    <a:masterClrMapping/>
+  </p:clrMapOvr>
+</p:notes>
+</file>
+
+<file path=ppt/notesSlides/notesSlide15.xml><?xml version="1.0" encoding="utf-8"?>
+<p:notes xmlns:a="http://schemas.openxmlformats.org/drawingml/2006/main" xmlns:r="http://schemas.openxmlformats.org/officeDocument/2006/relationships" xmlns:p="http://schemas.openxmlformats.org/presentationml/2006/main">
+  <p:cSld>
+    <p:spTree>
+      <p:nvGrpSpPr>
+        <p:cNvPr id="1" name=""/>
+        <p:cNvGrpSpPr/>
+        <p:nvPr/>
+      </p:nvGrpSpPr>
+      <p:grpSpPr>
+        <a:xfrm>
+          <a:off x="0" y="0"/>
+          <a:ext cx="0" cy="0"/>
+          <a:chOff x="0" y="0"/>
+          <a:chExt cx="0" cy="0"/>
+        </a:xfrm>
+      </p:grpSpPr>
+      <p:sp>
+        <p:nvSpPr>
+          <p:cNvPr id="2" name="Slide Image Placeholder 1"/>
+          <p:cNvSpPr>
+            <a:spLocks noGrp="1" noRot="1" noChangeAspect="1"/>
+          </p:cNvSpPr>
+          <p:nvPr>
+            <p:ph type="sldImg"/>
+          </p:nvPr>
+        </p:nvSpPr>
+        <p:spPr/>
+      </p:sp>
+      <p:sp>
+        <p:nvSpPr>
+          <p:cNvPr id="3" name="Notes Placeholder 2"/>
+          <p:cNvSpPr>
+            <a:spLocks noGrp="1"/>
+          </p:cNvSpPr>
+          <p:nvPr>
+            <p:ph type="body" idx="1"/>
+          </p:nvPr>
+        </p:nvSpPr>
+        <p:spPr/>
+        <p:txBody>
+          <a:bodyPr/>
+          <a:lstStyle/>
+          <a:p>
+            <a:endParaRPr lang="en-US"/>
+          </a:p>
+        </p:txBody>
+      </p:sp>
+      <p:sp>
+        <p:nvSpPr>
+          <p:cNvPr id="4" name="Footer Placeholder 3"/>
+          <p:cNvSpPr>
+            <a:spLocks noGrp="1"/>
+          </p:cNvSpPr>
+          <p:nvPr>
+            <p:ph type="ftr" sz="quarter" idx="10"/>
+          </p:nvPr>
+        </p:nvSpPr>
+        <p:spPr/>
+        <p:txBody>
+          <a:bodyPr/>
+          <a:lstStyle/>
+          <a:p>
+            <a:endParaRPr lang="en-US"/>
+          </a:p>
+        </p:txBody>
+      </p:sp>
+      <p:sp>
+        <p:nvSpPr>
+          <p:cNvPr id="5" name="Slide Number Placeholder 4"/>
+          <p:cNvSpPr>
+            <a:spLocks noGrp="1"/>
+          </p:cNvSpPr>
+          <p:nvPr>
+            <p:ph type="sldNum" sz="quarter" idx="11"/>
+          </p:nvPr>
+        </p:nvSpPr>
+        <p:spPr/>
+        <p:txBody>
+          <a:bodyPr/>
+          <a:lstStyle/>
+          <a:p>
+            <a:fld id="{82869989-EB00-4EE7-BCB5-25BDC5BB29F8}" type="slidenum">
+              <a:rPr lang="en-US" smtClean="0"/>
+              <a:t>19</a:t>
+            </a:fld>
+            <a:endParaRPr lang="en-US"/>
+          </a:p>
+        </p:txBody>
+      </p:sp>
+    </p:spTree>
+    <p:extLst>
+      <p:ext uri="{BB962C8B-B14F-4D97-AF65-F5344CB8AC3E}">
+        <p14:creationId xmlns:p14="http://schemas.microsoft.com/office/powerpoint/2010/main" val="3100135335"/>
+      </p:ext>
+    </p:extLst>
+  </p:cSld>
+  <p:clrMapOvr>
+    <a:masterClrMapping/>
+  </p:clrMapOvr>
+</p:notes>
+</file>
+
+<file path=ppt/notesSlides/notesSlide2.xml><?xml version="1.0" encoding="utf-8"?>
+<p:notes xmlns:a="http://schemas.openxmlformats.org/drawingml/2006/main" xmlns:r="http://schemas.openxmlformats.org/officeDocument/2006/relationships" xmlns:p="http://schemas.openxmlformats.org/presentationml/2006/main">
+  <p:cSld>
+    <p:spTree>
+      <p:nvGrpSpPr>
+        <p:cNvPr id="1" name=""/>
+        <p:cNvGrpSpPr/>
+        <p:nvPr/>
+      </p:nvGrpSpPr>
+      <p:grpSpPr>
+        <a:xfrm>
+          <a:off x="0" y="0"/>
+          <a:ext cx="0" cy="0"/>
+          <a:chOff x="0" y="0"/>
+          <a:chExt cx="0" cy="0"/>
+        </a:xfrm>
+      </p:grpSpPr>
+      <p:sp>
+        <p:nvSpPr>
+          <p:cNvPr id="2" name="Slide Image Placeholder 1"/>
+          <p:cNvSpPr>
+            <a:spLocks noGrp="1" noRot="1" noChangeAspect="1"/>
+          </p:cNvSpPr>
+          <p:nvPr>
+            <p:ph type="sldImg"/>
+          </p:nvPr>
+        </p:nvSpPr>
+        <p:spPr/>
+      </p:sp>
+      <p:sp>
+        <p:nvSpPr>
+          <p:cNvPr id="3" name="Notes Placeholder 2"/>
+          <p:cNvSpPr>
+            <a:spLocks noGrp="1"/>
+          </p:cNvSpPr>
+          <p:nvPr>
+            <p:ph type="body" idx="1"/>
+          </p:nvPr>
+        </p:nvSpPr>
+        <p:spPr/>
+        <p:txBody>
+          <a:bodyPr/>
+          <a:lstStyle/>
+          <a:p>
+            <a:endParaRPr lang="en-US"/>
+          </a:p>
+        </p:txBody>
+      </p:sp>
+      <p:sp>
+        <p:nvSpPr>
           <p:cNvPr id="4" name="Slide Number Placeholder 3"/>
           <p:cNvSpPr>
             <a:spLocks noGrp="1"/>
@@ -754,6 +2271,727 @@
     <p:extLst>
       <p:ext uri="{BB962C8B-B14F-4D97-AF65-F5344CB8AC3E}">
         <p14:creationId xmlns:p14="http://schemas.microsoft.com/office/powerpoint/2010/main" val="1980303916"/>
+      </p:ext>
+    </p:extLst>
+  </p:cSld>
+  <p:clrMapOvr>
+    <a:masterClrMapping/>
+  </p:clrMapOvr>
+</p:notes>
+</file>
+
+<file path=ppt/notesSlides/notesSlide3.xml><?xml version="1.0" encoding="utf-8"?>
+<p:notes xmlns:a="http://schemas.openxmlformats.org/drawingml/2006/main" xmlns:r="http://schemas.openxmlformats.org/officeDocument/2006/relationships" xmlns:p="http://schemas.openxmlformats.org/presentationml/2006/main">
+  <p:cSld>
+    <p:spTree>
+      <p:nvGrpSpPr>
+        <p:cNvPr id="1" name=""/>
+        <p:cNvGrpSpPr/>
+        <p:nvPr/>
+      </p:nvGrpSpPr>
+      <p:grpSpPr>
+        <a:xfrm>
+          <a:off x="0" y="0"/>
+          <a:ext cx="0" cy="0"/>
+          <a:chOff x="0" y="0"/>
+          <a:chExt cx="0" cy="0"/>
+        </a:xfrm>
+      </p:grpSpPr>
+      <p:sp>
+        <p:nvSpPr>
+          <p:cNvPr id="2" name="Slide Image Placeholder 1"/>
+          <p:cNvSpPr>
+            <a:spLocks noGrp="1" noRot="1" noChangeAspect="1"/>
+          </p:cNvSpPr>
+          <p:nvPr>
+            <p:ph type="sldImg"/>
+          </p:nvPr>
+        </p:nvSpPr>
+        <p:spPr/>
+      </p:sp>
+      <p:sp>
+        <p:nvSpPr>
+          <p:cNvPr id="3" name="Notes Placeholder 2"/>
+          <p:cNvSpPr>
+            <a:spLocks noGrp="1"/>
+          </p:cNvSpPr>
+          <p:nvPr>
+            <p:ph type="body" idx="1"/>
+          </p:nvPr>
+        </p:nvSpPr>
+        <p:spPr/>
+        <p:txBody>
+          <a:bodyPr/>
+          <a:lstStyle/>
+          <a:p>
+            <a:endParaRPr lang="en-US"/>
+          </a:p>
+        </p:txBody>
+      </p:sp>
+      <p:sp>
+        <p:nvSpPr>
+          <p:cNvPr id="4" name="Footer Placeholder 3"/>
+          <p:cNvSpPr>
+            <a:spLocks noGrp="1"/>
+          </p:cNvSpPr>
+          <p:nvPr>
+            <p:ph type="ftr" sz="quarter" idx="10"/>
+          </p:nvPr>
+        </p:nvSpPr>
+        <p:spPr/>
+        <p:txBody>
+          <a:bodyPr/>
+          <a:lstStyle/>
+          <a:p>
+            <a:endParaRPr lang="en-US"/>
+          </a:p>
+        </p:txBody>
+      </p:sp>
+      <p:sp>
+        <p:nvSpPr>
+          <p:cNvPr id="5" name="Slide Number Placeholder 4"/>
+          <p:cNvSpPr>
+            <a:spLocks noGrp="1"/>
+          </p:cNvSpPr>
+          <p:nvPr>
+            <p:ph type="sldNum" sz="quarter" idx="11"/>
+          </p:nvPr>
+        </p:nvSpPr>
+        <p:spPr/>
+        <p:txBody>
+          <a:bodyPr/>
+          <a:lstStyle/>
+          <a:p>
+            <a:fld id="{82869989-EB00-4EE7-BCB5-25BDC5BB29F8}" type="slidenum">
+              <a:rPr lang="en-US" smtClean="0"/>
+              <a:t>3</a:t>
+            </a:fld>
+            <a:endParaRPr lang="en-US"/>
+          </a:p>
+        </p:txBody>
+      </p:sp>
+    </p:spTree>
+    <p:extLst>
+      <p:ext uri="{BB962C8B-B14F-4D97-AF65-F5344CB8AC3E}">
+        <p14:creationId xmlns:p14="http://schemas.microsoft.com/office/powerpoint/2010/main" val="1315068976"/>
+      </p:ext>
+    </p:extLst>
+  </p:cSld>
+  <p:clrMapOvr>
+    <a:masterClrMapping/>
+  </p:clrMapOvr>
+</p:notes>
+</file>
+
+<file path=ppt/notesSlides/notesSlide4.xml><?xml version="1.0" encoding="utf-8"?>
+<p:notes xmlns:a="http://schemas.openxmlformats.org/drawingml/2006/main" xmlns:r="http://schemas.openxmlformats.org/officeDocument/2006/relationships" xmlns:p="http://schemas.openxmlformats.org/presentationml/2006/main">
+  <p:cSld>
+    <p:spTree>
+      <p:nvGrpSpPr>
+        <p:cNvPr id="1" name=""/>
+        <p:cNvGrpSpPr/>
+        <p:nvPr/>
+      </p:nvGrpSpPr>
+      <p:grpSpPr>
+        <a:xfrm>
+          <a:off x="0" y="0"/>
+          <a:ext cx="0" cy="0"/>
+          <a:chOff x="0" y="0"/>
+          <a:chExt cx="0" cy="0"/>
+        </a:xfrm>
+      </p:grpSpPr>
+      <p:sp>
+        <p:nvSpPr>
+          <p:cNvPr id="2" name="Slide Image Placeholder 1"/>
+          <p:cNvSpPr>
+            <a:spLocks noGrp="1" noRot="1" noChangeAspect="1"/>
+          </p:cNvSpPr>
+          <p:nvPr>
+            <p:ph type="sldImg"/>
+          </p:nvPr>
+        </p:nvSpPr>
+        <p:spPr/>
+      </p:sp>
+      <p:sp>
+        <p:nvSpPr>
+          <p:cNvPr id="3" name="Notes Placeholder 2"/>
+          <p:cNvSpPr>
+            <a:spLocks noGrp="1"/>
+          </p:cNvSpPr>
+          <p:nvPr>
+            <p:ph type="body" idx="1"/>
+          </p:nvPr>
+        </p:nvSpPr>
+        <p:spPr/>
+        <p:txBody>
+          <a:bodyPr/>
+          <a:lstStyle/>
+          <a:p>
+            <a:endParaRPr lang="en-US"/>
+          </a:p>
+        </p:txBody>
+      </p:sp>
+      <p:sp>
+        <p:nvSpPr>
+          <p:cNvPr id="4" name="Footer Placeholder 3"/>
+          <p:cNvSpPr>
+            <a:spLocks noGrp="1"/>
+          </p:cNvSpPr>
+          <p:nvPr>
+            <p:ph type="ftr" sz="quarter" idx="10"/>
+          </p:nvPr>
+        </p:nvSpPr>
+        <p:spPr/>
+        <p:txBody>
+          <a:bodyPr/>
+          <a:lstStyle/>
+          <a:p>
+            <a:endParaRPr lang="en-US"/>
+          </a:p>
+        </p:txBody>
+      </p:sp>
+      <p:sp>
+        <p:nvSpPr>
+          <p:cNvPr id="5" name="Slide Number Placeholder 4"/>
+          <p:cNvSpPr>
+            <a:spLocks noGrp="1"/>
+          </p:cNvSpPr>
+          <p:nvPr>
+            <p:ph type="sldNum" sz="quarter" idx="11"/>
+          </p:nvPr>
+        </p:nvSpPr>
+        <p:spPr/>
+        <p:txBody>
+          <a:bodyPr/>
+          <a:lstStyle/>
+          <a:p>
+            <a:fld id="{82869989-EB00-4EE7-BCB5-25BDC5BB29F8}" type="slidenum">
+              <a:rPr lang="en-US" smtClean="0"/>
+              <a:t>4</a:t>
+            </a:fld>
+            <a:endParaRPr lang="en-US"/>
+          </a:p>
+        </p:txBody>
+      </p:sp>
+    </p:spTree>
+    <p:extLst>
+      <p:ext uri="{BB962C8B-B14F-4D97-AF65-F5344CB8AC3E}">
+        <p14:creationId xmlns:p14="http://schemas.microsoft.com/office/powerpoint/2010/main" val="862836476"/>
+      </p:ext>
+    </p:extLst>
+  </p:cSld>
+  <p:clrMapOvr>
+    <a:masterClrMapping/>
+  </p:clrMapOvr>
+</p:notes>
+</file>
+
+<file path=ppt/notesSlides/notesSlide5.xml><?xml version="1.0" encoding="utf-8"?>
+<p:notes xmlns:a="http://schemas.openxmlformats.org/drawingml/2006/main" xmlns:r="http://schemas.openxmlformats.org/officeDocument/2006/relationships" xmlns:p="http://schemas.openxmlformats.org/presentationml/2006/main">
+  <p:cSld>
+    <p:spTree>
+      <p:nvGrpSpPr>
+        <p:cNvPr id="1" name=""/>
+        <p:cNvGrpSpPr/>
+        <p:nvPr/>
+      </p:nvGrpSpPr>
+      <p:grpSpPr>
+        <a:xfrm>
+          <a:off x="0" y="0"/>
+          <a:ext cx="0" cy="0"/>
+          <a:chOff x="0" y="0"/>
+          <a:chExt cx="0" cy="0"/>
+        </a:xfrm>
+      </p:grpSpPr>
+      <p:sp>
+        <p:nvSpPr>
+          <p:cNvPr id="2" name="Slide Image Placeholder 1"/>
+          <p:cNvSpPr>
+            <a:spLocks noGrp="1" noRot="1" noChangeAspect="1"/>
+          </p:cNvSpPr>
+          <p:nvPr>
+            <p:ph type="sldImg"/>
+          </p:nvPr>
+        </p:nvSpPr>
+        <p:spPr/>
+      </p:sp>
+      <p:sp>
+        <p:nvSpPr>
+          <p:cNvPr id="3" name="Notes Placeholder 2"/>
+          <p:cNvSpPr>
+            <a:spLocks noGrp="1"/>
+          </p:cNvSpPr>
+          <p:nvPr>
+            <p:ph type="body" idx="1"/>
+          </p:nvPr>
+        </p:nvSpPr>
+        <p:spPr/>
+        <p:txBody>
+          <a:bodyPr/>
+          <a:lstStyle/>
+          <a:p>
+            <a:endParaRPr lang="en-US"/>
+          </a:p>
+        </p:txBody>
+      </p:sp>
+      <p:sp>
+        <p:nvSpPr>
+          <p:cNvPr id="4" name="Footer Placeholder 3"/>
+          <p:cNvSpPr>
+            <a:spLocks noGrp="1"/>
+          </p:cNvSpPr>
+          <p:nvPr>
+            <p:ph type="ftr" sz="quarter" idx="10"/>
+          </p:nvPr>
+        </p:nvSpPr>
+        <p:spPr/>
+        <p:txBody>
+          <a:bodyPr/>
+          <a:lstStyle/>
+          <a:p>
+            <a:endParaRPr lang="en-US"/>
+          </a:p>
+        </p:txBody>
+      </p:sp>
+      <p:sp>
+        <p:nvSpPr>
+          <p:cNvPr id="5" name="Slide Number Placeholder 4"/>
+          <p:cNvSpPr>
+            <a:spLocks noGrp="1"/>
+          </p:cNvSpPr>
+          <p:nvPr>
+            <p:ph type="sldNum" sz="quarter" idx="11"/>
+          </p:nvPr>
+        </p:nvSpPr>
+        <p:spPr/>
+        <p:txBody>
+          <a:bodyPr/>
+          <a:lstStyle/>
+          <a:p>
+            <a:fld id="{82869989-EB00-4EE7-BCB5-25BDC5BB29F8}" type="slidenum">
+              <a:rPr lang="en-US" smtClean="0"/>
+              <a:t>5</a:t>
+            </a:fld>
+            <a:endParaRPr lang="en-US"/>
+          </a:p>
+        </p:txBody>
+      </p:sp>
+    </p:spTree>
+    <p:extLst>
+      <p:ext uri="{BB962C8B-B14F-4D97-AF65-F5344CB8AC3E}">
+        <p14:creationId xmlns:p14="http://schemas.microsoft.com/office/powerpoint/2010/main" val="2006459795"/>
+      </p:ext>
+    </p:extLst>
+  </p:cSld>
+  <p:clrMapOvr>
+    <a:masterClrMapping/>
+  </p:clrMapOvr>
+</p:notes>
+</file>
+
+<file path=ppt/notesSlides/notesSlide6.xml><?xml version="1.0" encoding="utf-8"?>
+<p:notes xmlns:a="http://schemas.openxmlformats.org/drawingml/2006/main" xmlns:r="http://schemas.openxmlformats.org/officeDocument/2006/relationships" xmlns:p="http://schemas.openxmlformats.org/presentationml/2006/main">
+  <p:cSld>
+    <p:spTree>
+      <p:nvGrpSpPr>
+        <p:cNvPr id="1" name=""/>
+        <p:cNvGrpSpPr/>
+        <p:nvPr/>
+      </p:nvGrpSpPr>
+      <p:grpSpPr>
+        <a:xfrm>
+          <a:off x="0" y="0"/>
+          <a:ext cx="0" cy="0"/>
+          <a:chOff x="0" y="0"/>
+          <a:chExt cx="0" cy="0"/>
+        </a:xfrm>
+      </p:grpSpPr>
+      <p:sp>
+        <p:nvSpPr>
+          <p:cNvPr id="2" name="Slide Image Placeholder 1"/>
+          <p:cNvSpPr>
+            <a:spLocks noGrp="1" noRot="1" noChangeAspect="1"/>
+          </p:cNvSpPr>
+          <p:nvPr>
+            <p:ph type="sldImg"/>
+          </p:nvPr>
+        </p:nvSpPr>
+        <p:spPr/>
+      </p:sp>
+      <p:sp>
+        <p:nvSpPr>
+          <p:cNvPr id="3" name="Notes Placeholder 2"/>
+          <p:cNvSpPr>
+            <a:spLocks noGrp="1"/>
+          </p:cNvSpPr>
+          <p:nvPr>
+            <p:ph type="body" idx="1"/>
+          </p:nvPr>
+        </p:nvSpPr>
+        <p:spPr/>
+        <p:txBody>
+          <a:bodyPr/>
+          <a:lstStyle/>
+          <a:p>
+            <a:endParaRPr lang="en-US"/>
+          </a:p>
+        </p:txBody>
+      </p:sp>
+      <p:sp>
+        <p:nvSpPr>
+          <p:cNvPr id="4" name="Footer Placeholder 3"/>
+          <p:cNvSpPr>
+            <a:spLocks noGrp="1"/>
+          </p:cNvSpPr>
+          <p:nvPr>
+            <p:ph type="ftr" sz="quarter" idx="10"/>
+          </p:nvPr>
+        </p:nvSpPr>
+        <p:spPr/>
+        <p:txBody>
+          <a:bodyPr/>
+          <a:lstStyle/>
+          <a:p>
+            <a:endParaRPr lang="en-US"/>
+          </a:p>
+        </p:txBody>
+      </p:sp>
+      <p:sp>
+        <p:nvSpPr>
+          <p:cNvPr id="5" name="Slide Number Placeholder 4"/>
+          <p:cNvSpPr>
+            <a:spLocks noGrp="1"/>
+          </p:cNvSpPr>
+          <p:nvPr>
+            <p:ph type="sldNum" sz="quarter" idx="11"/>
+          </p:nvPr>
+        </p:nvSpPr>
+        <p:spPr/>
+        <p:txBody>
+          <a:bodyPr/>
+          <a:lstStyle/>
+          <a:p>
+            <a:fld id="{82869989-EB00-4EE7-BCB5-25BDC5BB29F8}" type="slidenum">
+              <a:rPr lang="en-US" smtClean="0"/>
+              <a:t>7</a:t>
+            </a:fld>
+            <a:endParaRPr lang="en-US"/>
+          </a:p>
+        </p:txBody>
+      </p:sp>
+    </p:spTree>
+    <p:extLst>
+      <p:ext uri="{BB962C8B-B14F-4D97-AF65-F5344CB8AC3E}">
+        <p14:creationId xmlns:p14="http://schemas.microsoft.com/office/powerpoint/2010/main" val="2918958954"/>
+      </p:ext>
+    </p:extLst>
+  </p:cSld>
+  <p:clrMapOvr>
+    <a:masterClrMapping/>
+  </p:clrMapOvr>
+</p:notes>
+</file>
+
+<file path=ppt/notesSlides/notesSlide7.xml><?xml version="1.0" encoding="utf-8"?>
+<p:notes xmlns:a="http://schemas.openxmlformats.org/drawingml/2006/main" xmlns:r="http://schemas.openxmlformats.org/officeDocument/2006/relationships" xmlns:p="http://schemas.openxmlformats.org/presentationml/2006/main">
+  <p:cSld>
+    <p:spTree>
+      <p:nvGrpSpPr>
+        <p:cNvPr id="1" name=""/>
+        <p:cNvGrpSpPr/>
+        <p:nvPr/>
+      </p:nvGrpSpPr>
+      <p:grpSpPr>
+        <a:xfrm>
+          <a:off x="0" y="0"/>
+          <a:ext cx="0" cy="0"/>
+          <a:chOff x="0" y="0"/>
+          <a:chExt cx="0" cy="0"/>
+        </a:xfrm>
+      </p:grpSpPr>
+      <p:sp>
+        <p:nvSpPr>
+          <p:cNvPr id="2" name="Slide Image Placeholder 1"/>
+          <p:cNvSpPr>
+            <a:spLocks noGrp="1" noRot="1" noChangeAspect="1"/>
+          </p:cNvSpPr>
+          <p:nvPr>
+            <p:ph type="sldImg"/>
+          </p:nvPr>
+        </p:nvSpPr>
+        <p:spPr/>
+      </p:sp>
+      <p:sp>
+        <p:nvSpPr>
+          <p:cNvPr id="3" name="Notes Placeholder 2"/>
+          <p:cNvSpPr>
+            <a:spLocks noGrp="1"/>
+          </p:cNvSpPr>
+          <p:nvPr>
+            <p:ph type="body" idx="1"/>
+          </p:nvPr>
+        </p:nvSpPr>
+        <p:spPr/>
+        <p:txBody>
+          <a:bodyPr/>
+          <a:lstStyle/>
+          <a:p>
+            <a:endParaRPr lang="en-US"/>
+          </a:p>
+        </p:txBody>
+      </p:sp>
+      <p:sp>
+        <p:nvSpPr>
+          <p:cNvPr id="4" name="Footer Placeholder 3"/>
+          <p:cNvSpPr>
+            <a:spLocks noGrp="1"/>
+          </p:cNvSpPr>
+          <p:nvPr>
+            <p:ph type="ftr" sz="quarter" idx="10"/>
+          </p:nvPr>
+        </p:nvSpPr>
+        <p:spPr/>
+        <p:txBody>
+          <a:bodyPr/>
+          <a:lstStyle/>
+          <a:p>
+            <a:endParaRPr lang="en-US"/>
+          </a:p>
+        </p:txBody>
+      </p:sp>
+      <p:sp>
+        <p:nvSpPr>
+          <p:cNvPr id="5" name="Slide Number Placeholder 4"/>
+          <p:cNvSpPr>
+            <a:spLocks noGrp="1"/>
+          </p:cNvSpPr>
+          <p:nvPr>
+            <p:ph type="sldNum" sz="quarter" idx="11"/>
+          </p:nvPr>
+        </p:nvSpPr>
+        <p:spPr/>
+        <p:txBody>
+          <a:bodyPr/>
+          <a:lstStyle/>
+          <a:p>
+            <a:fld id="{82869989-EB00-4EE7-BCB5-25BDC5BB29F8}" type="slidenum">
+              <a:rPr lang="en-US" smtClean="0"/>
+              <a:t>8</a:t>
+            </a:fld>
+            <a:endParaRPr lang="en-US"/>
+          </a:p>
+        </p:txBody>
+      </p:sp>
+    </p:spTree>
+    <p:extLst>
+      <p:ext uri="{BB962C8B-B14F-4D97-AF65-F5344CB8AC3E}">
+        <p14:creationId xmlns:p14="http://schemas.microsoft.com/office/powerpoint/2010/main" val="3099534367"/>
+      </p:ext>
+    </p:extLst>
+  </p:cSld>
+  <p:clrMapOvr>
+    <a:masterClrMapping/>
+  </p:clrMapOvr>
+</p:notes>
+</file>
+
+<file path=ppt/notesSlides/notesSlide8.xml><?xml version="1.0" encoding="utf-8"?>
+<p:notes xmlns:a="http://schemas.openxmlformats.org/drawingml/2006/main" xmlns:r="http://schemas.openxmlformats.org/officeDocument/2006/relationships" xmlns:p="http://schemas.openxmlformats.org/presentationml/2006/main">
+  <p:cSld>
+    <p:spTree>
+      <p:nvGrpSpPr>
+        <p:cNvPr id="1" name=""/>
+        <p:cNvGrpSpPr/>
+        <p:nvPr/>
+      </p:nvGrpSpPr>
+      <p:grpSpPr>
+        <a:xfrm>
+          <a:off x="0" y="0"/>
+          <a:ext cx="0" cy="0"/>
+          <a:chOff x="0" y="0"/>
+          <a:chExt cx="0" cy="0"/>
+        </a:xfrm>
+      </p:grpSpPr>
+      <p:sp>
+        <p:nvSpPr>
+          <p:cNvPr id="2" name="Slide Image Placeholder 1"/>
+          <p:cNvSpPr>
+            <a:spLocks noGrp="1" noRot="1" noChangeAspect="1"/>
+          </p:cNvSpPr>
+          <p:nvPr>
+            <p:ph type="sldImg"/>
+          </p:nvPr>
+        </p:nvSpPr>
+        <p:spPr/>
+      </p:sp>
+      <p:sp>
+        <p:nvSpPr>
+          <p:cNvPr id="3" name="Notes Placeholder 2"/>
+          <p:cNvSpPr>
+            <a:spLocks noGrp="1"/>
+          </p:cNvSpPr>
+          <p:nvPr>
+            <p:ph type="body" idx="1"/>
+          </p:nvPr>
+        </p:nvSpPr>
+        <p:spPr/>
+        <p:txBody>
+          <a:bodyPr/>
+          <a:lstStyle/>
+          <a:p>
+            <a:endParaRPr lang="en-US"/>
+          </a:p>
+        </p:txBody>
+      </p:sp>
+      <p:sp>
+        <p:nvSpPr>
+          <p:cNvPr id="4" name="Footer Placeholder 3"/>
+          <p:cNvSpPr>
+            <a:spLocks noGrp="1"/>
+          </p:cNvSpPr>
+          <p:nvPr>
+            <p:ph type="ftr" sz="quarter" idx="10"/>
+          </p:nvPr>
+        </p:nvSpPr>
+        <p:spPr/>
+        <p:txBody>
+          <a:bodyPr/>
+          <a:lstStyle/>
+          <a:p>
+            <a:endParaRPr lang="en-US"/>
+          </a:p>
+        </p:txBody>
+      </p:sp>
+      <p:sp>
+        <p:nvSpPr>
+          <p:cNvPr id="5" name="Slide Number Placeholder 4"/>
+          <p:cNvSpPr>
+            <a:spLocks noGrp="1"/>
+          </p:cNvSpPr>
+          <p:nvPr>
+            <p:ph type="sldNum" sz="quarter" idx="11"/>
+          </p:nvPr>
+        </p:nvSpPr>
+        <p:spPr/>
+        <p:txBody>
+          <a:bodyPr/>
+          <a:lstStyle/>
+          <a:p>
+            <a:fld id="{82869989-EB00-4EE7-BCB5-25BDC5BB29F8}" type="slidenum">
+              <a:rPr lang="en-US" smtClean="0"/>
+              <a:t>9</a:t>
+            </a:fld>
+            <a:endParaRPr lang="en-US"/>
+          </a:p>
+        </p:txBody>
+      </p:sp>
+    </p:spTree>
+    <p:extLst>
+      <p:ext uri="{BB962C8B-B14F-4D97-AF65-F5344CB8AC3E}">
+        <p14:creationId xmlns:p14="http://schemas.microsoft.com/office/powerpoint/2010/main" val="698628556"/>
+      </p:ext>
+    </p:extLst>
+  </p:cSld>
+  <p:clrMapOvr>
+    <a:masterClrMapping/>
+  </p:clrMapOvr>
+</p:notes>
+</file>
+
+<file path=ppt/notesSlides/notesSlide9.xml><?xml version="1.0" encoding="utf-8"?>
+<p:notes xmlns:a="http://schemas.openxmlformats.org/drawingml/2006/main" xmlns:r="http://schemas.openxmlformats.org/officeDocument/2006/relationships" xmlns:p="http://schemas.openxmlformats.org/presentationml/2006/main">
+  <p:cSld>
+    <p:spTree>
+      <p:nvGrpSpPr>
+        <p:cNvPr id="1" name=""/>
+        <p:cNvGrpSpPr/>
+        <p:nvPr/>
+      </p:nvGrpSpPr>
+      <p:grpSpPr>
+        <a:xfrm>
+          <a:off x="0" y="0"/>
+          <a:ext cx="0" cy="0"/>
+          <a:chOff x="0" y="0"/>
+          <a:chExt cx="0" cy="0"/>
+        </a:xfrm>
+      </p:grpSpPr>
+      <p:sp>
+        <p:nvSpPr>
+          <p:cNvPr id="2" name="Slide Image Placeholder 1"/>
+          <p:cNvSpPr>
+            <a:spLocks noGrp="1" noRot="1" noChangeAspect="1"/>
+          </p:cNvSpPr>
+          <p:nvPr>
+            <p:ph type="sldImg"/>
+          </p:nvPr>
+        </p:nvSpPr>
+        <p:spPr/>
+      </p:sp>
+      <p:sp>
+        <p:nvSpPr>
+          <p:cNvPr id="3" name="Notes Placeholder 2"/>
+          <p:cNvSpPr>
+            <a:spLocks noGrp="1"/>
+          </p:cNvSpPr>
+          <p:nvPr>
+            <p:ph type="body" idx="1"/>
+          </p:nvPr>
+        </p:nvSpPr>
+        <p:spPr/>
+        <p:txBody>
+          <a:bodyPr/>
+          <a:lstStyle/>
+          <a:p>
+            <a:endParaRPr lang="en-US"/>
+          </a:p>
+        </p:txBody>
+      </p:sp>
+      <p:sp>
+        <p:nvSpPr>
+          <p:cNvPr id="4" name="Footer Placeholder 3"/>
+          <p:cNvSpPr>
+            <a:spLocks noGrp="1"/>
+          </p:cNvSpPr>
+          <p:nvPr>
+            <p:ph type="ftr" sz="quarter" idx="10"/>
+          </p:nvPr>
+        </p:nvSpPr>
+        <p:spPr/>
+        <p:txBody>
+          <a:bodyPr/>
+          <a:lstStyle/>
+          <a:p>
+            <a:endParaRPr lang="en-US"/>
+          </a:p>
+        </p:txBody>
+      </p:sp>
+      <p:sp>
+        <p:nvSpPr>
+          <p:cNvPr id="5" name="Slide Number Placeholder 4"/>
+          <p:cNvSpPr>
+            <a:spLocks noGrp="1"/>
+          </p:cNvSpPr>
+          <p:nvPr>
+            <p:ph type="sldNum" sz="quarter" idx="11"/>
+          </p:nvPr>
+        </p:nvSpPr>
+        <p:spPr/>
+        <p:txBody>
+          <a:bodyPr/>
+          <a:lstStyle/>
+          <a:p>
+            <a:fld id="{82869989-EB00-4EE7-BCB5-25BDC5BB29F8}" type="slidenum">
+              <a:rPr lang="en-US" smtClean="0"/>
+              <a:t>10</a:t>
+            </a:fld>
+            <a:endParaRPr lang="en-US"/>
+          </a:p>
+        </p:txBody>
+      </p:sp>
+    </p:spTree>
+    <p:extLst>
+      <p:ext uri="{BB962C8B-B14F-4D97-AF65-F5344CB8AC3E}">
+        <p14:creationId xmlns:p14="http://schemas.microsoft.com/office/powerpoint/2010/main" val="3446324570"/>
       </p:ext>
     </p:extLst>
   </p:cSld>
@@ -2883,7 +5121,7 @@
           <a:p>
             <a:fld id="{A512ECDC-F97A-4726-BD27-929F76C82282}" type="datetime1">
               <a:rPr lang="en-US" smtClean="0"/>
-              <a:t>2/10/2017</a:t>
+              <a:t>2/13/2017</a:t>
             </a:fld>
             <a:endParaRPr lang="en-US"/>
           </a:p>
@@ -3079,7 +5317,7 @@
           <a:p>
             <a:fld id="{FCBCF930-D6CF-4B7C-B436-19E6335DA41B}" type="datetime1">
               <a:rPr lang="en-US" smtClean="0"/>
-              <a:t>2/10/2017</a:t>
+              <a:t>2/13/2017</a:t>
             </a:fld>
             <a:endParaRPr lang="en-US"/>
           </a:p>
@@ -3265,7 +5503,7 @@
           <a:p>
             <a:fld id="{51CBEC2A-AFDE-401F-92C4-D078E3D02C4C}" type="datetime1">
               <a:rPr lang="en-US" smtClean="0"/>
-              <a:t>2/10/2017</a:t>
+              <a:t>2/13/2017</a:t>
             </a:fld>
             <a:endParaRPr lang="en-US"/>
           </a:p>
@@ -5609,7 +7847,7 @@
           <a:p>
             <a:fld id="{45263825-762C-4102-BEF6-BF9DDC43A5FE}" type="datetime1">
               <a:rPr lang="en-US" smtClean="0"/>
-              <a:t>2/10/2017</a:t>
+              <a:t>2/13/2017</a:t>
             </a:fld>
             <a:endParaRPr lang="en-US"/>
           </a:p>
@@ -6065,7 +8303,7 @@
           <a:p>
             <a:fld id="{AC4E89CE-0C8A-48E3-B010-1AAC781E16B7}" type="datetime1">
               <a:rPr lang="en-US" smtClean="0"/>
-              <a:t>2/10/2017</a:t>
+              <a:t>2/13/2017</a:t>
             </a:fld>
             <a:endParaRPr lang="en-US"/>
           </a:p>
@@ -6199,7 +8437,7 @@
           <a:p>
             <a:fld id="{B67C6C42-0CB8-4293-B030-5081B7B6CC9E}" type="datetime1">
               <a:rPr lang="en-US" smtClean="0"/>
-              <a:t>2/10/2017</a:t>
+              <a:t>2/13/2017</a:t>
             </a:fld>
             <a:endParaRPr lang="en-US"/>
           </a:p>
@@ -8133,7 +10371,7 @@
           <a:p>
             <a:fld id="{CB3D704B-3C8D-472C-BC98-CAA7F6DE2DE2}" type="datetime1">
               <a:rPr lang="en-US" smtClean="0"/>
-              <a:t>2/10/2017</a:t>
+              <a:t>2/13/2017</a:t>
             </a:fld>
             <a:endParaRPr lang="en-US"/>
           </a:p>
@@ -10384,7 +12622,7 @@
           <a:p>
             <a:fld id="{5049CE1D-1476-4EDF-BCD4-C19C7BC527CE}" type="datetime1">
               <a:rPr lang="en-US" smtClean="0"/>
-              <a:t>2/10/2017</a:t>
+              <a:t>2/13/2017</a:t>
             </a:fld>
             <a:endParaRPr lang="en-US"/>
           </a:p>
@@ -14617,7 +16855,7 @@
           <a:p>
             <a:fld id="{332EEF09-219B-4251-9441-9A0B8971FC82}" type="datetime1">
               <a:rPr lang="en-US" smtClean="0"/>
-              <a:t>2/10/2017</a:t>
+              <a:t>2/13/2017</a:t>
             </a:fld>
             <a:endParaRPr lang="en-US"/>
           </a:p>
@@ -15169,7 +17407,7 @@
             </a:r>
             <a:r>
               <a:rPr lang="en-US" dirty="0" err="1" smtClean="0"/>
-              <a:t>Rotaru</a:t>
+              <a:t>Tasca</a:t>
             </a:r>
             <a:r>
               <a:rPr lang="en-US" dirty="0" smtClean="0"/>
@@ -15415,7 +17653,7 @@
             </a:r>
             <a:r>
               <a:rPr lang="en-US" dirty="0" smtClean="0"/>
-              <a:t> : Lector Dr. Andrei </a:t>
+              <a:t> : Andrei </a:t>
             </a:r>
             <a:r>
               <a:rPr lang="en-US" dirty="0" err="1" smtClean="0"/>
@@ -15484,7 +17722,12 @@
             <p:ph type="title"/>
           </p:nvPr>
         </p:nvSpPr>
-        <p:spPr/>
+        <p:spPr>
+          <a:xfrm>
+            <a:off x="1064111" y="315311"/>
+            <a:ext cx="9601200" cy="563672"/>
+          </a:xfrm>
+        </p:spPr>
         <p:txBody>
           <a:bodyPr/>
           <a:lstStyle/>
@@ -15495,171 +17738,9 @@
             </a:r>
             <a:r>
               <a:rPr lang="en-US" dirty="0" smtClean="0"/>
-              <a:t> </a:t>
-            </a:r>
-            <a:r>
-              <a:rPr lang="en-US" dirty="0" err="1" smtClean="0"/>
-              <a:t>Adaugare</a:t>
-            </a:r>
-            <a:r>
-              <a:rPr lang="en-US" dirty="0" smtClean="0"/>
-              <a:t> Video</a:t>
+              <a:t> Writing</a:t>
             </a:r>
             <a:endParaRPr lang="en-US" dirty="0"/>
-          </a:p>
-        </p:txBody>
-      </p:sp>
-      <p:sp>
-        <p:nvSpPr>
-          <p:cNvPr id="4" name="Content Placeholder 3"/>
-          <p:cNvSpPr>
-            <a:spLocks noGrp="1"/>
-          </p:cNvSpPr>
-          <p:nvPr>
-            <p:ph sz="half" idx="1"/>
-          </p:nvPr>
-        </p:nvSpPr>
-        <p:spPr>
-          <a:xfrm>
-            <a:off x="1295400" y="1981199"/>
-            <a:ext cx="4485198" cy="3810001"/>
-          </a:xfrm>
-        </p:spPr>
-        <p:txBody>
-          <a:bodyPr>
-            <a:normAutofit/>
-          </a:bodyPr>
-          <a:lstStyle/>
-          <a:p>
-            <a:r>
-              <a:rPr lang="en-US" dirty="0" err="1" smtClean="0"/>
-              <a:t>Această</a:t>
-            </a:r>
-            <a:r>
-              <a:rPr lang="en-US" dirty="0" smtClean="0"/>
-              <a:t> </a:t>
-            </a:r>
-            <a:r>
-              <a:rPr lang="en-US" dirty="0" err="1"/>
-              <a:t>zona</a:t>
-            </a:r>
-            <a:r>
-              <a:rPr lang="en-US" dirty="0"/>
-              <a:t> a </a:t>
-            </a:r>
-            <a:r>
-              <a:rPr lang="en-US" dirty="0" err="1"/>
-              <a:t>aplicaţiei</a:t>
-            </a:r>
-            <a:r>
-              <a:rPr lang="en-US" dirty="0"/>
-              <a:t> </a:t>
-            </a:r>
-            <a:r>
-              <a:rPr lang="en-US" dirty="0" err="1"/>
-              <a:t>oferă</a:t>
-            </a:r>
-            <a:r>
-              <a:rPr lang="en-US" dirty="0"/>
-              <a:t> </a:t>
-            </a:r>
-            <a:r>
-              <a:rPr lang="en-US" dirty="0" err="1" smtClean="0"/>
-              <a:t>posibilitatea</a:t>
-            </a:r>
-            <a:r>
-              <a:rPr lang="en-US" dirty="0" smtClean="0"/>
-              <a:t> de a </a:t>
-            </a:r>
-            <a:r>
-              <a:rPr lang="en-US" dirty="0" err="1" smtClean="0"/>
-              <a:t>incarca</a:t>
-            </a:r>
-            <a:r>
-              <a:rPr lang="en-US" dirty="0" smtClean="0"/>
-              <a:t> </a:t>
-            </a:r>
-            <a:r>
-              <a:rPr lang="en-US" dirty="0" err="1" smtClean="0"/>
-              <a:t>videoclipuri</a:t>
-            </a:r>
-            <a:endParaRPr lang="en-US" dirty="0" smtClean="0"/>
-          </a:p>
-          <a:p>
-            <a:r>
-              <a:rPr lang="en-US" dirty="0" err="1" smtClean="0"/>
-              <a:t>Utilizatorul</a:t>
-            </a:r>
-            <a:r>
-              <a:rPr lang="en-US" dirty="0" smtClean="0"/>
-              <a:t> </a:t>
-            </a:r>
-            <a:r>
-              <a:rPr lang="en-US" dirty="0" err="1" smtClean="0"/>
-              <a:t>incarca</a:t>
-            </a:r>
-            <a:r>
-              <a:rPr lang="en-US" dirty="0" smtClean="0"/>
-              <a:t> </a:t>
-            </a:r>
-            <a:r>
-              <a:rPr lang="en-US" dirty="0" err="1" smtClean="0"/>
-              <a:t>textul</a:t>
-            </a:r>
-            <a:r>
-              <a:rPr lang="en-US" dirty="0" smtClean="0"/>
-              <a:t> </a:t>
-            </a:r>
-            <a:r>
-              <a:rPr lang="en-US" dirty="0" err="1" smtClean="0"/>
-              <a:t>ce</a:t>
-            </a:r>
-            <a:r>
-              <a:rPr lang="en-US" dirty="0" smtClean="0"/>
-              <a:t> </a:t>
-            </a:r>
-            <a:r>
-              <a:rPr lang="en-US" dirty="0" err="1" smtClean="0"/>
-              <a:t>contine</a:t>
-            </a:r>
-            <a:r>
-              <a:rPr lang="en-US" dirty="0" smtClean="0"/>
-              <a:t> </a:t>
-            </a:r>
-            <a:r>
-              <a:rPr lang="en-US" dirty="0" err="1" smtClean="0"/>
-              <a:t>frazele</a:t>
-            </a:r>
-            <a:r>
-              <a:rPr lang="en-US" dirty="0" smtClean="0"/>
-              <a:t> din clip</a:t>
-            </a:r>
-          </a:p>
-          <a:p>
-            <a:r>
-              <a:rPr lang="en-US" dirty="0" err="1" smtClean="0"/>
-              <a:t>Aplicatia</a:t>
-            </a:r>
-            <a:r>
-              <a:rPr lang="en-US" dirty="0" smtClean="0"/>
-              <a:t> traduce </a:t>
-            </a:r>
-            <a:r>
-              <a:rPr lang="en-US" smtClean="0"/>
-              <a:t>in mod automat</a:t>
-            </a:r>
-          </a:p>
-          <a:p>
-            <a:endParaRPr lang="en-US" dirty="0"/>
-          </a:p>
-          <a:p>
-            <a:endParaRPr lang="en-US" dirty="0" smtClean="0"/>
-          </a:p>
-          <a:p>
-            <a:pPr marL="0" indent="0">
-              <a:buNone/>
-            </a:pPr>
-            <a:endParaRPr lang="en-US" dirty="0" smtClean="0"/>
           </a:p>
         </p:txBody>
       </p:sp>
@@ -15688,7 +17769,7 @@
       </p:sp>
       <p:sp>
         <p:nvSpPr>
-          <p:cNvPr id="6" name="Slide Number Placeholder 5"/>
+          <p:cNvPr id="7" name="Slide Number Placeholder 6"/>
           <p:cNvSpPr>
             <a:spLocks noGrp="1"/>
           </p:cNvSpPr>
@@ -15711,20 +17792,22 @@
       </p:sp>
       <p:pic>
         <p:nvPicPr>
-          <p:cNvPr id="7" name="Image2"/>
-          <p:cNvPicPr/>
+          <p:cNvPr id="8" name="Picture 7"/>
+          <p:cNvPicPr>
+            <a:picLocks noChangeAspect="1"/>
+          </p:cNvPicPr>
           <p:nvPr/>
         </p:nvPicPr>
         <p:blipFill>
-          <a:blip r:embed="rId2"/>
+          <a:blip r:embed="rId3"/>
           <a:stretch>
             <a:fillRect/>
           </a:stretch>
         </p:blipFill>
-        <p:spPr bwMode="auto">
+        <p:spPr>
           <a:xfrm>
-            <a:off x="6451488" y="1271270"/>
-            <a:ext cx="5132705" cy="4519930"/>
+            <a:off x="1597511" y="878983"/>
+            <a:ext cx="8534400" cy="5076825"/>
           </a:xfrm>
           <a:prstGeom prst="rect">
             <a:avLst/>
@@ -15734,7 +17817,7 @@
     </p:spTree>
     <p:extLst>
       <p:ext uri="{BB962C8B-B14F-4D97-AF65-F5344CB8AC3E}">
-        <p14:creationId xmlns:p14="http://schemas.microsoft.com/office/powerpoint/2010/main" val="2352530035"/>
+        <p14:creationId xmlns:p14="http://schemas.microsoft.com/office/powerpoint/2010/main" val="2349925068"/>
       </p:ext>
     </p:extLst>
   </p:cSld>
@@ -15792,8 +17875,8 @@
         </p:nvSpPr>
         <p:spPr>
           <a:xfrm>
-            <a:off x="628152" y="286249"/>
-            <a:ext cx="9449463" cy="564861"/>
+            <a:off x="1084744" y="-415144"/>
+            <a:ext cx="9601200" cy="1142385"/>
           </a:xfrm>
         </p:spPr>
         <p:txBody>
@@ -15801,16 +17884,12 @@
           <a:lstStyle/>
           <a:p>
             <a:r>
-              <a:rPr lang="en-US" dirty="0" err="1"/>
-              <a:t>Alte</a:t>
-            </a:r>
-            <a:r>
-              <a:rPr lang="en-US" dirty="0"/>
-              <a:t> </a:t>
-            </a:r>
-            <a:r>
-              <a:rPr lang="en-US" dirty="0" err="1"/>
-              <a:t>Functionalitati</a:t>
+              <a:rPr lang="en-US" dirty="0" err="1" smtClean="0"/>
+              <a:t>Modulul</a:t>
+            </a:r>
+            <a:r>
+              <a:rPr lang="en-US" dirty="0" smtClean="0"/>
+              <a:t> Listening</a:t>
             </a:r>
             <a:endParaRPr lang="en-US" dirty="0"/>
           </a:p>
@@ -15818,345 +17897,7 @@
       </p:sp>
       <p:sp>
         <p:nvSpPr>
-          <p:cNvPr id="4" name="Content Placeholder 3"/>
-          <p:cNvSpPr>
-            <a:spLocks noGrp="1"/>
-          </p:cNvSpPr>
-          <p:nvPr>
-            <p:ph sz="half" idx="1"/>
-          </p:nvPr>
-        </p:nvSpPr>
-        <p:spPr>
-          <a:xfrm>
-            <a:off x="478734" y="1019755"/>
-            <a:ext cx="4874149" cy="1824824"/>
-          </a:xfrm>
-        </p:spPr>
-        <p:txBody>
-          <a:bodyPr>
-            <a:normAutofit/>
-          </a:bodyPr>
-          <a:lstStyle/>
-          <a:p>
-            <a:pPr marL="0" indent="0">
-              <a:buNone/>
-            </a:pPr>
-            <a:r>
-              <a:rPr lang="en-US" b="1" dirty="0" err="1" smtClean="0"/>
-              <a:t>Schimbarea</a:t>
-            </a:r>
-            <a:r>
-              <a:rPr lang="en-US" b="1" dirty="0" smtClean="0"/>
-              <a:t> </a:t>
-            </a:r>
-            <a:r>
-              <a:rPr lang="en-US" b="1" dirty="0" err="1" smtClean="0"/>
-              <a:t>nivelului</a:t>
-            </a:r>
-            <a:r>
-              <a:rPr lang="en-US" b="1" dirty="0" smtClean="0"/>
-              <a:t> de </a:t>
-            </a:r>
-            <a:r>
-              <a:rPr lang="en-US" b="1" dirty="0" err="1" smtClean="0"/>
-              <a:t>dificultate</a:t>
-            </a:r>
-            <a:endParaRPr lang="en-US" b="1" dirty="0" smtClean="0"/>
-          </a:p>
-          <a:p>
-            <a:pPr marL="0" indent="0">
-              <a:buNone/>
-            </a:pPr>
-            <a:r>
-              <a:rPr lang="en-US" dirty="0" smtClean="0">
-                <a:solidFill>
-                  <a:schemeClr val="accent1"/>
-                </a:solidFill>
-              </a:rPr>
-              <a:t>-</a:t>
-            </a:r>
-            <a:r>
-              <a:rPr lang="en-US" dirty="0" smtClean="0"/>
-              <a:t> Un </a:t>
-            </a:r>
-            <a:r>
-              <a:rPr lang="en-US" dirty="0" err="1" smtClean="0"/>
-              <a:t>utilizator</a:t>
-            </a:r>
-            <a:r>
-              <a:rPr lang="en-US" dirty="0" smtClean="0"/>
-              <a:t> </a:t>
-            </a:r>
-            <a:r>
-              <a:rPr lang="en-US" dirty="0" err="1" smtClean="0"/>
-              <a:t>poate</a:t>
-            </a:r>
-            <a:r>
-              <a:rPr lang="en-US" dirty="0" smtClean="0"/>
-              <a:t> </a:t>
-            </a:r>
-            <a:r>
-              <a:rPr lang="en-US" dirty="0" err="1" smtClean="0"/>
-              <a:t>incerca</a:t>
-            </a:r>
-            <a:r>
-              <a:rPr lang="en-US" dirty="0" smtClean="0"/>
-              <a:t> </a:t>
-            </a:r>
-            <a:r>
-              <a:rPr lang="en-US" dirty="0" err="1" smtClean="0"/>
-              <a:t>si</a:t>
-            </a:r>
-            <a:r>
-              <a:rPr lang="en-US" dirty="0" smtClean="0"/>
-              <a:t> </a:t>
-            </a:r>
-            <a:r>
-              <a:rPr lang="en-US" dirty="0" err="1" smtClean="0"/>
-              <a:t>alte</a:t>
-            </a:r>
-            <a:r>
-              <a:rPr lang="en-US" dirty="0" smtClean="0"/>
-              <a:t> </a:t>
-            </a:r>
-            <a:r>
-              <a:rPr lang="en-US" dirty="0" err="1" smtClean="0"/>
-              <a:t>niveluri</a:t>
-            </a:r>
-            <a:r>
-              <a:rPr lang="en-US" dirty="0" smtClean="0"/>
-              <a:t> de </a:t>
-            </a:r>
-            <a:r>
-              <a:rPr lang="en-US" dirty="0" err="1" smtClean="0"/>
-              <a:t>dificultate</a:t>
-            </a:r>
-            <a:r>
-              <a:rPr lang="en-US" dirty="0" smtClean="0"/>
-              <a:t>, </a:t>
-            </a:r>
-            <a:r>
-              <a:rPr lang="en-US" dirty="0" err="1" smtClean="0"/>
-              <a:t>altele</a:t>
-            </a:r>
-            <a:r>
-              <a:rPr lang="en-US" dirty="0" smtClean="0"/>
-              <a:t> </a:t>
-            </a:r>
-            <a:r>
-              <a:rPr lang="en-US" dirty="0" err="1" smtClean="0"/>
-              <a:t>decat</a:t>
-            </a:r>
-            <a:r>
-              <a:rPr lang="en-US" dirty="0" smtClean="0"/>
-              <a:t> </a:t>
-            </a:r>
-            <a:r>
-              <a:rPr lang="en-US" dirty="0" err="1" smtClean="0"/>
-              <a:t>cel</a:t>
-            </a:r>
-            <a:r>
-              <a:rPr lang="en-US" dirty="0" smtClean="0"/>
-              <a:t> la care </a:t>
-            </a:r>
-            <a:r>
-              <a:rPr lang="en-US" dirty="0" err="1" smtClean="0"/>
-              <a:t>il</a:t>
-            </a:r>
-            <a:r>
-              <a:rPr lang="en-US" dirty="0" smtClean="0"/>
-              <a:t> </a:t>
-            </a:r>
-            <a:r>
-              <a:rPr lang="en-US" dirty="0" err="1" smtClean="0"/>
-              <a:t>situeaza</a:t>
-            </a:r>
-            <a:r>
-              <a:rPr lang="en-US" dirty="0" smtClean="0"/>
-              <a:t> </a:t>
-            </a:r>
-            <a:r>
-              <a:rPr lang="en-US" dirty="0" err="1" smtClean="0"/>
-              <a:t>aplicatia</a:t>
-            </a:r>
-            <a:endParaRPr lang="en-US" dirty="0"/>
-          </a:p>
-        </p:txBody>
-      </p:sp>
-      <p:pic>
-        <p:nvPicPr>
-          <p:cNvPr id="7" name="Picture 6"/>
-          <p:cNvPicPr/>
-          <p:nvPr/>
-        </p:nvPicPr>
-        <p:blipFill>
-          <a:blip r:embed="rId2"/>
-          <a:stretch>
-            <a:fillRect/>
-          </a:stretch>
-        </p:blipFill>
-        <p:spPr bwMode="auto">
-          <a:xfrm>
-            <a:off x="5986213" y="286249"/>
-            <a:ext cx="5036489" cy="3608566"/>
-          </a:xfrm>
-          <a:prstGeom prst="rect">
-            <a:avLst/>
-          </a:prstGeom>
-        </p:spPr>
-      </p:pic>
-      <p:pic>
-        <p:nvPicPr>
-          <p:cNvPr id="8" name="Image4"/>
-          <p:cNvPicPr/>
-          <p:nvPr/>
-        </p:nvPicPr>
-        <p:blipFill>
-          <a:blip r:embed="rId3"/>
-          <a:stretch>
-            <a:fillRect/>
-          </a:stretch>
-        </p:blipFill>
-        <p:spPr bwMode="auto">
-          <a:xfrm>
-            <a:off x="628152" y="2782639"/>
-            <a:ext cx="3234276" cy="1522253"/>
-          </a:xfrm>
-          <a:prstGeom prst="rect">
-            <a:avLst/>
-          </a:prstGeom>
-        </p:spPr>
-      </p:pic>
-      <p:sp>
-        <p:nvSpPr>
-          <p:cNvPr id="9" name="Content Placeholder 3"/>
-          <p:cNvSpPr>
-            <a:spLocks noGrp="1"/>
-          </p:cNvSpPr>
-          <p:nvPr>
-            <p:ph sz="half" idx="1"/>
-          </p:nvPr>
-        </p:nvSpPr>
-        <p:spPr>
-          <a:xfrm>
-            <a:off x="6075459" y="4117292"/>
-            <a:ext cx="5064318" cy="1634949"/>
-          </a:xfrm>
-        </p:spPr>
-        <p:txBody>
-          <a:bodyPr>
-            <a:normAutofit/>
-          </a:bodyPr>
-          <a:lstStyle/>
-          <a:p>
-            <a:pPr marL="0" indent="0">
-              <a:buNone/>
-            </a:pPr>
-            <a:r>
-              <a:rPr lang="en-US" b="1" dirty="0" err="1" smtClean="0"/>
-              <a:t>Vizualizarea</a:t>
-            </a:r>
-            <a:r>
-              <a:rPr lang="en-US" b="1" dirty="0" smtClean="0"/>
-              <a:t> </a:t>
-            </a:r>
-            <a:r>
-              <a:rPr lang="en-US" b="1" dirty="0" err="1" smtClean="0"/>
-              <a:t>tuturor</a:t>
-            </a:r>
-            <a:r>
-              <a:rPr lang="en-US" b="1" dirty="0" smtClean="0"/>
-              <a:t> </a:t>
-            </a:r>
-            <a:r>
-              <a:rPr lang="en-US" b="1" dirty="0" err="1" smtClean="0"/>
-              <a:t>clipurilor</a:t>
-            </a:r>
-            <a:r>
-              <a:rPr lang="en-US" b="1" dirty="0" smtClean="0"/>
-              <a:t> video</a:t>
-            </a:r>
-          </a:p>
-          <a:p>
-            <a:pPr>
-              <a:buFontTx/>
-              <a:buChar char="-"/>
-            </a:pPr>
-            <a:r>
-              <a:rPr lang="en-US" dirty="0" err="1" smtClean="0"/>
-              <a:t>Utilizatorul</a:t>
-            </a:r>
-            <a:r>
-              <a:rPr lang="en-US" dirty="0" smtClean="0"/>
-              <a:t> </a:t>
-            </a:r>
-            <a:r>
-              <a:rPr lang="en-US" dirty="0" err="1" smtClean="0"/>
-              <a:t>isi</a:t>
-            </a:r>
-            <a:r>
-              <a:rPr lang="en-US" dirty="0" smtClean="0"/>
-              <a:t> </a:t>
-            </a:r>
-            <a:r>
-              <a:rPr lang="en-US" dirty="0" err="1" smtClean="0"/>
-              <a:t>poate</a:t>
-            </a:r>
-            <a:r>
-              <a:rPr lang="en-US" dirty="0" smtClean="0"/>
-              <a:t> allege </a:t>
-            </a:r>
-            <a:r>
-              <a:rPr lang="en-US" dirty="0" err="1" smtClean="0"/>
-              <a:t>pe</a:t>
-            </a:r>
-            <a:r>
-              <a:rPr lang="en-US" dirty="0" smtClean="0"/>
-              <a:t> </a:t>
-            </a:r>
-            <a:r>
-              <a:rPr lang="en-US" dirty="0" err="1" smtClean="0"/>
-              <a:t>ce</a:t>
-            </a:r>
-            <a:r>
-              <a:rPr lang="en-US" dirty="0" smtClean="0"/>
-              <a:t> </a:t>
-            </a:r>
-            <a:r>
-              <a:rPr lang="en-US" dirty="0" err="1" smtClean="0"/>
-              <a:t>clipuri</a:t>
-            </a:r>
-            <a:r>
-              <a:rPr lang="en-US" dirty="0" smtClean="0"/>
-              <a:t> video </a:t>
-            </a:r>
-            <a:r>
-              <a:rPr lang="en-US" dirty="0" err="1" smtClean="0"/>
-              <a:t>doreste</a:t>
-            </a:r>
-            <a:r>
-              <a:rPr lang="en-US" dirty="0" smtClean="0"/>
-              <a:t> </a:t>
-            </a:r>
-            <a:r>
-              <a:rPr lang="en-US" dirty="0" err="1" smtClean="0"/>
-              <a:t>sa</a:t>
-            </a:r>
-            <a:r>
-              <a:rPr lang="en-US" dirty="0" smtClean="0"/>
-              <a:t> </a:t>
-            </a:r>
-            <a:r>
-              <a:rPr lang="en-US" dirty="0" err="1" smtClean="0"/>
-              <a:t>lucreze</a:t>
-            </a:r>
-            <a:endParaRPr lang="en-US" dirty="0" smtClean="0"/>
-          </a:p>
-        </p:txBody>
-      </p:sp>
-      <p:sp>
-        <p:nvSpPr>
-          <p:cNvPr id="3" name="Footer Placeholder 2"/>
+          <p:cNvPr id="7" name="Footer Placeholder 6"/>
           <p:cNvSpPr>
             <a:spLocks noGrp="1"/>
           </p:cNvSpPr>
@@ -16179,7 +17920,7 @@
       </p:sp>
       <p:sp>
         <p:nvSpPr>
-          <p:cNvPr id="10" name="Slide Number Placeholder 9"/>
+          <p:cNvPr id="8" name="Slide Number Placeholder 7"/>
           <p:cNvSpPr>
             <a:spLocks noGrp="1"/>
           </p:cNvSpPr>
@@ -16200,10 +17941,82 @@
           </a:p>
         </p:txBody>
       </p:sp>
+      <p:pic>
+        <p:nvPicPr>
+          <p:cNvPr id="3" name="Picture 2"/>
+          <p:cNvPicPr>
+            <a:picLocks noChangeAspect="1"/>
+          </p:cNvPicPr>
+          <p:nvPr/>
+        </p:nvPicPr>
+        <p:blipFill>
+          <a:blip r:embed="rId3"/>
+          <a:stretch>
+            <a:fillRect/>
+          </a:stretch>
+        </p:blipFill>
+        <p:spPr>
+          <a:xfrm>
+            <a:off x="1084744" y="1067457"/>
+            <a:ext cx="8391525" cy="876300"/>
+          </a:xfrm>
+          <a:prstGeom prst="rect">
+            <a:avLst/>
+          </a:prstGeom>
+        </p:spPr>
+      </p:pic>
+      <p:pic>
+        <p:nvPicPr>
+          <p:cNvPr id="4" name="Picture 3"/>
+          <p:cNvPicPr>
+            <a:picLocks noChangeAspect="1"/>
+          </p:cNvPicPr>
+          <p:nvPr/>
+        </p:nvPicPr>
+        <p:blipFill>
+          <a:blip r:embed="rId4"/>
+          <a:stretch>
+            <a:fillRect/>
+          </a:stretch>
+        </p:blipFill>
+        <p:spPr>
+          <a:xfrm>
+            <a:off x="1103794" y="2128676"/>
+            <a:ext cx="8372475" cy="771525"/>
+          </a:xfrm>
+          <a:prstGeom prst="rect">
+            <a:avLst/>
+          </a:prstGeom>
+        </p:spPr>
+      </p:pic>
+      <p:pic>
+        <p:nvPicPr>
+          <p:cNvPr id="9" name="Picture 8"/>
+          <p:cNvPicPr>
+            <a:picLocks noChangeAspect="1"/>
+          </p:cNvPicPr>
+          <p:nvPr/>
+        </p:nvPicPr>
+        <p:blipFill>
+          <a:blip r:embed="rId5"/>
+          <a:stretch>
+            <a:fillRect/>
+          </a:stretch>
+        </p:blipFill>
+        <p:spPr>
+          <a:xfrm>
+            <a:off x="1103794" y="3085120"/>
+            <a:ext cx="8353425" cy="704850"/>
+          </a:xfrm>
+          <a:prstGeom prst="rect">
+            <a:avLst/>
+          </a:prstGeom>
+        </p:spPr>
+      </p:pic>
     </p:spTree>
     <p:extLst>
       <p:ext uri="{BB962C8B-B14F-4D97-AF65-F5344CB8AC3E}">
-        <p14:creationId xmlns:p14="http://schemas.microsoft.com/office/powerpoint/2010/main" val="2992246995"/>
+        <p14:creationId xmlns:p14="http://schemas.microsoft.com/office/powerpoint/2010/main" val="2713606025"/>
       </p:ext>
     </p:extLst>
   </p:cSld>
@@ -16259,7 +18072,1341 @@
             <p:ph type="title"/>
           </p:nvPr>
         </p:nvSpPr>
+        <p:spPr>
+          <a:xfrm>
+            <a:off x="1232246" y="231228"/>
+            <a:ext cx="9601200" cy="616224"/>
+          </a:xfrm>
+        </p:spPr>
+        <p:txBody>
+          <a:bodyPr/>
+          <a:lstStyle/>
+          <a:p>
+            <a:r>
+              <a:rPr lang="en-US" dirty="0" err="1" smtClean="0"/>
+              <a:t>Modulul</a:t>
+            </a:r>
+            <a:r>
+              <a:rPr lang="en-US" dirty="0" smtClean="0"/>
+              <a:t> </a:t>
+            </a:r>
+            <a:r>
+              <a:rPr lang="en-US" dirty="0" err="1" smtClean="0"/>
+              <a:t>Adaugare</a:t>
+            </a:r>
+            <a:r>
+              <a:rPr lang="en-US" dirty="0" smtClean="0"/>
+              <a:t> Video</a:t>
+            </a:r>
+            <a:endParaRPr lang="en-US" dirty="0"/>
+          </a:p>
+        </p:txBody>
+      </p:sp>
+      <p:sp>
+        <p:nvSpPr>
+          <p:cNvPr id="3" name="Footer Placeholder 2"/>
+          <p:cNvSpPr>
+            <a:spLocks noGrp="1"/>
+          </p:cNvSpPr>
+          <p:nvPr>
+            <p:ph type="ftr" sz="quarter" idx="11"/>
+          </p:nvPr>
+        </p:nvSpPr>
         <p:spPr/>
+        <p:txBody>
+          <a:bodyPr/>
+          <a:lstStyle/>
+          <a:p>
+            <a:r>
+              <a:rPr lang="en-US" smtClean="0"/>
+              <a:t>Learn-English</a:t>
+            </a:r>
+            <a:endParaRPr lang="en-US" dirty="0"/>
+          </a:p>
+        </p:txBody>
+      </p:sp>
+      <p:sp>
+        <p:nvSpPr>
+          <p:cNvPr id="6" name="Slide Number Placeholder 5"/>
+          <p:cNvSpPr>
+            <a:spLocks noGrp="1"/>
+          </p:cNvSpPr>
+          <p:nvPr>
+            <p:ph type="sldNum" sz="quarter" idx="12"/>
+          </p:nvPr>
+        </p:nvSpPr>
+        <p:spPr/>
+        <p:txBody>
+          <a:bodyPr/>
+          <a:lstStyle/>
+          <a:p>
+            <a:fld id="{E31375A4-56A4-47D6-9801-1991572033F7}" type="slidenum">
+              <a:rPr lang="en-US" smtClean="0"/>
+              <a:t>12</a:t>
+            </a:fld>
+            <a:endParaRPr lang="en-US"/>
+          </a:p>
+        </p:txBody>
+      </p:sp>
+      <p:pic>
+        <p:nvPicPr>
+          <p:cNvPr id="8" name="Picture 7"/>
+          <p:cNvPicPr>
+            <a:picLocks noChangeAspect="1"/>
+          </p:cNvPicPr>
+          <p:nvPr/>
+        </p:nvPicPr>
+        <p:blipFill>
+          <a:blip r:embed="rId3"/>
+          <a:stretch>
+            <a:fillRect/>
+          </a:stretch>
+        </p:blipFill>
+        <p:spPr>
+          <a:xfrm>
+            <a:off x="1242756" y="1320854"/>
+            <a:ext cx="9902919" cy="3902788"/>
+          </a:xfrm>
+          <a:prstGeom prst="rect">
+            <a:avLst/>
+          </a:prstGeom>
+        </p:spPr>
+      </p:pic>
+    </p:spTree>
+    <p:extLst>
+      <p:ext uri="{BB962C8B-B14F-4D97-AF65-F5344CB8AC3E}">
+        <p14:creationId xmlns:p14="http://schemas.microsoft.com/office/powerpoint/2010/main" val="2352530035"/>
+      </p:ext>
+    </p:extLst>
+  </p:cSld>
+  <p:clrMapOvr>
+    <a:masterClrMapping/>
+  </p:clrMapOvr>
+  <mc:AlternateContent xmlns:mc="http://schemas.openxmlformats.org/markup-compatibility/2006" xmlns:p14="http://schemas.microsoft.com/office/powerpoint/2010/main">
+    <mc:Choice Requires="p14">
+      <p:transition spd="med" p14:dur="700">
+        <p:fade/>
+      </p:transition>
+    </mc:Choice>
+    <mc:Fallback xmlns="">
+      <p:transition spd="med">
+        <p:fade/>
+      </p:transition>
+    </mc:Fallback>
+  </mc:AlternateContent>
+  <p:timing>
+    <p:tnLst>
+      <p:par>
+        <p:cTn id="1" dur="indefinite" restart="never" nodeType="tmRoot"/>
+      </p:par>
+    </p:tnLst>
+  </p:timing>
+</p:sld>
+</file>
+
+<file path=ppt/slides/slide13.xml><?xml version="1.0" encoding="utf-8"?>
+<p:sld xmlns:a="http://schemas.openxmlformats.org/drawingml/2006/main" xmlns:r="http://schemas.openxmlformats.org/officeDocument/2006/relationships" xmlns:p="http://schemas.openxmlformats.org/presentationml/2006/main">
+  <p:cSld>
+    <p:spTree>
+      <p:nvGrpSpPr>
+        <p:cNvPr id="1" name=""/>
+        <p:cNvGrpSpPr/>
+        <p:nvPr/>
+      </p:nvGrpSpPr>
+      <p:grpSpPr>
+        <a:xfrm>
+          <a:off x="0" y="0"/>
+          <a:ext cx="0" cy="0"/>
+          <a:chOff x="0" y="0"/>
+          <a:chExt cx="0" cy="0"/>
+        </a:xfrm>
+      </p:grpSpPr>
+      <p:sp>
+        <p:nvSpPr>
+          <p:cNvPr id="2" name="Title 1"/>
+          <p:cNvSpPr>
+            <a:spLocks noGrp="1"/>
+          </p:cNvSpPr>
+          <p:nvPr>
+            <p:ph type="title"/>
+          </p:nvPr>
+        </p:nvSpPr>
+        <p:spPr>
+          <a:xfrm>
+            <a:off x="1232246" y="231228"/>
+            <a:ext cx="9601200" cy="616224"/>
+          </a:xfrm>
+        </p:spPr>
+        <p:txBody>
+          <a:bodyPr/>
+          <a:lstStyle/>
+          <a:p>
+            <a:r>
+              <a:rPr lang="en-US" dirty="0" err="1" smtClean="0"/>
+              <a:t>Modulul</a:t>
+            </a:r>
+            <a:r>
+              <a:rPr lang="en-US" dirty="0" smtClean="0"/>
+              <a:t> </a:t>
+            </a:r>
+            <a:r>
+              <a:rPr lang="en-US" dirty="0" err="1" smtClean="0"/>
+              <a:t>Adaugare</a:t>
+            </a:r>
+            <a:r>
+              <a:rPr lang="en-US" dirty="0" smtClean="0"/>
+              <a:t> Video</a:t>
+            </a:r>
+            <a:endParaRPr lang="en-US" dirty="0"/>
+          </a:p>
+        </p:txBody>
+      </p:sp>
+      <p:sp>
+        <p:nvSpPr>
+          <p:cNvPr id="3" name="Footer Placeholder 2"/>
+          <p:cNvSpPr>
+            <a:spLocks noGrp="1"/>
+          </p:cNvSpPr>
+          <p:nvPr>
+            <p:ph type="ftr" sz="quarter" idx="11"/>
+          </p:nvPr>
+        </p:nvSpPr>
+        <p:spPr/>
+        <p:txBody>
+          <a:bodyPr/>
+          <a:lstStyle/>
+          <a:p>
+            <a:r>
+              <a:rPr lang="en-US" smtClean="0"/>
+              <a:t>Learn-English</a:t>
+            </a:r>
+            <a:endParaRPr lang="en-US" dirty="0"/>
+          </a:p>
+        </p:txBody>
+      </p:sp>
+      <p:sp>
+        <p:nvSpPr>
+          <p:cNvPr id="6" name="Slide Number Placeholder 5"/>
+          <p:cNvSpPr>
+            <a:spLocks noGrp="1"/>
+          </p:cNvSpPr>
+          <p:nvPr>
+            <p:ph type="sldNum" sz="quarter" idx="12"/>
+          </p:nvPr>
+        </p:nvSpPr>
+        <p:spPr/>
+        <p:txBody>
+          <a:bodyPr/>
+          <a:lstStyle/>
+          <a:p>
+            <a:fld id="{E31375A4-56A4-47D6-9801-1991572033F7}" type="slidenum">
+              <a:rPr lang="en-US" smtClean="0"/>
+              <a:t>13</a:t>
+            </a:fld>
+            <a:endParaRPr lang="en-US"/>
+          </a:p>
+        </p:txBody>
+      </p:sp>
+      <p:pic>
+        <p:nvPicPr>
+          <p:cNvPr id="4" name="Picture 3"/>
+          <p:cNvPicPr>
+            <a:picLocks noChangeAspect="1"/>
+          </p:cNvPicPr>
+          <p:nvPr/>
+        </p:nvPicPr>
+        <p:blipFill>
+          <a:blip r:embed="rId3"/>
+          <a:stretch>
+            <a:fillRect/>
+          </a:stretch>
+        </p:blipFill>
+        <p:spPr>
+          <a:xfrm>
+            <a:off x="3088172" y="847452"/>
+            <a:ext cx="5706693" cy="5321273"/>
+          </a:xfrm>
+          <a:prstGeom prst="rect">
+            <a:avLst/>
+          </a:prstGeom>
+        </p:spPr>
+      </p:pic>
+    </p:spTree>
+    <p:extLst>
+      <p:ext uri="{BB962C8B-B14F-4D97-AF65-F5344CB8AC3E}">
+        <p14:creationId xmlns:p14="http://schemas.microsoft.com/office/powerpoint/2010/main" val="2672157693"/>
+      </p:ext>
+    </p:extLst>
+  </p:cSld>
+  <p:clrMapOvr>
+    <a:masterClrMapping/>
+  </p:clrMapOvr>
+  <mc:AlternateContent xmlns:mc="http://schemas.openxmlformats.org/markup-compatibility/2006" xmlns:p14="http://schemas.microsoft.com/office/powerpoint/2010/main">
+    <mc:Choice Requires="p14">
+      <p:transition spd="med" p14:dur="700">
+        <p:fade/>
+      </p:transition>
+    </mc:Choice>
+    <mc:Fallback xmlns="">
+      <p:transition spd="med">
+        <p:fade/>
+      </p:transition>
+    </mc:Fallback>
+  </mc:AlternateContent>
+  <p:timing>
+    <p:tnLst>
+      <p:par>
+        <p:cTn id="1" dur="indefinite" restart="never" nodeType="tmRoot"/>
+      </p:par>
+    </p:tnLst>
+  </p:timing>
+</p:sld>
+</file>
+
+<file path=ppt/slides/slide14.xml><?xml version="1.0" encoding="utf-8"?>
+<p:sld xmlns:a="http://schemas.openxmlformats.org/drawingml/2006/main" xmlns:r="http://schemas.openxmlformats.org/officeDocument/2006/relationships" xmlns:p="http://schemas.openxmlformats.org/presentationml/2006/main">
+  <p:cSld>
+    <p:spTree>
+      <p:nvGrpSpPr>
+        <p:cNvPr id="1" name=""/>
+        <p:cNvGrpSpPr/>
+        <p:nvPr/>
+      </p:nvGrpSpPr>
+      <p:grpSpPr>
+        <a:xfrm>
+          <a:off x="0" y="0"/>
+          <a:ext cx="0" cy="0"/>
+          <a:chOff x="0" y="0"/>
+          <a:chExt cx="0" cy="0"/>
+        </a:xfrm>
+      </p:grpSpPr>
+      <p:sp>
+        <p:nvSpPr>
+          <p:cNvPr id="2" name="Title 1"/>
+          <p:cNvSpPr>
+            <a:spLocks noGrp="1"/>
+          </p:cNvSpPr>
+          <p:nvPr>
+            <p:ph type="title"/>
+          </p:nvPr>
+        </p:nvSpPr>
+        <p:spPr>
+          <a:xfrm>
+            <a:off x="1148255" y="178675"/>
+            <a:ext cx="9601200" cy="595204"/>
+          </a:xfrm>
+        </p:spPr>
+        <p:txBody>
+          <a:bodyPr/>
+          <a:lstStyle/>
+          <a:p>
+            <a:r>
+              <a:rPr lang="en-US" dirty="0" err="1" smtClean="0"/>
+              <a:t>Modulul</a:t>
+            </a:r>
+            <a:r>
+              <a:rPr lang="en-US" dirty="0" smtClean="0"/>
+              <a:t> </a:t>
+            </a:r>
+            <a:r>
+              <a:rPr lang="en-US" dirty="0"/>
+              <a:t>Recommendations</a:t>
+            </a:r>
+          </a:p>
+        </p:txBody>
+      </p:sp>
+      <p:sp>
+        <p:nvSpPr>
+          <p:cNvPr id="3" name="Footer Placeholder 2"/>
+          <p:cNvSpPr>
+            <a:spLocks noGrp="1"/>
+          </p:cNvSpPr>
+          <p:nvPr>
+            <p:ph type="ftr" sz="quarter" idx="11"/>
+          </p:nvPr>
+        </p:nvSpPr>
+        <p:spPr/>
+        <p:txBody>
+          <a:bodyPr/>
+          <a:lstStyle/>
+          <a:p>
+            <a:r>
+              <a:rPr lang="en-US" smtClean="0"/>
+              <a:t>Learn-English</a:t>
+            </a:r>
+            <a:endParaRPr lang="en-US" dirty="0"/>
+          </a:p>
+        </p:txBody>
+      </p:sp>
+      <p:sp>
+        <p:nvSpPr>
+          <p:cNvPr id="6" name="Slide Number Placeholder 5"/>
+          <p:cNvSpPr>
+            <a:spLocks noGrp="1"/>
+          </p:cNvSpPr>
+          <p:nvPr>
+            <p:ph type="sldNum" sz="quarter" idx="12"/>
+          </p:nvPr>
+        </p:nvSpPr>
+        <p:spPr/>
+        <p:txBody>
+          <a:bodyPr/>
+          <a:lstStyle/>
+          <a:p>
+            <a:fld id="{E31375A4-56A4-47D6-9801-1991572033F7}" type="slidenum">
+              <a:rPr lang="en-US" smtClean="0"/>
+              <a:t>14</a:t>
+            </a:fld>
+            <a:endParaRPr lang="en-US"/>
+          </a:p>
+        </p:txBody>
+      </p:sp>
+      <p:pic>
+        <p:nvPicPr>
+          <p:cNvPr id="9" name="Picture 8"/>
+          <p:cNvPicPr>
+            <a:picLocks noChangeAspect="1"/>
+          </p:cNvPicPr>
+          <p:nvPr/>
+        </p:nvPicPr>
+        <p:blipFill>
+          <a:blip r:embed="rId3"/>
+          <a:stretch>
+            <a:fillRect/>
+          </a:stretch>
+        </p:blipFill>
+        <p:spPr>
+          <a:xfrm>
+            <a:off x="609601" y="964325"/>
+            <a:ext cx="11249025" cy="4572000"/>
+          </a:xfrm>
+          <a:prstGeom prst="rect">
+            <a:avLst/>
+          </a:prstGeom>
+        </p:spPr>
+      </p:pic>
+    </p:spTree>
+    <p:extLst>
+      <p:ext uri="{BB962C8B-B14F-4D97-AF65-F5344CB8AC3E}">
+        <p14:creationId xmlns:p14="http://schemas.microsoft.com/office/powerpoint/2010/main" val="3686288575"/>
+      </p:ext>
+    </p:extLst>
+  </p:cSld>
+  <p:clrMapOvr>
+    <a:masterClrMapping/>
+  </p:clrMapOvr>
+  <mc:AlternateContent xmlns:mc="http://schemas.openxmlformats.org/markup-compatibility/2006" xmlns:p14="http://schemas.microsoft.com/office/powerpoint/2010/main">
+    <mc:Choice Requires="p14">
+      <p:transition spd="med" p14:dur="700">
+        <p:fade/>
+      </p:transition>
+    </mc:Choice>
+    <mc:Fallback xmlns="">
+      <p:transition spd="med">
+        <p:fade/>
+      </p:transition>
+    </mc:Fallback>
+  </mc:AlternateContent>
+  <p:timing>
+    <p:tnLst>
+      <p:par>
+        <p:cTn id="1" dur="indefinite" restart="never" nodeType="tmRoot"/>
+      </p:par>
+    </p:tnLst>
+  </p:timing>
+</p:sld>
+</file>
+
+<file path=ppt/slides/slide15.xml><?xml version="1.0" encoding="utf-8"?>
+<p:sld xmlns:a="http://schemas.openxmlformats.org/drawingml/2006/main" xmlns:r="http://schemas.openxmlformats.org/officeDocument/2006/relationships" xmlns:p="http://schemas.openxmlformats.org/presentationml/2006/main">
+  <p:cSld>
+    <p:spTree>
+      <p:nvGrpSpPr>
+        <p:cNvPr id="1" name=""/>
+        <p:cNvGrpSpPr/>
+        <p:nvPr/>
+      </p:nvGrpSpPr>
+      <p:grpSpPr>
+        <a:xfrm>
+          <a:off x="0" y="0"/>
+          <a:ext cx="0" cy="0"/>
+          <a:chOff x="0" y="0"/>
+          <a:chExt cx="0" cy="0"/>
+        </a:xfrm>
+      </p:grpSpPr>
+      <p:sp>
+        <p:nvSpPr>
+          <p:cNvPr id="2" name="Title 1"/>
+          <p:cNvSpPr>
+            <a:spLocks noGrp="1"/>
+          </p:cNvSpPr>
+          <p:nvPr>
+            <p:ph type="title"/>
+          </p:nvPr>
+        </p:nvSpPr>
+        <p:spPr>
+          <a:xfrm>
+            <a:off x="628152" y="286249"/>
+            <a:ext cx="9449463" cy="564861"/>
+          </a:xfrm>
+        </p:spPr>
+        <p:txBody>
+          <a:bodyPr/>
+          <a:lstStyle/>
+          <a:p>
+            <a:r>
+              <a:rPr lang="en-US" dirty="0" err="1" smtClean="0"/>
+              <a:t>Alte</a:t>
+            </a:r>
+            <a:r>
+              <a:rPr lang="en-US" dirty="0" smtClean="0"/>
+              <a:t> </a:t>
+            </a:r>
+            <a:r>
+              <a:rPr lang="en-US" dirty="0" err="1" smtClean="0"/>
+              <a:t>Functionalitati</a:t>
+            </a:r>
+            <a:endParaRPr lang="en-US" dirty="0"/>
+          </a:p>
+        </p:txBody>
+      </p:sp>
+      <p:sp>
+        <p:nvSpPr>
+          <p:cNvPr id="4" name="Content Placeholder 3"/>
+          <p:cNvSpPr>
+            <a:spLocks noGrp="1"/>
+          </p:cNvSpPr>
+          <p:nvPr>
+            <p:ph sz="half" idx="1"/>
+          </p:nvPr>
+        </p:nvSpPr>
+        <p:spPr>
+          <a:xfrm>
+            <a:off x="478734" y="1019755"/>
+            <a:ext cx="4874149" cy="462204"/>
+          </a:xfrm>
+        </p:spPr>
+        <p:txBody>
+          <a:bodyPr>
+            <a:normAutofit/>
+          </a:bodyPr>
+          <a:lstStyle/>
+          <a:p>
+            <a:pPr marL="0" indent="0">
+              <a:buNone/>
+            </a:pPr>
+            <a:r>
+              <a:rPr lang="en-US" b="1" dirty="0" err="1" smtClean="0"/>
+              <a:t>Schimbarea</a:t>
+            </a:r>
+            <a:r>
+              <a:rPr lang="en-US" b="1" dirty="0" smtClean="0"/>
+              <a:t> </a:t>
+            </a:r>
+            <a:r>
+              <a:rPr lang="en-US" b="1" dirty="0" err="1" smtClean="0"/>
+              <a:t>nivelului</a:t>
+            </a:r>
+            <a:r>
+              <a:rPr lang="en-US" b="1" dirty="0" smtClean="0"/>
+              <a:t> de </a:t>
+            </a:r>
+            <a:r>
+              <a:rPr lang="en-US" b="1" dirty="0" err="1" smtClean="0"/>
+              <a:t>dificultate</a:t>
+            </a:r>
+            <a:endParaRPr lang="en-US" dirty="0"/>
+          </a:p>
+        </p:txBody>
+      </p:sp>
+      <p:pic>
+        <p:nvPicPr>
+          <p:cNvPr id="7" name="Picture 6"/>
+          <p:cNvPicPr/>
+          <p:nvPr/>
+        </p:nvPicPr>
+        <p:blipFill>
+          <a:blip r:embed="rId3"/>
+          <a:stretch>
+            <a:fillRect/>
+          </a:stretch>
+        </p:blipFill>
+        <p:spPr bwMode="auto">
+          <a:xfrm>
+            <a:off x="6427647" y="1650604"/>
+            <a:ext cx="5036489" cy="3608566"/>
+          </a:xfrm>
+          <a:prstGeom prst="rect">
+            <a:avLst/>
+          </a:prstGeom>
+        </p:spPr>
+      </p:pic>
+      <p:sp>
+        <p:nvSpPr>
+          <p:cNvPr id="9" name="Content Placeholder 3"/>
+          <p:cNvSpPr>
+            <a:spLocks noGrp="1"/>
+          </p:cNvSpPr>
+          <p:nvPr>
+            <p:ph sz="half" idx="1"/>
+          </p:nvPr>
+        </p:nvSpPr>
+        <p:spPr>
+          <a:xfrm>
+            <a:off x="6399818" y="984517"/>
+            <a:ext cx="5064318" cy="532680"/>
+          </a:xfrm>
+        </p:spPr>
+        <p:txBody>
+          <a:bodyPr>
+            <a:normAutofit/>
+          </a:bodyPr>
+          <a:lstStyle/>
+          <a:p>
+            <a:pPr marL="0" indent="0">
+              <a:buNone/>
+            </a:pPr>
+            <a:r>
+              <a:rPr lang="en-US" b="1" dirty="0" err="1" smtClean="0"/>
+              <a:t>Vizualizarea</a:t>
+            </a:r>
+            <a:r>
+              <a:rPr lang="en-US" b="1" dirty="0" smtClean="0"/>
+              <a:t> </a:t>
+            </a:r>
+            <a:r>
+              <a:rPr lang="en-US" b="1" dirty="0" err="1" smtClean="0"/>
+              <a:t>tuturor</a:t>
+            </a:r>
+            <a:r>
+              <a:rPr lang="en-US" b="1" dirty="0" smtClean="0"/>
+              <a:t> </a:t>
+            </a:r>
+            <a:r>
+              <a:rPr lang="en-US" b="1" dirty="0" err="1" smtClean="0"/>
+              <a:t>clipurilor</a:t>
+            </a:r>
+            <a:r>
+              <a:rPr lang="en-US" b="1" dirty="0" smtClean="0"/>
+              <a:t> video</a:t>
+            </a:r>
+          </a:p>
+        </p:txBody>
+      </p:sp>
+      <p:sp>
+        <p:nvSpPr>
+          <p:cNvPr id="3" name="Footer Placeholder 2"/>
+          <p:cNvSpPr>
+            <a:spLocks noGrp="1"/>
+          </p:cNvSpPr>
+          <p:nvPr>
+            <p:ph type="ftr" sz="quarter" idx="11"/>
+          </p:nvPr>
+        </p:nvSpPr>
+        <p:spPr/>
+        <p:txBody>
+          <a:bodyPr/>
+          <a:lstStyle/>
+          <a:p>
+            <a:r>
+              <a:rPr lang="en-US" smtClean="0"/>
+              <a:t>Learn-English</a:t>
+            </a:r>
+            <a:endParaRPr lang="en-US" dirty="0"/>
+          </a:p>
+        </p:txBody>
+      </p:sp>
+      <p:sp>
+        <p:nvSpPr>
+          <p:cNvPr id="10" name="Slide Number Placeholder 9"/>
+          <p:cNvSpPr>
+            <a:spLocks noGrp="1"/>
+          </p:cNvSpPr>
+          <p:nvPr>
+            <p:ph type="sldNum" sz="quarter" idx="12"/>
+          </p:nvPr>
+        </p:nvSpPr>
+        <p:spPr/>
+        <p:txBody>
+          <a:bodyPr/>
+          <a:lstStyle/>
+          <a:p>
+            <a:fld id="{E31375A4-56A4-47D6-9801-1991572033F7}" type="slidenum">
+              <a:rPr lang="en-US" smtClean="0"/>
+              <a:t>15</a:t>
+            </a:fld>
+            <a:endParaRPr lang="en-US"/>
+          </a:p>
+        </p:txBody>
+      </p:sp>
+      <p:pic>
+        <p:nvPicPr>
+          <p:cNvPr id="6" name="Picture 5"/>
+          <p:cNvPicPr>
+            <a:picLocks noChangeAspect="1"/>
+          </p:cNvPicPr>
+          <p:nvPr/>
+        </p:nvPicPr>
+        <p:blipFill>
+          <a:blip r:embed="rId4"/>
+          <a:stretch>
+            <a:fillRect/>
+          </a:stretch>
+        </p:blipFill>
+        <p:spPr>
+          <a:xfrm>
+            <a:off x="478734" y="1650604"/>
+            <a:ext cx="5364712" cy="2229336"/>
+          </a:xfrm>
+          <a:prstGeom prst="rect">
+            <a:avLst/>
+          </a:prstGeom>
+        </p:spPr>
+      </p:pic>
+    </p:spTree>
+    <p:extLst>
+      <p:ext uri="{BB962C8B-B14F-4D97-AF65-F5344CB8AC3E}">
+        <p14:creationId xmlns:p14="http://schemas.microsoft.com/office/powerpoint/2010/main" val="2992246995"/>
+      </p:ext>
+    </p:extLst>
+  </p:cSld>
+  <p:clrMapOvr>
+    <a:masterClrMapping/>
+  </p:clrMapOvr>
+  <mc:AlternateContent xmlns:mc="http://schemas.openxmlformats.org/markup-compatibility/2006" xmlns:p14="http://schemas.microsoft.com/office/powerpoint/2010/main">
+    <mc:Choice Requires="p14">
+      <p:transition spd="med" p14:dur="700">
+        <p:fade/>
+      </p:transition>
+    </mc:Choice>
+    <mc:Fallback xmlns="">
+      <p:transition spd="med">
+        <p:fade/>
+      </p:transition>
+    </mc:Fallback>
+  </mc:AlternateContent>
+  <p:timing>
+    <p:tnLst>
+      <p:par>
+        <p:cTn id="1" dur="indefinite" restart="never" nodeType="tmRoot"/>
+      </p:par>
+    </p:tnLst>
+  </p:timing>
+</p:sld>
+</file>
+
+<file path=ppt/slides/slide16.xml><?xml version="1.0" encoding="utf-8"?>
+<p:sld xmlns:a="http://schemas.openxmlformats.org/drawingml/2006/main" xmlns:r="http://schemas.openxmlformats.org/officeDocument/2006/relationships" xmlns:p="http://schemas.openxmlformats.org/presentationml/2006/main">
+  <p:cSld>
+    <p:spTree>
+      <p:nvGrpSpPr>
+        <p:cNvPr id="1" name=""/>
+        <p:cNvGrpSpPr/>
+        <p:nvPr/>
+      </p:nvGrpSpPr>
+      <p:grpSpPr>
+        <a:xfrm>
+          <a:off x="0" y="0"/>
+          <a:ext cx="0" cy="0"/>
+          <a:chOff x="0" y="0"/>
+          <a:chExt cx="0" cy="0"/>
+        </a:xfrm>
+      </p:grpSpPr>
+      <p:sp>
+        <p:nvSpPr>
+          <p:cNvPr id="2" name="Title 1"/>
+          <p:cNvSpPr>
+            <a:spLocks noGrp="1"/>
+          </p:cNvSpPr>
+          <p:nvPr>
+            <p:ph type="title"/>
+          </p:nvPr>
+        </p:nvSpPr>
+        <p:spPr>
+          <a:xfrm>
+            <a:off x="1159016" y="397113"/>
+            <a:ext cx="9601200" cy="626735"/>
+          </a:xfrm>
+        </p:spPr>
+        <p:txBody>
+          <a:bodyPr/>
+          <a:lstStyle/>
+          <a:p>
+            <a:r>
+              <a:rPr lang="en-US" dirty="0" err="1"/>
+              <a:t>Tehnologii</a:t>
+            </a:r>
+            <a:r>
+              <a:rPr lang="en-US" dirty="0"/>
+              <a:t> </a:t>
+            </a:r>
+            <a:r>
+              <a:rPr lang="en-US" dirty="0" err="1"/>
+              <a:t>F</a:t>
+            </a:r>
+            <a:r>
+              <a:rPr lang="en-US" dirty="0" err="1" smtClean="0"/>
+              <a:t>olosite</a:t>
+            </a:r>
+            <a:endParaRPr lang="en-US" dirty="0"/>
+          </a:p>
+        </p:txBody>
+      </p:sp>
+      <p:sp>
+        <p:nvSpPr>
+          <p:cNvPr id="3" name="Content Placeholder 2"/>
+          <p:cNvSpPr>
+            <a:spLocks noGrp="1"/>
+          </p:cNvSpPr>
+          <p:nvPr>
+            <p:ph sz="half" idx="1"/>
+          </p:nvPr>
+        </p:nvSpPr>
+        <p:spPr>
+          <a:xfrm>
+            <a:off x="1387616" y="1299460"/>
+            <a:ext cx="4572000" cy="3810001"/>
+          </a:xfrm>
+        </p:spPr>
+        <p:txBody>
+          <a:bodyPr/>
+          <a:lstStyle/>
+          <a:p>
+            <a:r>
+              <a:rPr lang="en-US" dirty="0" smtClean="0"/>
+              <a:t>ASP.NET MVC </a:t>
+            </a:r>
+          </a:p>
+          <a:p>
+            <a:r>
+              <a:rPr lang="en-US" dirty="0"/>
+              <a:t>ASP.NET </a:t>
+            </a:r>
+            <a:r>
+              <a:rPr lang="en-US" dirty="0" smtClean="0"/>
+              <a:t>Web API</a:t>
+            </a:r>
+          </a:p>
+          <a:p>
+            <a:r>
+              <a:rPr lang="en-US" dirty="0" err="1" smtClean="0"/>
+              <a:t>AnglarJS</a:t>
+            </a:r>
+            <a:endParaRPr lang="en-US" dirty="0" smtClean="0"/>
+          </a:p>
+          <a:p>
+            <a:r>
+              <a:rPr lang="en-US" dirty="0" smtClean="0"/>
+              <a:t>Entity Framework</a:t>
+            </a:r>
+          </a:p>
+          <a:p>
+            <a:r>
+              <a:rPr lang="en-US" dirty="0" err="1" smtClean="0"/>
+              <a:t>Autofac</a:t>
+            </a:r>
+            <a:endParaRPr lang="en-US" dirty="0" smtClean="0"/>
+          </a:p>
+          <a:p>
+            <a:r>
+              <a:rPr lang="en-US" dirty="0"/>
+              <a:t>Angular YouTube Embed </a:t>
+            </a:r>
+            <a:endParaRPr lang="en-US" dirty="0" smtClean="0"/>
+          </a:p>
+          <a:p>
+            <a:endParaRPr lang="en-US" dirty="0"/>
+          </a:p>
+        </p:txBody>
+      </p:sp>
+      <p:sp>
+        <p:nvSpPr>
+          <p:cNvPr id="5" name="Footer Placeholder 4"/>
+          <p:cNvSpPr>
+            <a:spLocks noGrp="1"/>
+          </p:cNvSpPr>
+          <p:nvPr>
+            <p:ph type="ftr" sz="quarter" idx="11"/>
+          </p:nvPr>
+        </p:nvSpPr>
+        <p:spPr/>
+        <p:txBody>
+          <a:bodyPr/>
+          <a:lstStyle/>
+          <a:p>
+            <a:r>
+              <a:rPr lang="en-US" smtClean="0"/>
+              <a:t>Learn-English</a:t>
+            </a:r>
+            <a:endParaRPr lang="en-US" dirty="0"/>
+          </a:p>
+        </p:txBody>
+      </p:sp>
+      <p:sp>
+        <p:nvSpPr>
+          <p:cNvPr id="6" name="Slide Number Placeholder 5"/>
+          <p:cNvSpPr>
+            <a:spLocks noGrp="1"/>
+          </p:cNvSpPr>
+          <p:nvPr>
+            <p:ph type="sldNum" sz="quarter" idx="12"/>
+          </p:nvPr>
+        </p:nvSpPr>
+        <p:spPr/>
+        <p:txBody>
+          <a:bodyPr/>
+          <a:lstStyle/>
+          <a:p>
+            <a:fld id="{E31375A4-56A4-47D6-9801-1991572033F7}" type="slidenum">
+              <a:rPr lang="en-US" smtClean="0"/>
+              <a:t>16</a:t>
+            </a:fld>
+            <a:endParaRPr lang="en-US"/>
+          </a:p>
+        </p:txBody>
+      </p:sp>
+    </p:spTree>
+    <p:extLst>
+      <p:ext uri="{BB962C8B-B14F-4D97-AF65-F5344CB8AC3E}">
+        <p14:creationId xmlns:p14="http://schemas.microsoft.com/office/powerpoint/2010/main" val="3120996781"/>
+      </p:ext>
+    </p:extLst>
+  </p:cSld>
+  <p:clrMapOvr>
+    <a:masterClrMapping/>
+  </p:clrMapOvr>
+  <mc:AlternateContent xmlns:mc="http://schemas.openxmlformats.org/markup-compatibility/2006" xmlns:p14="http://schemas.microsoft.com/office/powerpoint/2010/main">
+    <mc:Choice Requires="p14">
+      <p:transition spd="med" p14:dur="700">
+        <p:fade/>
+      </p:transition>
+    </mc:Choice>
+    <mc:Fallback xmlns="">
+      <p:transition spd="med">
+        <p:fade/>
+      </p:transition>
+    </mc:Fallback>
+  </mc:AlternateContent>
+  <p:timing>
+    <p:tnLst>
+      <p:par>
+        <p:cTn id="1" dur="indefinite" restart="never" nodeType="tmRoot"/>
+      </p:par>
+    </p:tnLst>
+  </p:timing>
+</p:sld>
+</file>
+
+<file path=ppt/slides/slide17.xml><?xml version="1.0" encoding="utf-8"?>
+<p:sld xmlns:a="http://schemas.openxmlformats.org/drawingml/2006/main" xmlns:r="http://schemas.openxmlformats.org/officeDocument/2006/relationships" xmlns:p="http://schemas.openxmlformats.org/presentationml/2006/main">
+  <p:cSld>
+    <p:spTree>
+      <p:nvGrpSpPr>
+        <p:cNvPr id="1" name=""/>
+        <p:cNvGrpSpPr/>
+        <p:nvPr/>
+      </p:nvGrpSpPr>
+      <p:grpSpPr>
+        <a:xfrm>
+          <a:off x="0" y="0"/>
+          <a:ext cx="0" cy="0"/>
+          <a:chOff x="0" y="0"/>
+          <a:chExt cx="0" cy="0"/>
+        </a:xfrm>
+      </p:grpSpPr>
+      <p:sp>
+        <p:nvSpPr>
+          <p:cNvPr id="2" name="Title 1"/>
+          <p:cNvSpPr>
+            <a:spLocks noGrp="1"/>
+          </p:cNvSpPr>
+          <p:nvPr>
+            <p:ph type="title"/>
+          </p:nvPr>
+        </p:nvSpPr>
+        <p:spPr>
+          <a:xfrm>
+            <a:off x="1148256" y="2575034"/>
+            <a:ext cx="9601200" cy="952555"/>
+          </a:xfrm>
+        </p:spPr>
+        <p:txBody>
+          <a:bodyPr/>
+          <a:lstStyle/>
+          <a:p>
+            <a:pPr algn="ctr"/>
+            <a:r>
+              <a:rPr lang="en-US" dirty="0" smtClean="0"/>
+              <a:t>DEMO</a:t>
+            </a:r>
+            <a:endParaRPr lang="en-US" dirty="0"/>
+          </a:p>
+        </p:txBody>
+      </p:sp>
+      <p:sp>
+        <p:nvSpPr>
+          <p:cNvPr id="5" name="Footer Placeholder 4"/>
+          <p:cNvSpPr>
+            <a:spLocks noGrp="1"/>
+          </p:cNvSpPr>
+          <p:nvPr>
+            <p:ph type="ftr" sz="quarter" idx="11"/>
+          </p:nvPr>
+        </p:nvSpPr>
+        <p:spPr/>
+        <p:txBody>
+          <a:bodyPr/>
+          <a:lstStyle/>
+          <a:p>
+            <a:r>
+              <a:rPr lang="en-US" smtClean="0"/>
+              <a:t>Learn-English</a:t>
+            </a:r>
+            <a:endParaRPr lang="en-US" dirty="0"/>
+          </a:p>
+        </p:txBody>
+      </p:sp>
+      <p:sp>
+        <p:nvSpPr>
+          <p:cNvPr id="6" name="Slide Number Placeholder 5"/>
+          <p:cNvSpPr>
+            <a:spLocks noGrp="1"/>
+          </p:cNvSpPr>
+          <p:nvPr>
+            <p:ph type="sldNum" sz="quarter" idx="12"/>
+          </p:nvPr>
+        </p:nvSpPr>
+        <p:spPr/>
+        <p:txBody>
+          <a:bodyPr/>
+          <a:lstStyle/>
+          <a:p>
+            <a:fld id="{E31375A4-56A4-47D6-9801-1991572033F7}" type="slidenum">
+              <a:rPr lang="en-US" smtClean="0"/>
+              <a:t>17</a:t>
+            </a:fld>
+            <a:endParaRPr lang="en-US"/>
+          </a:p>
+        </p:txBody>
+      </p:sp>
+    </p:spTree>
+    <p:extLst>
+      <p:ext uri="{BB962C8B-B14F-4D97-AF65-F5344CB8AC3E}">
+        <p14:creationId xmlns:p14="http://schemas.microsoft.com/office/powerpoint/2010/main" val="1580511864"/>
+      </p:ext>
+    </p:extLst>
+  </p:cSld>
+  <p:clrMapOvr>
+    <a:masterClrMapping/>
+  </p:clrMapOvr>
+  <mc:AlternateContent xmlns:mc="http://schemas.openxmlformats.org/markup-compatibility/2006" xmlns:p14="http://schemas.microsoft.com/office/powerpoint/2010/main">
+    <mc:Choice Requires="p14">
+      <p:transition spd="med" p14:dur="700">
+        <p:fade/>
+      </p:transition>
+    </mc:Choice>
+    <mc:Fallback xmlns="">
+      <p:transition spd="med">
+        <p:fade/>
+      </p:transition>
+    </mc:Fallback>
+  </mc:AlternateContent>
+  <p:timing>
+    <p:tnLst>
+      <p:par>
+        <p:cTn id="1" dur="indefinite" restart="never" nodeType="tmRoot"/>
+      </p:par>
+    </p:tnLst>
+  </p:timing>
+</p:sld>
+</file>
+
+<file path=ppt/slides/slide18.xml><?xml version="1.0" encoding="utf-8"?>
+<p:sld xmlns:a="http://schemas.openxmlformats.org/drawingml/2006/main" xmlns:r="http://schemas.openxmlformats.org/officeDocument/2006/relationships" xmlns:p="http://schemas.openxmlformats.org/presentationml/2006/main">
+  <p:cSld>
+    <p:spTree>
+      <p:nvGrpSpPr>
+        <p:cNvPr id="1" name=""/>
+        <p:cNvGrpSpPr/>
+        <p:nvPr/>
+      </p:nvGrpSpPr>
+      <p:grpSpPr>
+        <a:xfrm>
+          <a:off x="0" y="0"/>
+          <a:ext cx="0" cy="0"/>
+          <a:chOff x="0" y="0"/>
+          <a:chExt cx="0" cy="0"/>
+        </a:xfrm>
+      </p:grpSpPr>
+      <p:sp>
+        <p:nvSpPr>
+          <p:cNvPr id="2" name="Title 1"/>
+          <p:cNvSpPr>
+            <a:spLocks noGrp="1"/>
+          </p:cNvSpPr>
+          <p:nvPr>
+            <p:ph type="title"/>
+          </p:nvPr>
+        </p:nvSpPr>
+        <p:spPr>
+          <a:xfrm>
+            <a:off x="1368973" y="766612"/>
+            <a:ext cx="9601200" cy="1051678"/>
+          </a:xfrm>
+        </p:spPr>
+        <p:txBody>
+          <a:bodyPr>
+            <a:normAutofit/>
+          </a:bodyPr>
+          <a:lstStyle/>
+          <a:p>
+            <a:r>
+              <a:rPr lang="en-US" dirty="0" err="1" smtClean="0"/>
+              <a:t>Imbunatatiri</a:t>
+            </a:r>
+            <a:r>
+              <a:rPr lang="en-US" dirty="0" smtClean="0"/>
+              <a:t/>
+            </a:r>
+            <a:br>
+              <a:rPr lang="en-US" dirty="0" smtClean="0"/>
+            </a:br>
+            <a:endParaRPr lang="en-US" dirty="0"/>
+          </a:p>
+        </p:txBody>
+      </p:sp>
+      <p:sp>
+        <p:nvSpPr>
+          <p:cNvPr id="3" name="Content Placeholder 2"/>
+          <p:cNvSpPr>
+            <a:spLocks noGrp="1"/>
+          </p:cNvSpPr>
+          <p:nvPr>
+            <p:ph sz="half" idx="1"/>
+          </p:nvPr>
+        </p:nvSpPr>
+        <p:spPr>
+          <a:xfrm>
+            <a:off x="1368973" y="1944415"/>
+            <a:ext cx="7819446" cy="3810001"/>
+          </a:xfrm>
+        </p:spPr>
+        <p:txBody>
+          <a:bodyPr/>
+          <a:lstStyle/>
+          <a:p>
+            <a:r>
+              <a:rPr lang="en-US" dirty="0" err="1" smtClean="0"/>
+              <a:t>Modulul</a:t>
+            </a:r>
+            <a:r>
+              <a:rPr lang="en-US" dirty="0" smtClean="0"/>
+              <a:t> de Speaking</a:t>
+            </a:r>
+          </a:p>
+          <a:p>
+            <a:r>
+              <a:rPr lang="en-US" dirty="0" err="1" smtClean="0"/>
+              <a:t>Adaugarea</a:t>
+            </a:r>
+            <a:r>
+              <a:rPr lang="en-US" dirty="0" smtClean="0"/>
+              <a:t> </a:t>
+            </a:r>
+            <a:r>
+              <a:rPr lang="en-US" dirty="0" err="1" smtClean="0"/>
+              <a:t>altor</a:t>
+            </a:r>
+            <a:r>
+              <a:rPr lang="en-US" dirty="0" smtClean="0"/>
+              <a:t> </a:t>
+            </a:r>
+            <a:r>
+              <a:rPr lang="en-US" dirty="0" err="1" smtClean="0"/>
+              <a:t>resurse</a:t>
+            </a:r>
+            <a:endParaRPr lang="en-US" dirty="0" smtClean="0"/>
+          </a:p>
+          <a:p>
+            <a:r>
+              <a:rPr lang="en-US" dirty="0" smtClean="0"/>
+              <a:t>La </a:t>
+            </a:r>
+            <a:r>
+              <a:rPr lang="en-US" dirty="0" err="1" smtClean="0"/>
+              <a:t>adaugare</a:t>
+            </a:r>
+            <a:r>
+              <a:rPr lang="en-US" dirty="0" smtClean="0"/>
+              <a:t> – </a:t>
+            </a:r>
+            <a:r>
+              <a:rPr lang="en-US" dirty="0" err="1" smtClean="0"/>
+              <a:t>editarea</a:t>
+            </a:r>
+            <a:r>
+              <a:rPr lang="en-US" dirty="0" smtClean="0"/>
+              <a:t> </a:t>
+            </a:r>
+            <a:r>
+              <a:rPr lang="en-US" dirty="0" err="1" smtClean="0"/>
+              <a:t>frazelor</a:t>
+            </a:r>
+            <a:endParaRPr lang="en-US" dirty="0" smtClean="0"/>
+          </a:p>
+          <a:p>
+            <a:r>
+              <a:rPr lang="en-US" dirty="0" err="1" smtClean="0"/>
+              <a:t>Clipuri</a:t>
+            </a:r>
+            <a:r>
+              <a:rPr lang="en-US" dirty="0" smtClean="0"/>
+              <a:t> lungi </a:t>
+            </a:r>
+            <a:r>
+              <a:rPr lang="en-US" dirty="0" smtClean="0">
+                <a:sym typeface="Wingdings" panose="05000000000000000000" pitchFamily="2" charset="2"/>
+              </a:rPr>
+              <a:t> </a:t>
+            </a:r>
+            <a:r>
+              <a:rPr lang="en-US" dirty="0" err="1" smtClean="0">
+                <a:sym typeface="Wingdings" panose="05000000000000000000" pitchFamily="2" charset="2"/>
+              </a:rPr>
+              <a:t>clipuri</a:t>
+            </a:r>
+            <a:r>
+              <a:rPr lang="en-US" dirty="0" smtClean="0">
+                <a:sym typeface="Wingdings" panose="05000000000000000000" pitchFamily="2" charset="2"/>
+              </a:rPr>
+              <a:t> </a:t>
+            </a:r>
+            <a:r>
+              <a:rPr lang="en-US" dirty="0" err="1" smtClean="0">
+                <a:sym typeface="Wingdings" panose="05000000000000000000" pitchFamily="2" charset="2"/>
+              </a:rPr>
+              <a:t>scurte</a:t>
+            </a:r>
+            <a:endParaRPr lang="en-US" dirty="0" smtClean="0">
+              <a:sym typeface="Wingdings" panose="05000000000000000000" pitchFamily="2" charset="2"/>
+            </a:endParaRPr>
+          </a:p>
+          <a:p>
+            <a:endParaRPr lang="en-US" dirty="0"/>
+          </a:p>
+        </p:txBody>
+      </p:sp>
+      <p:sp>
+        <p:nvSpPr>
+          <p:cNvPr id="5" name="Footer Placeholder 4"/>
+          <p:cNvSpPr>
+            <a:spLocks noGrp="1"/>
+          </p:cNvSpPr>
+          <p:nvPr>
+            <p:ph type="ftr" sz="quarter" idx="11"/>
+          </p:nvPr>
+        </p:nvSpPr>
+        <p:spPr/>
+        <p:txBody>
+          <a:bodyPr/>
+          <a:lstStyle/>
+          <a:p>
+            <a:r>
+              <a:rPr lang="en-US" smtClean="0"/>
+              <a:t>Learn-English</a:t>
+            </a:r>
+            <a:endParaRPr lang="en-US" dirty="0"/>
+          </a:p>
+        </p:txBody>
+      </p:sp>
+      <p:sp>
+        <p:nvSpPr>
+          <p:cNvPr id="6" name="Slide Number Placeholder 5"/>
+          <p:cNvSpPr>
+            <a:spLocks noGrp="1"/>
+          </p:cNvSpPr>
+          <p:nvPr>
+            <p:ph type="sldNum" sz="quarter" idx="12"/>
+          </p:nvPr>
+        </p:nvSpPr>
+        <p:spPr/>
+        <p:txBody>
+          <a:bodyPr/>
+          <a:lstStyle/>
+          <a:p>
+            <a:fld id="{E31375A4-56A4-47D6-9801-1991572033F7}" type="slidenum">
+              <a:rPr lang="en-US" smtClean="0"/>
+              <a:t>18</a:t>
+            </a:fld>
+            <a:endParaRPr lang="en-US"/>
+          </a:p>
+        </p:txBody>
+      </p:sp>
+    </p:spTree>
+    <p:extLst>
+      <p:ext uri="{BB962C8B-B14F-4D97-AF65-F5344CB8AC3E}">
+        <p14:creationId xmlns:p14="http://schemas.microsoft.com/office/powerpoint/2010/main" val="3015019013"/>
+      </p:ext>
+    </p:extLst>
+  </p:cSld>
+  <p:clrMapOvr>
+    <a:masterClrMapping/>
+  </p:clrMapOvr>
+  <mc:AlternateContent xmlns:mc="http://schemas.openxmlformats.org/markup-compatibility/2006" xmlns:p14="http://schemas.microsoft.com/office/powerpoint/2010/main">
+    <mc:Choice Requires="p14">
+      <p:transition spd="med" p14:dur="700">
+        <p:fade/>
+      </p:transition>
+    </mc:Choice>
+    <mc:Fallback xmlns="">
+      <p:transition spd="med">
+        <p:fade/>
+      </p:transition>
+    </mc:Fallback>
+  </mc:AlternateContent>
+  <p:timing>
+    <p:tnLst>
+      <p:par>
+        <p:cTn id="1" dur="indefinite" restart="never" nodeType="tmRoot"/>
+      </p:par>
+    </p:tnLst>
+  </p:timing>
+</p:sld>
+</file>
+
+<file path=ppt/slides/slide19.xml><?xml version="1.0" encoding="utf-8"?>
+<p:sld xmlns:a="http://schemas.openxmlformats.org/drawingml/2006/main" xmlns:r="http://schemas.openxmlformats.org/officeDocument/2006/relationships" xmlns:p="http://schemas.openxmlformats.org/presentationml/2006/main">
+  <p:cSld>
+    <p:spTree>
+      <p:nvGrpSpPr>
+        <p:cNvPr id="1" name=""/>
+        <p:cNvGrpSpPr/>
+        <p:nvPr/>
+      </p:nvGrpSpPr>
+      <p:grpSpPr>
+        <a:xfrm>
+          <a:off x="0" y="0"/>
+          <a:ext cx="0" cy="0"/>
+          <a:chOff x="0" y="0"/>
+          <a:chExt cx="0" cy="0"/>
+        </a:xfrm>
+      </p:grpSpPr>
+      <p:sp>
+        <p:nvSpPr>
+          <p:cNvPr id="2" name="Title 1"/>
+          <p:cNvSpPr>
+            <a:spLocks noGrp="1"/>
+          </p:cNvSpPr>
+          <p:nvPr>
+            <p:ph type="title"/>
+          </p:nvPr>
+        </p:nvSpPr>
+        <p:spPr>
+          <a:xfrm>
+            <a:off x="1295399" y="367861"/>
+            <a:ext cx="9601200" cy="574183"/>
+          </a:xfrm>
+        </p:spPr>
         <p:txBody>
           <a:bodyPr/>
           <a:lstStyle/>
@@ -16295,297 +19442,31 @@
           <a:lstStyle/>
           <a:p>
             <a:r>
-              <a:rPr lang="en-US" dirty="0" err="1"/>
-              <a:t>Învăţarea</a:t>
-            </a:r>
-            <a:r>
-              <a:rPr lang="en-US" dirty="0"/>
-              <a:t> </a:t>
-            </a:r>
-            <a:r>
-              <a:rPr lang="en-US" dirty="0" err="1"/>
-              <a:t>prin</a:t>
-            </a:r>
-            <a:r>
-              <a:rPr lang="en-US" dirty="0"/>
-              <a:t> </a:t>
-            </a:r>
-            <a:r>
-              <a:rPr lang="en-US" dirty="0" err="1"/>
-              <a:t>activităţi</a:t>
-            </a:r>
-            <a:r>
-              <a:rPr lang="en-US" dirty="0"/>
-              <a:t> </a:t>
-            </a:r>
-            <a:r>
-              <a:rPr lang="en-US" dirty="0" err="1"/>
-              <a:t>plăcute</a:t>
-            </a:r>
-            <a:r>
-              <a:rPr lang="en-US" dirty="0"/>
-              <a:t> </a:t>
-            </a:r>
-            <a:r>
-              <a:rPr lang="en-US" dirty="0" err="1"/>
-              <a:t>reprezintă</a:t>
-            </a:r>
-            <a:r>
-              <a:rPr lang="en-US" dirty="0"/>
-              <a:t> </a:t>
-            </a:r>
-            <a:r>
-              <a:rPr lang="en-US" dirty="0" err="1"/>
-              <a:t>ideea</a:t>
-            </a:r>
-            <a:r>
-              <a:rPr lang="en-US" dirty="0"/>
-              <a:t> </a:t>
-            </a:r>
-            <a:r>
-              <a:rPr lang="en-US" dirty="0" err="1"/>
-              <a:t>acestei</a:t>
-            </a:r>
-            <a:r>
-              <a:rPr lang="en-US" dirty="0"/>
-              <a:t> </a:t>
-            </a:r>
-            <a:r>
-              <a:rPr lang="en-US" dirty="0" err="1"/>
-              <a:t>aplicaţii</a:t>
-            </a:r>
-            <a:r>
-              <a:rPr lang="en-US" dirty="0"/>
-              <a:t>. </a:t>
-            </a:r>
-            <a:endParaRPr lang="en-US" dirty="0" smtClean="0"/>
-          </a:p>
-          <a:p>
-            <a:r>
-              <a:rPr lang="en-US" dirty="0" smtClean="0"/>
-              <a:t>Din </a:t>
-            </a:r>
-            <a:r>
-              <a:rPr lang="en-US" dirty="0" err="1"/>
-              <a:t>lipsă</a:t>
-            </a:r>
-            <a:r>
-              <a:rPr lang="en-US" dirty="0"/>
-              <a:t> de </a:t>
-            </a:r>
-            <a:r>
-              <a:rPr lang="en-US" dirty="0" err="1"/>
-              <a:t>timp</a:t>
-            </a:r>
-            <a:r>
-              <a:rPr lang="en-US" dirty="0"/>
-              <a:t> </a:t>
-            </a:r>
-            <a:r>
-              <a:rPr lang="en-US" dirty="0" err="1"/>
-              <a:t>cei</a:t>
-            </a:r>
-            <a:r>
-              <a:rPr lang="en-US" dirty="0"/>
-              <a:t> </a:t>
-            </a:r>
-            <a:r>
-              <a:rPr lang="en-US" dirty="0" err="1"/>
-              <a:t>mai</a:t>
-            </a:r>
-            <a:r>
-              <a:rPr lang="en-US" dirty="0"/>
-              <a:t> </a:t>
-            </a:r>
-            <a:r>
-              <a:rPr lang="en-US" dirty="0" err="1"/>
-              <a:t>mulţi</a:t>
-            </a:r>
-            <a:r>
-              <a:rPr lang="en-US" dirty="0"/>
-              <a:t> nu </a:t>
-            </a:r>
-            <a:r>
               <a:rPr lang="en-US" dirty="0" err="1" smtClean="0"/>
-              <a:t>reusesc</a:t>
+              <a:t>Ibunatatirea</a:t>
             </a:r>
             <a:r>
               <a:rPr lang="en-US" dirty="0" smtClean="0"/>
               <a:t> </a:t>
             </a:r>
             <a:r>
-              <a:rPr lang="en-US" dirty="0" err="1"/>
-              <a:t>să</a:t>
-            </a:r>
-            <a:r>
-              <a:rPr lang="en-US" dirty="0"/>
-              <a:t> </a:t>
-            </a:r>
-            <a:r>
-              <a:rPr lang="en-US" dirty="0" err="1"/>
-              <a:t>înveţe</a:t>
-            </a:r>
-            <a:r>
-              <a:rPr lang="en-US" dirty="0"/>
-              <a:t> o </a:t>
-            </a:r>
-            <a:r>
-              <a:rPr lang="en-US" dirty="0" err="1"/>
-              <a:t>limbă</a:t>
-            </a:r>
-            <a:r>
-              <a:rPr lang="en-US" dirty="0"/>
-              <a:t> </a:t>
-            </a:r>
-            <a:r>
-              <a:rPr lang="en-US" dirty="0" err="1"/>
-              <a:t>straină</a:t>
-            </a:r>
-            <a:r>
-              <a:rPr lang="en-US" dirty="0"/>
-              <a:t>. </a:t>
-            </a:r>
-            <a:endParaRPr lang="en-US" dirty="0" smtClean="0"/>
-          </a:p>
-          <a:p>
-            <a:r>
               <a:rPr lang="en-US" dirty="0" err="1" smtClean="0"/>
-              <a:t>Aplicaţia</a:t>
+              <a:t>limbii</a:t>
             </a:r>
             <a:r>
               <a:rPr lang="en-US" dirty="0" smtClean="0"/>
               <a:t> </a:t>
             </a:r>
             <a:r>
-              <a:rPr lang="en-US" dirty="0" err="1"/>
-              <a:t>aduce</a:t>
-            </a:r>
-            <a:r>
-              <a:rPr lang="en-US" dirty="0"/>
-              <a:t> cu sine </a:t>
-            </a:r>
-            <a:r>
-              <a:rPr lang="en-US" dirty="0" err="1"/>
-              <a:t>avantajul</a:t>
-            </a:r>
-            <a:r>
-              <a:rPr lang="en-US" dirty="0"/>
-              <a:t> </a:t>
-            </a:r>
-            <a:r>
-              <a:rPr lang="en-US" dirty="0" err="1"/>
-              <a:t>îmbinării</a:t>
-            </a:r>
-            <a:r>
-              <a:rPr lang="en-US" dirty="0"/>
-              <a:t> a </a:t>
-            </a:r>
-            <a:r>
-              <a:rPr lang="en-US" dirty="0" err="1"/>
-              <a:t>doua</a:t>
-            </a:r>
-            <a:r>
-              <a:rPr lang="en-US" dirty="0"/>
-              <a:t> </a:t>
-            </a:r>
-            <a:r>
-              <a:rPr lang="en-US" dirty="0" err="1"/>
-              <a:t>activităţi</a:t>
-            </a:r>
-            <a:r>
-              <a:rPr lang="en-US" dirty="0"/>
-              <a:t>, </a:t>
-            </a:r>
-            <a:r>
-              <a:rPr lang="en-US" dirty="0" err="1"/>
-              <a:t>una</a:t>
-            </a:r>
-            <a:r>
-              <a:rPr lang="en-US" dirty="0"/>
-              <a:t> </a:t>
-            </a:r>
-            <a:r>
-              <a:rPr lang="en-US" dirty="0" err="1"/>
-              <a:t>utilă</a:t>
-            </a:r>
-            <a:r>
-              <a:rPr lang="en-US" dirty="0"/>
-              <a:t> </a:t>
-            </a:r>
-            <a:r>
-              <a:rPr lang="en-US" dirty="0" err="1"/>
-              <a:t>şi</a:t>
-            </a:r>
-            <a:r>
-              <a:rPr lang="en-US" dirty="0"/>
-              <a:t> </a:t>
-            </a:r>
-            <a:r>
-              <a:rPr lang="en-US" dirty="0" err="1"/>
-              <a:t>una</a:t>
-            </a:r>
-            <a:r>
-              <a:rPr lang="en-US" dirty="0"/>
-              <a:t> </a:t>
-            </a:r>
-            <a:r>
-              <a:rPr lang="en-US" dirty="0" err="1"/>
-              <a:t>placută</a:t>
-            </a:r>
-            <a:r>
-              <a:rPr lang="en-US" dirty="0"/>
-              <a:t> - </a:t>
-            </a:r>
-            <a:r>
-              <a:rPr lang="en-US" dirty="0" err="1"/>
-              <a:t>învăţatul</a:t>
-            </a:r>
-            <a:r>
-              <a:rPr lang="en-US" dirty="0"/>
-              <a:t> </a:t>
-            </a:r>
-            <a:r>
-              <a:rPr lang="en-US" dirty="0" err="1"/>
-              <a:t>prin</a:t>
-            </a:r>
-            <a:r>
-              <a:rPr lang="en-US" dirty="0"/>
-              <a:t> </a:t>
-            </a:r>
-            <a:r>
-              <a:rPr lang="en-US" dirty="0" err="1"/>
-              <a:t>vizionare</a:t>
-            </a:r>
-            <a:r>
-              <a:rPr lang="en-US" dirty="0"/>
-              <a:t> de </a:t>
-            </a:r>
-            <a:r>
-              <a:rPr lang="en-US" dirty="0" err="1"/>
-              <a:t>clipuri</a:t>
-            </a:r>
-            <a:r>
-              <a:rPr lang="en-US" dirty="0"/>
-              <a:t> video. </a:t>
-            </a:r>
-            <a:endParaRPr lang="en-US" dirty="0" smtClean="0"/>
-          </a:p>
-          <a:p>
-            <a:r>
               <a:rPr lang="en-US" dirty="0" err="1" smtClean="0"/>
-              <a:t>Ofera</a:t>
-            </a:r>
-            <a:r>
-              <a:rPr lang="en-US" dirty="0"/>
-              <a:t> </a:t>
-            </a:r>
-            <a:r>
-              <a:rPr lang="en-US" dirty="0" smtClean="0"/>
-              <a:t>un plus de </a:t>
-            </a:r>
+              <a:t>engleza</a:t>
+            </a:r>
+            <a:endParaRPr lang="en-US" dirty="0"/>
+          </a:p>
+          <a:p>
             <a:r>
               <a:rPr lang="en-US" dirty="0" err="1" smtClean="0"/>
-              <a:t>informatii</a:t>
+              <a:t>Repetarea</a:t>
             </a:r>
             <a:r>
               <a:rPr lang="en-US" dirty="0" smtClean="0"/>
@@ -16593,7 +19474,14 @@
             </a:r>
             <a:r>
               <a:rPr lang="en-US" dirty="0" err="1" smtClean="0"/>
-              <a:t>vorbitorilor</a:t>
+              <a:t>lectiilor</a:t>
+            </a:r>
+            <a:endParaRPr lang="en-US" dirty="0" smtClean="0"/>
+          </a:p>
+          <a:p>
+            <a:r>
+              <a:rPr lang="en-US" dirty="0" err="1" smtClean="0"/>
+              <a:t>Intelegerea</a:t>
             </a:r>
             <a:r>
               <a:rPr lang="en-US" dirty="0" smtClean="0"/>
@@ -16601,11 +19489,70 @@
             </a:r>
             <a:r>
               <a:rPr lang="en-US" dirty="0" err="1" smtClean="0"/>
-              <a:t>avansati</a:t>
+              <a:t>textului</a:t>
             </a:r>
             <a:endParaRPr lang="en-US" dirty="0"/>
           </a:p>
           <a:p>
+            <a:r>
+              <a:rPr lang="en-US" dirty="0" err="1" smtClean="0"/>
+              <a:t>Intelegerea</a:t>
+            </a:r>
+            <a:r>
+              <a:rPr lang="en-US" dirty="0" smtClean="0"/>
+              <a:t> </a:t>
+            </a:r>
+            <a:r>
+              <a:rPr lang="en-US" dirty="0" err="1" smtClean="0"/>
+              <a:t>sensului</a:t>
+            </a:r>
+            <a:endParaRPr lang="en-US" dirty="0" smtClean="0"/>
+          </a:p>
+          <a:p>
+            <a:r>
+              <a:rPr lang="en-US" dirty="0" err="1" smtClean="0"/>
+              <a:t>Materiale</a:t>
+            </a:r>
+            <a:r>
+              <a:rPr lang="en-US" dirty="0" smtClean="0"/>
+              <a:t> </a:t>
+            </a:r>
+            <a:r>
+              <a:rPr lang="en-US" dirty="0" err="1" smtClean="0"/>
+              <a:t>preferentiale</a:t>
+            </a:r>
+            <a:endParaRPr lang="en-US" dirty="0" smtClean="0"/>
+          </a:p>
+          <a:p>
+            <a:r>
+              <a:rPr lang="en-US" dirty="0" err="1" smtClean="0"/>
+              <a:t>Imbinarea</a:t>
+            </a:r>
+            <a:r>
+              <a:rPr lang="en-US" dirty="0" smtClean="0"/>
+              <a:t> </a:t>
+            </a:r>
+            <a:r>
+              <a:rPr lang="en-US" dirty="0" err="1" smtClean="0"/>
+              <a:t>utilului</a:t>
+            </a:r>
+            <a:r>
+              <a:rPr lang="en-US" dirty="0" smtClean="0"/>
+              <a:t> cu </a:t>
+            </a:r>
+            <a:r>
+              <a:rPr lang="en-US" dirty="0" err="1" smtClean="0"/>
+              <a:t>placutul</a:t>
+            </a:r>
+            <a:endParaRPr lang="en-US" dirty="0" smtClean="0"/>
+          </a:p>
+          <a:p>
+            <a:endParaRPr lang="en-US" dirty="0" smtClean="0"/>
+          </a:p>
+          <a:p>
+            <a:pPr marL="506412" lvl="2" indent="0">
+              <a:buNone/>
+            </a:pPr>
             <a:endParaRPr lang="en-US" dirty="0" smtClean="0"/>
           </a:p>
         </p:txBody>
@@ -16650,7 +19597,7 @@
           <a:p>
             <a:fld id="{E31375A4-56A4-47D6-9801-1991572033F7}" type="slidenum">
               <a:rPr lang="en-US" smtClean="0"/>
-              <a:t>12</a:t>
+              <a:t>19</a:t>
             </a:fld>
             <a:endParaRPr lang="en-US"/>
           </a:p>
@@ -16745,21 +19692,6 @@
           <a:p>
             <a:r>
               <a:rPr lang="en-US" dirty="0" err="1" smtClean="0"/>
-              <a:t>Descrierea</a:t>
-            </a:r>
-            <a:r>
-              <a:rPr lang="en-US" dirty="0" smtClean="0"/>
-              <a:t> </a:t>
-            </a:r>
-            <a:r>
-              <a:rPr lang="en-US" dirty="0" err="1" smtClean="0"/>
-              <a:t>Lucrarii</a:t>
-            </a:r>
-            <a:endParaRPr lang="en-US" dirty="0" smtClean="0"/>
-          </a:p>
-          <a:p>
-            <a:r>
-              <a:rPr lang="en-US" dirty="0" err="1"/>
               <a:t>Motivaţia</a:t>
             </a:r>
             <a:endParaRPr lang="en-US" dirty="0" smtClean="0"/>
@@ -16776,6 +19708,28 @@
               <a:rPr lang="en-US" dirty="0" smtClean="0"/>
               <a:t>Module</a:t>
             </a:r>
+          </a:p>
+          <a:p>
+            <a:r>
+              <a:rPr lang="en-US" dirty="0" err="1"/>
+              <a:t>Tehnologii</a:t>
+            </a:r>
+            <a:r>
+              <a:rPr lang="en-US" dirty="0"/>
+              <a:t> </a:t>
+            </a:r>
+            <a:r>
+              <a:rPr lang="en-US" dirty="0" err="1" smtClean="0"/>
+              <a:t>Folosite</a:t>
+            </a:r>
+            <a:endParaRPr lang="en-US" dirty="0" smtClean="0"/>
+          </a:p>
+          <a:p>
+            <a:r>
+              <a:rPr lang="en-US" dirty="0" err="1"/>
+              <a:t>Imbunatatiri</a:t>
+            </a:r>
+            <a:endParaRPr lang="en-US" dirty="0" smtClean="0"/>
           </a:p>
           <a:p>
             <a:r>
@@ -16894,22 +19848,21 @@
             <p:ph type="title"/>
           </p:nvPr>
         </p:nvSpPr>
-        <p:spPr/>
+        <p:spPr>
+          <a:xfrm>
+            <a:off x="1295400" y="400154"/>
+            <a:ext cx="9601200" cy="629859"/>
+          </a:xfrm>
+        </p:spPr>
         <p:txBody>
-          <a:bodyPr/>
+          <a:bodyPr>
+            <a:normAutofit/>
+          </a:bodyPr>
           <a:lstStyle/>
           <a:p>
             <a:r>
               <a:rPr lang="en-US" dirty="0" err="1" smtClean="0"/>
-              <a:t>Descrierea</a:t>
-            </a:r>
-            <a:r>
-              <a:rPr lang="en-US" dirty="0" smtClean="0"/>
-              <a:t> </a:t>
-            </a:r>
-            <a:r>
-              <a:rPr lang="en-US" dirty="0" err="1" smtClean="0"/>
-              <a:t>lucrarii</a:t>
+              <a:t>Motivatia</a:t>
             </a:r>
             <a:endParaRPr lang="en-US" dirty="0"/>
           </a:p>
@@ -16917,42 +19870,36 @@
       </p:sp>
       <p:sp>
         <p:nvSpPr>
-          <p:cNvPr id="3" name="Content Placeholder 2"/>
+          <p:cNvPr id="4" name="Content Placeholder 3"/>
           <p:cNvSpPr>
             <a:spLocks noGrp="1"/>
           </p:cNvSpPr>
           <p:nvPr>
-            <p:ph idx="1"/>
+            <p:ph sz="half" idx="1"/>
           </p:nvPr>
         </p:nvSpPr>
-        <p:spPr/>
+        <p:spPr>
+          <a:xfrm>
+            <a:off x="1295400" y="1234964"/>
+            <a:ext cx="9979550" cy="3810001"/>
+          </a:xfrm>
+        </p:spPr>
         <p:txBody>
-          <a:bodyPr/>
+          <a:bodyPr>
+            <a:normAutofit lnSpcReduction="10000"/>
+          </a:bodyPr>
           <a:lstStyle/>
           <a:p>
-            <a:r>
-              <a:rPr lang="en-US" dirty="0" err="1"/>
-              <a:t>Aplicaţia</a:t>
-            </a:r>
-            <a:r>
-              <a:rPr lang="en-US" dirty="0"/>
-              <a:t> Learn-English </a:t>
-            </a:r>
-            <a:r>
-              <a:rPr lang="en-US" dirty="0" smtClean="0"/>
-              <a:t>se </a:t>
-            </a:r>
+            <a:pPr marL="274320" lvl="1" indent="0">
+              <a:buNone/>
+            </a:pPr>
+            <a:endParaRPr lang="en-US" dirty="0" smtClean="0"/>
+          </a:p>
+          <a:p>
+            <a:pPr lvl="1"/>
             <a:r>
               <a:rPr lang="en-US" dirty="0" err="1" smtClean="0"/>
-              <a:t>doreste</a:t>
-            </a:r>
-            <a:r>
-              <a:rPr lang="en-US" dirty="0" smtClean="0"/>
-              <a:t> a fi o </a:t>
-            </a:r>
-            <a:r>
-              <a:rPr lang="en-US" dirty="0" err="1" smtClean="0"/>
-              <a:t>metoda</a:t>
+              <a:t>Imbunatatirea</a:t>
             </a:r>
             <a:r>
               <a:rPr lang="en-US" dirty="0" smtClean="0"/>
@@ -16960,23 +19907,15 @@
             </a:r>
             <a:r>
               <a:rPr lang="en-US" dirty="0" err="1" smtClean="0"/>
-              <a:t>alternativa</a:t>
-            </a:r>
-            <a:r>
-              <a:rPr lang="en-US" dirty="0" smtClean="0"/>
-              <a:t> de a </a:t>
-            </a:r>
+              <a:t>nivelului</a:t>
+            </a:r>
+            <a:endParaRPr lang="en-US" dirty="0" smtClean="0"/>
+          </a:p>
+          <a:p>
+            <a:pPr lvl="1"/>
             <a:r>
               <a:rPr lang="en-US" dirty="0" err="1" smtClean="0"/>
-              <a:t>inva</a:t>
-            </a:r>
-            <a:r>
-              <a:rPr lang="en-US" dirty="0" err="1"/>
-              <a:t>ţ</a:t>
-            </a:r>
-            <a:r>
-              <a:rPr lang="en-US" dirty="0" err="1" smtClean="0"/>
-              <a:t>a</a:t>
+              <a:t>Alte</a:t>
             </a:r>
             <a:r>
               <a:rPr lang="en-US" dirty="0" smtClean="0"/>
@@ -16984,396 +19923,243 @@
             </a:r>
             <a:r>
               <a:rPr lang="en-US" dirty="0" err="1" smtClean="0"/>
-              <a:t>limba</a:t>
+              <a:t>aplicatii</a:t>
+            </a:r>
+            <a:r>
+              <a:rPr lang="en-US" dirty="0" smtClean="0"/>
+              <a:t>:</a:t>
+            </a:r>
+          </a:p>
+          <a:p>
+            <a:pPr lvl="5"/>
+            <a:r>
+              <a:rPr lang="en-US" dirty="0" err="1"/>
+              <a:t>i</a:t>
+            </a:r>
+            <a:r>
+              <a:rPr lang="en-US" dirty="0" err="1" smtClean="0"/>
+              <a:t>ncepator</a:t>
             </a:r>
             <a:r>
               <a:rPr lang="en-US" dirty="0" smtClean="0"/>
               <a:t> </a:t>
             </a:r>
             <a:r>
-              <a:rPr lang="en-US" dirty="0" err="1" smtClean="0"/>
-              <a:t>engleza</a:t>
-            </a:r>
-            <a:r>
-              <a:rPr lang="en-US" dirty="0" smtClean="0"/>
-              <a:t>.</a:t>
-            </a:r>
-          </a:p>
-          <a:p>
+              <a:rPr lang="en-US" dirty="0" smtClean="0">
+                <a:sym typeface="Wingdings" panose="05000000000000000000" pitchFamily="2" charset="2"/>
+              </a:rPr>
+              <a:t></a:t>
+            </a:r>
             <a:r>
               <a:rPr lang="en-US" dirty="0" smtClean="0"/>
               <a:t> </a:t>
             </a:r>
             <a:r>
+              <a:rPr lang="en-US" dirty="0" err="1" smtClean="0"/>
+              <a:t>mediu</a:t>
+            </a:r>
+            <a:r>
+              <a:rPr lang="en-US" dirty="0" smtClean="0"/>
+              <a:t> (</a:t>
+            </a:r>
+            <a:r>
+              <a:rPr lang="en-US" dirty="0" err="1" smtClean="0"/>
+              <a:t>majoritatea</a:t>
+            </a:r>
+            <a:r>
+              <a:rPr lang="en-US" dirty="0" smtClean="0"/>
+              <a:t>)</a:t>
+            </a:r>
+          </a:p>
+          <a:p>
+            <a:pPr lvl="5"/>
+            <a:r>
               <a:rPr lang="en-US" dirty="0" err="1"/>
-              <a:t>Conceptul</a:t>
-            </a:r>
-            <a:r>
-              <a:rPr lang="en-US" dirty="0"/>
-              <a:t> </a:t>
-            </a:r>
-            <a:r>
-              <a:rPr lang="en-US" dirty="0" err="1"/>
-              <a:t>ce</a:t>
-            </a:r>
-            <a:r>
-              <a:rPr lang="en-US" dirty="0"/>
-              <a:t> </a:t>
-            </a:r>
-            <a:r>
-              <a:rPr lang="en-US" dirty="0" err="1"/>
-              <a:t>stă</a:t>
-            </a:r>
-            <a:r>
-              <a:rPr lang="en-US" dirty="0"/>
-              <a:t> la </a:t>
-            </a:r>
-            <a:r>
-              <a:rPr lang="en-US" dirty="0" err="1"/>
-              <a:t>baza</a:t>
-            </a:r>
-            <a:r>
-              <a:rPr lang="en-US" dirty="0"/>
-              <a:t> </a:t>
-            </a:r>
-            <a:r>
-              <a:rPr lang="en-US" dirty="0" err="1"/>
-              <a:t>aplicaţiei</a:t>
-            </a:r>
-            <a:r>
-              <a:rPr lang="en-US" dirty="0"/>
-              <a:t> </a:t>
-            </a:r>
-            <a:r>
-              <a:rPr lang="en-US" dirty="0" err="1"/>
-              <a:t>poate</a:t>
-            </a:r>
-            <a:r>
-              <a:rPr lang="en-US" dirty="0"/>
-              <a:t> fi </a:t>
-            </a:r>
-            <a:r>
-              <a:rPr lang="en-US" dirty="0" err="1"/>
-              <a:t>rezumat</a:t>
-            </a:r>
-            <a:r>
-              <a:rPr lang="en-US" dirty="0"/>
-              <a:t> </a:t>
-            </a:r>
-            <a:r>
-              <a:rPr lang="en-US" dirty="0" err="1"/>
-              <a:t>în</a:t>
-            </a:r>
-            <a:r>
-              <a:rPr lang="en-US" dirty="0"/>
-              <a:t> : </a:t>
-            </a:r>
-            <a:r>
-              <a:rPr lang="en-US" dirty="0" err="1"/>
-              <a:t>posibilitatea</a:t>
-            </a:r>
-            <a:r>
-              <a:rPr lang="en-US" dirty="0"/>
-              <a:t> de a </a:t>
-            </a:r>
-            <a:r>
-              <a:rPr lang="en-US" dirty="0" err="1"/>
-              <a:t>învăţa</a:t>
-            </a:r>
-            <a:r>
-              <a:rPr lang="en-US" dirty="0"/>
-              <a:t> o </a:t>
-            </a:r>
-            <a:r>
-              <a:rPr lang="en-US" dirty="0" err="1"/>
-              <a:t>limbă</a:t>
-            </a:r>
-            <a:r>
-              <a:rPr lang="en-US" dirty="0"/>
-              <a:t> </a:t>
-            </a:r>
-            <a:r>
-              <a:rPr lang="en-US" dirty="0" err="1"/>
-              <a:t>străină</a:t>
-            </a:r>
-            <a:r>
-              <a:rPr lang="en-US" dirty="0"/>
-              <a:t> </a:t>
-            </a:r>
-            <a:r>
-              <a:rPr lang="en-US" dirty="0" err="1"/>
-              <a:t>prin</a:t>
-            </a:r>
-            <a:r>
-              <a:rPr lang="en-US" dirty="0"/>
-              <a:t> </a:t>
-            </a:r>
-            <a:r>
-              <a:rPr lang="en-US" dirty="0" err="1"/>
-              <a:t>vizionarea</a:t>
-            </a:r>
-            <a:r>
-              <a:rPr lang="en-US" dirty="0"/>
-              <a:t> </a:t>
-            </a:r>
-            <a:r>
-              <a:rPr lang="en-US" dirty="0" err="1"/>
-              <a:t>clipurilor</a:t>
-            </a:r>
-            <a:r>
-              <a:rPr lang="en-US" dirty="0"/>
-              <a:t> </a:t>
-            </a:r>
-            <a:r>
-              <a:rPr lang="en-US" dirty="0" smtClean="0"/>
-              <a:t>video. </a:t>
-            </a:r>
-          </a:p>
-          <a:p>
+              <a:t>m</a:t>
+            </a:r>
             <a:r>
               <a:rPr lang="en-US" dirty="0" err="1" smtClean="0"/>
-              <a:t>Modalita</a:t>
-            </a:r>
-            <a:r>
-              <a:rPr lang="en-US" dirty="0" err="1"/>
-              <a:t>ţ</a:t>
-            </a:r>
-            <a:r>
-              <a:rPr lang="en-US" dirty="0" err="1" smtClean="0"/>
-              <a:t>ile</a:t>
-            </a:r>
-            <a:r>
-              <a:rPr lang="en-US" dirty="0" smtClean="0"/>
-              <a:t> de </a:t>
-            </a:r>
-            <a:r>
-              <a:rPr lang="en-US" dirty="0" err="1" smtClean="0"/>
-              <a:t>inva</a:t>
-            </a:r>
-            <a:r>
-              <a:rPr lang="en-US" dirty="0" err="1"/>
-              <a:t>ţ</a:t>
-            </a:r>
-            <a:r>
-              <a:rPr lang="en-US" dirty="0" err="1" smtClean="0"/>
-              <a:t>are</a:t>
+              <a:t>ediu</a:t>
             </a:r>
             <a:r>
               <a:rPr lang="en-US" dirty="0" smtClean="0"/>
               <a:t> </a:t>
             </a:r>
             <a:r>
-              <a:rPr lang="en-US" dirty="0" err="1" smtClean="0"/>
-              <a:t>sunt</a:t>
-            </a:r>
-            <a:r>
-              <a:rPr lang="en-US" dirty="0" smtClean="0"/>
+              <a:rPr lang="en-US" dirty="0" smtClean="0">
+                <a:sym typeface="Wingdings" panose="05000000000000000000" pitchFamily="2" charset="2"/>
+              </a:rPr>
+              <a:t> </a:t>
+            </a:r>
+            <a:r>
+              <a:rPr lang="en-US" dirty="0" err="1">
+                <a:sym typeface="Wingdings" panose="05000000000000000000" pitchFamily="2" charset="2"/>
+              </a:rPr>
+              <a:t>a</a:t>
+            </a:r>
+            <a:r>
+              <a:rPr lang="en-US" dirty="0" err="1" smtClean="0">
+                <a:sym typeface="Wingdings" panose="05000000000000000000" pitchFamily="2" charset="2"/>
+              </a:rPr>
+              <a:t>vansat</a:t>
+            </a:r>
+            <a:r>
+              <a:rPr lang="en-US" dirty="0" smtClean="0">
+                <a:sym typeface="Wingdings" panose="05000000000000000000" pitchFamily="2" charset="2"/>
+              </a:rPr>
+              <a:t> (</a:t>
+            </a:r>
+            <a:r>
+              <a:rPr lang="en-US" dirty="0" err="1" smtClean="0">
+                <a:sym typeface="Wingdings" panose="05000000000000000000" pitchFamily="2" charset="2"/>
+              </a:rPr>
+              <a:t>putine</a:t>
+            </a:r>
+            <a:r>
+              <a:rPr lang="en-US" dirty="0" smtClean="0">
+                <a:sym typeface="Wingdings" panose="05000000000000000000" pitchFamily="2" charset="2"/>
+              </a:rPr>
+              <a:t>)</a:t>
+            </a:r>
+          </a:p>
+          <a:p>
+            <a:pPr lvl="5"/>
+            <a:r>
+              <a:rPr lang="en-US" dirty="0" err="1">
+                <a:sym typeface="Wingdings" panose="05000000000000000000" pitchFamily="2" charset="2"/>
+              </a:rPr>
+              <a:t>c</a:t>
+            </a:r>
+            <a:r>
+              <a:rPr lang="en-US" dirty="0" err="1" smtClean="0">
+                <a:sym typeface="Wingdings" panose="05000000000000000000" pitchFamily="2" charset="2"/>
+              </a:rPr>
+              <a:t>ontinut</a:t>
+            </a:r>
+            <a:r>
+              <a:rPr lang="en-US" dirty="0" smtClean="0">
+                <a:sym typeface="Wingdings" panose="05000000000000000000" pitchFamily="2" charset="2"/>
+              </a:rPr>
               <a:t> </a:t>
             </a:r>
             <a:r>
-              <a:rPr lang="en-US" dirty="0" err="1" smtClean="0"/>
-              <a:t>prin</a:t>
-            </a:r>
-            <a:r>
-              <a:rPr lang="en-US" dirty="0" smtClean="0"/>
+              <a:rPr lang="en-US" dirty="0" err="1">
+                <a:sym typeface="Wingdings" panose="05000000000000000000" pitchFamily="2" charset="2"/>
+              </a:rPr>
+              <a:t>m</a:t>
+            </a:r>
+            <a:r>
+              <a:rPr lang="en-US" dirty="0" err="1" smtClean="0">
+                <a:sym typeface="Wingdings" panose="05000000000000000000" pitchFamily="2" charset="2"/>
+              </a:rPr>
+              <a:t>onoton</a:t>
+            </a:r>
+            <a:endParaRPr lang="en-US" dirty="0" smtClean="0">
+              <a:sym typeface="Wingdings" panose="05000000000000000000" pitchFamily="2" charset="2"/>
+            </a:endParaRPr>
+          </a:p>
+          <a:p>
+            <a:pPr lvl="1"/>
+            <a:r>
+              <a:rPr lang="en-US" dirty="0" err="1" smtClean="0">
+                <a:sym typeface="Wingdings" panose="05000000000000000000" pitchFamily="2" charset="2"/>
+              </a:rPr>
+              <a:t>Continut</a:t>
+            </a:r>
+            <a:r>
+              <a:rPr lang="en-US" dirty="0" smtClean="0">
+                <a:sym typeface="Wingdings" panose="05000000000000000000" pitchFamily="2" charset="2"/>
+              </a:rPr>
               <a:t> </a:t>
             </a:r>
             <a:r>
-              <a:rPr lang="en-US" dirty="0" err="1" smtClean="0"/>
-              <a:t>citire</a:t>
-            </a:r>
-            <a:r>
-              <a:rPr lang="en-US" dirty="0" smtClean="0"/>
+              <a:rPr lang="en-US" dirty="0" err="1" smtClean="0">
+                <a:sym typeface="Wingdings" panose="05000000000000000000" pitchFamily="2" charset="2"/>
+              </a:rPr>
+              <a:t>personalizat</a:t>
+            </a:r>
+            <a:endParaRPr lang="en-US" dirty="0" smtClean="0">
+              <a:sym typeface="Wingdings" panose="05000000000000000000" pitchFamily="2" charset="2"/>
+            </a:endParaRPr>
+          </a:p>
+          <a:p>
+            <a:pPr lvl="1"/>
+            <a:r>
+              <a:rPr lang="en-US" dirty="0" err="1" smtClean="0">
+                <a:sym typeface="Wingdings" panose="05000000000000000000" pitchFamily="2" charset="2"/>
+              </a:rPr>
+              <a:t>Imbunatatit</a:t>
+            </a:r>
+            <a:r>
+              <a:rPr lang="en-US" dirty="0" smtClean="0">
+                <a:sym typeface="Wingdings" panose="05000000000000000000" pitchFamily="2" charset="2"/>
+              </a:rPr>
               <a:t> </a:t>
             </a:r>
             <a:r>
-              <a:rPr lang="en-US" dirty="0" err="1" smtClean="0"/>
-              <a:t>si</a:t>
-            </a:r>
-            <a:r>
-              <a:rPr lang="en-US" dirty="0" smtClean="0"/>
-              <a:t> </a:t>
-            </a:r>
-            <a:r>
-              <a:rPr lang="en-US" dirty="0" err="1" smtClean="0"/>
-              <a:t>ascultare</a:t>
-            </a:r>
+              <a:rPr lang="en-US" dirty="0" err="1" smtClean="0">
+                <a:sym typeface="Wingdings" panose="05000000000000000000" pitchFamily="2" charset="2"/>
+              </a:rPr>
+              <a:t>nivelele</a:t>
+            </a:r>
+            <a:r>
+              <a:rPr lang="en-US" dirty="0" smtClean="0">
+                <a:sym typeface="Wingdings" panose="05000000000000000000" pitchFamily="2" charset="2"/>
+              </a:rPr>
+              <a:t>:</a:t>
+            </a:r>
+          </a:p>
+          <a:p>
+            <a:pPr lvl="5"/>
+            <a:r>
+              <a:rPr lang="en-US" dirty="0" err="1" smtClean="0">
+                <a:sym typeface="Wingdings" panose="05000000000000000000" pitchFamily="2" charset="2"/>
+              </a:rPr>
+              <a:t>Intelegere</a:t>
+            </a:r>
+            <a:endParaRPr lang="en-US" dirty="0" smtClean="0">
+              <a:sym typeface="Wingdings" panose="05000000000000000000" pitchFamily="2" charset="2"/>
+            </a:endParaRPr>
+          </a:p>
+          <a:p>
+            <a:pPr lvl="5"/>
+            <a:r>
+              <a:rPr lang="en-US" dirty="0" err="1" smtClean="0">
+                <a:sym typeface="Wingdings" panose="05000000000000000000" pitchFamily="2" charset="2"/>
+              </a:rPr>
+              <a:t>Scriere</a:t>
+            </a:r>
+            <a:endParaRPr lang="en-US" dirty="0" smtClean="0">
+              <a:sym typeface="Wingdings" panose="05000000000000000000" pitchFamily="2" charset="2"/>
+            </a:endParaRPr>
+          </a:p>
+          <a:p>
+            <a:pPr lvl="5"/>
+            <a:r>
+              <a:rPr lang="en-US" dirty="0" err="1" smtClean="0">
+                <a:sym typeface="Wingdings" panose="05000000000000000000" pitchFamily="2" charset="2"/>
+              </a:rPr>
+              <a:t>Vorbire</a:t>
+            </a:r>
+            <a:endParaRPr lang="en-US" dirty="0" smtClean="0">
+              <a:sym typeface="Wingdings" panose="05000000000000000000" pitchFamily="2" charset="2"/>
+            </a:endParaRPr>
+          </a:p>
+          <a:p>
+            <a:pPr lvl="1"/>
+            <a:endParaRPr lang="en-US" dirty="0" smtClean="0">
+              <a:sym typeface="Wingdings" panose="05000000000000000000" pitchFamily="2" charset="2"/>
+            </a:endParaRPr>
+          </a:p>
+          <a:p>
+            <a:pPr lvl="1"/>
             <a:endParaRPr lang="en-US" dirty="0" smtClean="0"/>
-          </a:p>
-          <a:p>
-            <a:r>
-              <a:rPr lang="en-US" dirty="0" err="1" smtClean="0"/>
-              <a:t>Aplica</a:t>
-            </a:r>
-            <a:r>
-              <a:rPr lang="en-US" dirty="0" err="1"/>
-              <a:t>ţ</a:t>
-            </a:r>
-            <a:r>
-              <a:rPr lang="en-US" dirty="0" err="1" smtClean="0"/>
-              <a:t>ia</a:t>
-            </a:r>
-            <a:r>
-              <a:rPr lang="en-US" dirty="0" smtClean="0"/>
-              <a:t> </a:t>
-            </a:r>
-            <a:r>
-              <a:rPr lang="en-US" dirty="0" err="1" smtClean="0"/>
-              <a:t>ofera</a:t>
-            </a:r>
-            <a:r>
-              <a:rPr lang="en-US" dirty="0" smtClean="0"/>
-              <a:t> </a:t>
-            </a:r>
-            <a:r>
-              <a:rPr lang="en-US" dirty="0" err="1" smtClean="0"/>
-              <a:t>posibilitate</a:t>
-            </a:r>
-            <a:r>
-              <a:rPr lang="en-US" dirty="0" smtClean="0"/>
-              <a:t> </a:t>
-            </a:r>
-            <a:r>
-              <a:rPr lang="en-US" dirty="0" err="1" smtClean="0"/>
-              <a:t>utilizatorilor</a:t>
-            </a:r>
-            <a:r>
-              <a:rPr lang="en-US" dirty="0" smtClean="0"/>
-              <a:t> de a-</a:t>
-            </a:r>
-            <a:r>
-              <a:rPr lang="en-US" dirty="0" err="1" smtClean="0"/>
-              <a:t>si</a:t>
-            </a:r>
-            <a:r>
-              <a:rPr lang="en-US" dirty="0" smtClean="0"/>
-              <a:t> </a:t>
-            </a:r>
-            <a:r>
-              <a:rPr lang="en-US" dirty="0" err="1" smtClean="0"/>
-              <a:t>urmari</a:t>
-            </a:r>
-            <a:r>
-              <a:rPr lang="en-US" dirty="0" smtClean="0"/>
-              <a:t> </a:t>
-            </a:r>
-            <a:r>
-              <a:rPr lang="en-US" dirty="0" err="1" smtClean="0"/>
-              <a:t>progresul</a:t>
-            </a:r>
-            <a:r>
-              <a:rPr lang="en-US" dirty="0" smtClean="0"/>
-              <a:t> general</a:t>
-            </a:r>
-          </a:p>
-          <a:p>
-            <a:r>
-              <a:rPr lang="en-US" dirty="0" err="1" smtClean="0"/>
-              <a:t>Utilizatorii</a:t>
-            </a:r>
-            <a:r>
-              <a:rPr lang="en-US" dirty="0" smtClean="0"/>
-              <a:t> </a:t>
-            </a:r>
-            <a:r>
-              <a:rPr lang="en-US" dirty="0" err="1" smtClean="0"/>
-              <a:t>isi</a:t>
-            </a:r>
-            <a:r>
-              <a:rPr lang="en-US" dirty="0" smtClean="0"/>
-              <a:t> pot </a:t>
-            </a:r>
-            <a:r>
-              <a:rPr lang="en-US" dirty="0" err="1" smtClean="0"/>
-              <a:t>adauga</a:t>
-            </a:r>
-            <a:r>
-              <a:rPr lang="en-US" dirty="0" smtClean="0"/>
-              <a:t> </a:t>
-            </a:r>
-            <a:r>
-              <a:rPr lang="en-US" dirty="0" err="1" smtClean="0"/>
-              <a:t>clipurile</a:t>
-            </a:r>
-            <a:r>
-              <a:rPr lang="en-US" dirty="0" smtClean="0"/>
-              <a:t> </a:t>
-            </a:r>
-            <a:r>
-              <a:rPr lang="en-US" dirty="0" err="1" smtClean="0"/>
-              <a:t>pe</a:t>
-            </a:r>
-            <a:r>
-              <a:rPr lang="en-US" dirty="0" smtClean="0"/>
-              <a:t> care </a:t>
-            </a:r>
-            <a:r>
-              <a:rPr lang="en-US" dirty="0" err="1" smtClean="0"/>
-              <a:t>vor</a:t>
-            </a:r>
-            <a:r>
-              <a:rPr lang="en-US" dirty="0" smtClean="0"/>
-              <a:t> </a:t>
-            </a:r>
-            <a:r>
-              <a:rPr lang="en-US" dirty="0" err="1" smtClean="0"/>
-              <a:t>sa</a:t>
-            </a:r>
-            <a:r>
-              <a:rPr lang="en-US" dirty="0" smtClean="0"/>
-              <a:t> le </a:t>
-            </a:r>
-            <a:r>
-              <a:rPr lang="en-US" dirty="0" err="1" smtClean="0"/>
-              <a:t>foloseasca</a:t>
-            </a:r>
-            <a:r>
-              <a:rPr lang="en-US" dirty="0" smtClean="0"/>
-              <a:t> in </a:t>
-            </a:r>
-            <a:r>
-              <a:rPr lang="en-US" dirty="0" err="1" smtClean="0"/>
-              <a:t>procesul</a:t>
-            </a:r>
-            <a:r>
-              <a:rPr lang="en-US" dirty="0" smtClean="0"/>
-              <a:t> de </a:t>
-            </a:r>
-            <a:r>
-              <a:rPr lang="en-US" dirty="0" err="1" smtClean="0"/>
-              <a:t>inva</a:t>
-            </a:r>
-            <a:r>
-              <a:rPr lang="en-US" dirty="0" err="1"/>
-              <a:t>ţ</a:t>
-            </a:r>
-            <a:r>
-              <a:rPr lang="en-US" dirty="0" err="1" smtClean="0"/>
-              <a:t>are</a:t>
-            </a:r>
-            <a:r>
-              <a:rPr lang="en-US" dirty="0" smtClean="0"/>
-              <a:t> a </a:t>
-            </a:r>
-            <a:r>
-              <a:rPr lang="en-US" dirty="0" err="1" smtClean="0"/>
-              <a:t>limbii</a:t>
-            </a:r>
-            <a:r>
-              <a:rPr lang="en-US" dirty="0" smtClean="0"/>
-              <a:t> </a:t>
-            </a:r>
-            <a:r>
-              <a:rPr lang="en-US" dirty="0" err="1" smtClean="0"/>
-              <a:t>engleze</a:t>
-            </a:r>
-            <a:endParaRPr lang="en-US" dirty="0"/>
           </a:p>
         </p:txBody>
       </p:sp>
       <p:sp>
         <p:nvSpPr>
-          <p:cNvPr id="4" name="Footer Placeholder 3"/>
+          <p:cNvPr id="7" name="Footer Placeholder 6"/>
           <p:cNvSpPr>
             <a:spLocks noGrp="1"/>
           </p:cNvSpPr>
@@ -17396,7 +20182,7 @@
       </p:sp>
       <p:sp>
         <p:nvSpPr>
-          <p:cNvPr id="5" name="Slide Number Placeholder 4"/>
+          <p:cNvPr id="8" name="Slide Number Placeholder 7"/>
           <p:cNvSpPr>
             <a:spLocks noGrp="1"/>
           </p:cNvSpPr>
@@ -17420,7 +20206,7 @@
     </p:spTree>
     <p:extLst>
       <p:ext uri="{BB962C8B-B14F-4D97-AF65-F5344CB8AC3E}">
-        <p14:creationId xmlns:p14="http://schemas.microsoft.com/office/powerpoint/2010/main" val="1476019738"/>
+        <p14:creationId xmlns:p14="http://schemas.microsoft.com/office/powerpoint/2010/main" val="2475092730"/>
       </p:ext>
     </p:extLst>
   </p:cSld>
@@ -17476,14 +20262,19 @@
             <p:ph type="title"/>
           </p:nvPr>
         </p:nvSpPr>
-        <p:spPr/>
+        <p:spPr>
+          <a:xfrm>
+            <a:off x="1295400" y="18382"/>
+            <a:ext cx="9601200" cy="1142385"/>
+          </a:xfrm>
+        </p:spPr>
         <p:txBody>
           <a:bodyPr/>
           <a:lstStyle/>
           <a:p>
             <a:r>
-              <a:rPr lang="en-US" dirty="0" err="1" smtClean="0"/>
-              <a:t>Motivatia</a:t>
+              <a:rPr lang="en-US" dirty="0" err="1"/>
+              <a:t>Soluţia</a:t>
             </a:r>
             <a:endParaRPr lang="en-US" dirty="0"/>
           </a:p>
@@ -17501,17 +20292,67 @@
         </p:nvSpPr>
         <p:spPr>
           <a:xfrm>
-            <a:off x="1295400" y="1981199"/>
+            <a:off x="1295400" y="1592317"/>
             <a:ext cx="9979550" cy="3810001"/>
           </a:xfrm>
         </p:spPr>
         <p:txBody>
-          <a:bodyPr/>
+          <a:bodyPr>
+            <a:normAutofit/>
+          </a:bodyPr>
           <a:lstStyle/>
           <a:p>
+            <a:pPr marL="0" indent="0">
+              <a:buNone/>
+            </a:pPr>
+            <a:r>
+              <a:rPr lang="en-US" dirty="0" smtClean="0"/>
+              <a:t>“Learn-English”</a:t>
+            </a:r>
+          </a:p>
+          <a:p>
+            <a:r>
+              <a:rPr lang="en-US" dirty="0" err="1" smtClean="0"/>
+              <a:t>Structurata</a:t>
+            </a:r>
+            <a:r>
+              <a:rPr lang="en-US" dirty="0" smtClean="0"/>
+              <a:t> </a:t>
+            </a:r>
+            <a:r>
+              <a:rPr lang="en-US" dirty="0" err="1" smtClean="0"/>
+              <a:t>pe</a:t>
+            </a:r>
+            <a:r>
+              <a:rPr lang="en-US" dirty="0" smtClean="0"/>
+              <a:t> </a:t>
+            </a:r>
+            <a:r>
+              <a:rPr lang="en-US" dirty="0" err="1" smtClean="0"/>
+              <a:t>lectii</a:t>
+            </a:r>
+            <a:endParaRPr lang="en-US" dirty="0" smtClean="0"/>
+          </a:p>
+          <a:p>
+            <a:r>
+              <a:rPr lang="en-US" dirty="0" err="1" smtClean="0"/>
+              <a:t>Dezvolta</a:t>
+            </a:r>
+            <a:r>
+              <a:rPr lang="en-US" dirty="0" smtClean="0"/>
+              <a:t> - </a:t>
+            </a:r>
+            <a:r>
+              <a:rPr lang="en-US" dirty="0" err="1" smtClean="0"/>
+              <a:t>ascultarea</a:t>
+            </a:r>
+            <a:r>
+              <a:rPr lang="en-US" dirty="0" smtClean="0"/>
+              <a:t>, </a:t>
+            </a:r>
             <a:r>
               <a:rPr lang="en-US" dirty="0" err="1"/>
-              <a:t>Cunoaşterea</a:t>
+              <a:t>scrierea</a:t>
             </a:r>
             <a:r>
               <a:rPr lang="en-US" dirty="0"/>
@@ -17519,79 +20360,22 @@
             </a:r>
             <a:r>
               <a:rPr lang="en-US" dirty="0" err="1"/>
-              <a:t>unei</a:t>
+              <a:t>si</a:t>
             </a:r>
             <a:r>
               <a:rPr lang="en-US" dirty="0"/>
               <a:t> </a:t>
             </a:r>
             <a:r>
-              <a:rPr lang="en-US" dirty="0" err="1"/>
-              <a:t>limbi</a:t>
-            </a:r>
-            <a:r>
-              <a:rPr lang="en-US" dirty="0"/>
-              <a:t> </a:t>
-            </a:r>
-            <a:r>
-              <a:rPr lang="en-US" dirty="0" err="1"/>
-              <a:t>străine</a:t>
-            </a:r>
-            <a:r>
-              <a:rPr lang="en-US" dirty="0"/>
-              <a:t> </a:t>
-            </a:r>
-            <a:r>
-              <a:rPr lang="en-US" dirty="0" err="1"/>
-              <a:t>constituie</a:t>
-            </a:r>
-            <a:r>
-              <a:rPr lang="en-US" dirty="0"/>
-              <a:t> un mare </a:t>
-            </a:r>
-            <a:r>
-              <a:rPr lang="en-US" dirty="0" err="1"/>
-              <a:t>avantaj</a:t>
-            </a:r>
-            <a:r>
-              <a:rPr lang="en-US" dirty="0"/>
-              <a:t> </a:t>
-            </a:r>
-            <a:r>
-              <a:rPr lang="en-US" dirty="0" err="1"/>
-              <a:t>în</a:t>
-            </a:r>
-            <a:r>
-              <a:rPr lang="en-US" dirty="0"/>
-              <a:t> </a:t>
-            </a:r>
-            <a:r>
-              <a:rPr lang="en-US" dirty="0" err="1"/>
-              <a:t>orice</a:t>
-            </a:r>
-            <a:r>
-              <a:rPr lang="en-US" dirty="0"/>
-              <a:t> </a:t>
-            </a:r>
-            <a:r>
-              <a:rPr lang="en-US" dirty="0" err="1"/>
-              <a:t>organizaţie</a:t>
-            </a:r>
-            <a:r>
-              <a:rPr lang="en-US" dirty="0"/>
-              <a:t> </a:t>
-            </a:r>
-            <a:r>
-              <a:rPr lang="en-US" dirty="0" err="1"/>
-              <a:t>şi</a:t>
-            </a:r>
-            <a:r>
-              <a:rPr lang="en-US" dirty="0"/>
-              <a:t> se </a:t>
-            </a:r>
-            <a:r>
               <a:rPr lang="en-US" dirty="0" err="1" smtClean="0"/>
-              <a:t>poate</a:t>
+              <a:t>vorbirea</a:t>
+            </a:r>
+            <a:endParaRPr lang="en-US" dirty="0" smtClean="0"/>
+          </a:p>
+          <a:p>
+            <a:r>
+              <a:rPr lang="en-US" dirty="0" err="1" smtClean="0"/>
+              <a:t>Bazata</a:t>
             </a:r>
             <a:r>
               <a:rPr lang="en-US" dirty="0" smtClean="0"/>
@@ -17599,15 +20383,53 @@
             </a:r>
             <a:r>
               <a:rPr lang="en-US" dirty="0" err="1" smtClean="0"/>
-              <a:t>dovedi</a:t>
+              <a:t>pe</a:t>
             </a:r>
             <a:r>
               <a:rPr lang="en-US" dirty="0" smtClean="0"/>
-              <a:t> a fi </a:t>
+              <a:t> video </a:t>
             </a:r>
             <a:r>
               <a:rPr lang="en-US" dirty="0" err="1" smtClean="0"/>
-              <a:t>utilă</a:t>
+              <a:t>clipuri</a:t>
+            </a:r>
+            <a:endParaRPr lang="en-US" dirty="0" smtClean="0"/>
+          </a:p>
+          <a:p>
+            <a:r>
+              <a:rPr lang="en-US" dirty="0" err="1" smtClean="0"/>
+              <a:t>Distrubuie</a:t>
+            </a:r>
+            <a:r>
+              <a:rPr lang="en-US" dirty="0" smtClean="0"/>
+              <a:t> video </a:t>
+            </a:r>
+            <a:r>
+              <a:rPr lang="en-US" dirty="0" err="1" smtClean="0"/>
+              <a:t>clipurile</a:t>
+            </a:r>
+            <a:r>
+              <a:rPr lang="en-US" dirty="0" smtClean="0"/>
+              <a:t> in </a:t>
+            </a:r>
+            <a:r>
+              <a:rPr lang="en-US" dirty="0" err="1" smtClean="0"/>
+              <a:t>functie</a:t>
+            </a:r>
+            <a:r>
+              <a:rPr lang="en-US" dirty="0" smtClean="0"/>
+              <a:t> de </a:t>
+            </a:r>
+            <a:r>
+              <a:rPr lang="en-US" dirty="0" err="1" smtClean="0"/>
+              <a:t>nivel</a:t>
+            </a:r>
+            <a:endParaRPr lang="en-US" dirty="0" smtClean="0"/>
+          </a:p>
+          <a:p>
+            <a:r>
+              <a:rPr lang="en-US" dirty="0" err="1" smtClean="0"/>
+              <a:t>Ofera</a:t>
             </a:r>
             <a:r>
               <a:rPr lang="en-US" dirty="0" smtClean="0"/>
@@ -17615,7 +20437,15 @@
             </a:r>
             <a:r>
               <a:rPr lang="en-US" dirty="0" err="1" smtClean="0"/>
-              <a:t>în</a:t>
+              <a:t>expresii</a:t>
+            </a:r>
+            <a:r>
+              <a:rPr lang="en-US" dirty="0" smtClean="0"/>
+              <a:t> ale </a:t>
+            </a:r>
+            <a:r>
+              <a:rPr lang="en-US" dirty="0" err="1" smtClean="0"/>
+              <a:t>vorbitorilor</a:t>
             </a:r>
             <a:r>
               <a:rPr lang="en-US" dirty="0" smtClean="0"/>
@@ -17623,429 +20453,31 @@
             </a:r>
             <a:r>
               <a:rPr lang="en-US" dirty="0" err="1" smtClean="0"/>
-              <a:t>rutina</a:t>
+              <a:t>nativi</a:t>
             </a:r>
             <a:r>
               <a:rPr lang="en-US" dirty="0" smtClean="0"/>
-              <a:t> de </a:t>
-            </a:r>
-            <a:r>
-              <a:rPr lang="en-US" dirty="0" err="1" smtClean="0"/>
-              <a:t>zi</a:t>
-            </a:r>
-            <a:r>
-              <a:rPr lang="en-US" dirty="0" smtClean="0"/>
-              <a:t> cu </a:t>
-            </a:r>
-            <a:r>
-              <a:rPr lang="en-US" dirty="0" err="1" smtClean="0"/>
-              <a:t>zi</a:t>
-            </a:r>
-            <a:r>
-              <a:rPr lang="en-US" dirty="0" smtClean="0"/>
-              <a:t>.  </a:t>
-            </a:r>
-            <a:r>
-              <a:rPr lang="en-US" dirty="0" err="1" smtClean="0"/>
-              <a:t>Exista</a:t>
-            </a:r>
-            <a:r>
-              <a:rPr lang="en-US" dirty="0" smtClean="0"/>
-              <a:t> o </a:t>
-            </a:r>
-            <a:r>
-              <a:rPr lang="en-US" dirty="0" err="1" smtClean="0"/>
-              <a:t>serie</a:t>
-            </a:r>
-            <a:r>
-              <a:rPr lang="en-US" dirty="0" smtClean="0"/>
-              <a:t> de </a:t>
-            </a:r>
-            <a:r>
-              <a:rPr lang="en-US" dirty="0" err="1" smtClean="0"/>
-              <a:t>factori</a:t>
-            </a:r>
-            <a:r>
-              <a:rPr lang="en-US" dirty="0" smtClean="0"/>
-              <a:t> </a:t>
-            </a:r>
-            <a:r>
-              <a:rPr lang="en-US" dirty="0" err="1" smtClean="0"/>
-              <a:t>interni</a:t>
-            </a:r>
-            <a:r>
-              <a:rPr lang="en-US" dirty="0" smtClean="0"/>
-              <a:t> </a:t>
-            </a:r>
-            <a:r>
-              <a:rPr lang="en-US" dirty="0" err="1" smtClean="0"/>
-              <a:t>si</a:t>
-            </a:r>
-            <a:r>
-              <a:rPr lang="en-US" dirty="0" smtClean="0"/>
-              <a:t> </a:t>
-            </a:r>
-            <a:r>
-              <a:rPr lang="en-US" dirty="0" err="1" smtClean="0"/>
-              <a:t>externi</a:t>
-            </a:r>
-            <a:r>
-              <a:rPr lang="en-US" dirty="0" smtClean="0"/>
-              <a:t> care </a:t>
-            </a:r>
-            <a:r>
-              <a:rPr lang="en-US" dirty="0" err="1" smtClean="0"/>
-              <a:t>stau</a:t>
-            </a:r>
-            <a:r>
-              <a:rPr lang="en-US" dirty="0" smtClean="0"/>
-              <a:t> in </a:t>
-            </a:r>
-            <a:r>
-              <a:rPr lang="en-US" dirty="0" err="1" smtClean="0"/>
-              <a:t>calea</a:t>
-            </a:r>
-            <a:r>
-              <a:rPr lang="en-US" dirty="0" smtClean="0"/>
-              <a:t> </a:t>
-            </a:r>
-            <a:r>
-              <a:rPr lang="en-US" dirty="0" err="1" smtClean="0"/>
-              <a:t>ob</a:t>
-            </a:r>
-            <a:r>
-              <a:rPr lang="en-US" dirty="0" err="1"/>
-              <a:t>ţ</a:t>
-            </a:r>
-            <a:r>
-              <a:rPr lang="en-US" dirty="0" err="1" smtClean="0"/>
-              <a:t>inerii</a:t>
-            </a:r>
-            <a:r>
-              <a:rPr lang="en-US" dirty="0" smtClean="0"/>
-              <a:t> </a:t>
-            </a:r>
-            <a:r>
-              <a:rPr lang="en-US" dirty="0" err="1" smtClean="0"/>
-              <a:t>cunostintelor</a:t>
-            </a:r>
-            <a:r>
-              <a:rPr lang="en-US" dirty="0" smtClean="0"/>
-              <a:t>: </a:t>
-            </a:r>
-            <a:r>
-              <a:rPr lang="en-US" dirty="0" err="1" smtClean="0"/>
-              <a:t>Cei</a:t>
-            </a:r>
-            <a:r>
-              <a:rPr lang="en-US" dirty="0" smtClean="0"/>
-              <a:t> </a:t>
-            </a:r>
-            <a:r>
-              <a:rPr lang="en-US" dirty="0" err="1" smtClean="0"/>
-              <a:t>mai</a:t>
-            </a:r>
-            <a:r>
-              <a:rPr lang="en-US" dirty="0" smtClean="0"/>
-              <a:t> </a:t>
-            </a:r>
-            <a:r>
-              <a:rPr lang="en-US" dirty="0" err="1" smtClean="0"/>
-              <a:t>importan</a:t>
-            </a:r>
-            <a:r>
-              <a:rPr lang="en-US" dirty="0" err="1"/>
-              <a:t>ţ</a:t>
-            </a:r>
-            <a:r>
-              <a:rPr lang="en-US" dirty="0" err="1" smtClean="0"/>
-              <a:t>i</a:t>
-            </a:r>
-            <a:endParaRPr lang="en-US" dirty="0" smtClean="0"/>
-          </a:p>
-          <a:p>
-            <a:pPr lvl="1"/>
-            <a:r>
-              <a:rPr lang="en-US" dirty="0" err="1"/>
-              <a:t>Timpul</a:t>
-            </a:r>
-            <a:endParaRPr lang="en-US" dirty="0"/>
-          </a:p>
-          <a:p>
-            <a:pPr lvl="1"/>
-            <a:r>
-              <a:rPr lang="en-US" dirty="0" err="1" smtClean="0"/>
-              <a:t>Motiva</a:t>
-            </a:r>
-            <a:r>
-              <a:rPr lang="en-US" dirty="0" err="1"/>
-              <a:t>ţ</a:t>
-            </a:r>
-            <a:r>
-              <a:rPr lang="en-US" dirty="0" err="1" smtClean="0"/>
-              <a:t>ia</a:t>
-            </a:r>
-            <a:endParaRPr lang="en-US" dirty="0" smtClean="0"/>
-          </a:p>
-          <a:p>
-            <a:r>
-              <a:rPr lang="en-US" dirty="0" err="1" smtClean="0"/>
-              <a:t>Situaţiile</a:t>
-            </a:r>
-            <a:r>
-              <a:rPr lang="en-US" dirty="0" smtClean="0"/>
-              <a:t> </a:t>
-            </a:r>
-            <a:r>
-              <a:rPr lang="en-US" dirty="0" err="1"/>
-              <a:t>în</a:t>
-            </a:r>
-            <a:r>
-              <a:rPr lang="en-US" dirty="0"/>
-              <a:t> care </a:t>
-            </a:r>
-            <a:r>
-              <a:rPr lang="en-US" dirty="0" err="1" smtClean="0"/>
-              <a:t>persoanele</a:t>
-            </a:r>
-            <a:r>
-              <a:rPr lang="en-US" dirty="0" smtClean="0"/>
-              <a:t> </a:t>
-            </a:r>
-            <a:r>
-              <a:rPr lang="en-US" dirty="0" err="1" smtClean="0"/>
-              <a:t>ce</a:t>
-            </a:r>
-            <a:r>
-              <a:rPr lang="en-US" dirty="0" smtClean="0"/>
-              <a:t> </a:t>
-            </a:r>
-            <a:r>
-              <a:rPr lang="en-US" dirty="0" err="1" smtClean="0"/>
-              <a:t>de</a:t>
-            </a:r>
-            <a:r>
-              <a:rPr lang="en-US" dirty="0" err="1"/>
-              <a:t>ţ</a:t>
-            </a:r>
-            <a:r>
-              <a:rPr lang="en-US" dirty="0" err="1" smtClean="0"/>
-              <a:t>in</a:t>
-            </a:r>
-            <a:r>
-              <a:rPr lang="en-US" dirty="0" smtClean="0"/>
-              <a:t> </a:t>
-            </a:r>
-            <a:r>
-              <a:rPr lang="en-US" dirty="0" err="1" smtClean="0"/>
-              <a:t>cunoştinţe</a:t>
-            </a:r>
-            <a:r>
-              <a:rPr lang="en-US" dirty="0" smtClean="0"/>
-              <a:t> </a:t>
-            </a:r>
-            <a:r>
-              <a:rPr lang="en-US" dirty="0" err="1"/>
-              <a:t>în</a:t>
-            </a:r>
-            <a:r>
-              <a:rPr lang="en-US" dirty="0"/>
-              <a:t> </a:t>
-            </a:r>
-            <a:r>
-              <a:rPr lang="en-US" dirty="0" err="1"/>
-              <a:t>ceea</a:t>
-            </a:r>
-            <a:r>
-              <a:rPr lang="en-US" dirty="0"/>
-              <a:t> </a:t>
-            </a:r>
-            <a:r>
-              <a:rPr lang="en-US" dirty="0" err="1"/>
-              <a:t>ce</a:t>
-            </a:r>
-            <a:r>
-              <a:rPr lang="en-US" dirty="0"/>
-              <a:t> </a:t>
-            </a:r>
-            <a:r>
-              <a:rPr lang="en-US" dirty="0" err="1"/>
-              <a:t>priveşte</a:t>
-            </a:r>
-            <a:r>
-              <a:rPr lang="en-US" dirty="0"/>
-              <a:t> </a:t>
-            </a:r>
-            <a:r>
-              <a:rPr lang="en-US" dirty="0" err="1"/>
-              <a:t>limba</a:t>
-            </a:r>
-            <a:r>
-              <a:rPr lang="en-US" dirty="0"/>
-              <a:t> </a:t>
-            </a:r>
-            <a:r>
-              <a:rPr lang="en-US" dirty="0" err="1"/>
-              <a:t>engleză</a:t>
-            </a:r>
-            <a:r>
-              <a:rPr lang="en-US" dirty="0"/>
-              <a:t> </a:t>
-            </a:r>
-            <a:r>
-              <a:rPr lang="en-US" dirty="0" err="1"/>
-              <a:t>sunt</a:t>
-            </a:r>
-            <a:r>
-              <a:rPr lang="en-US" dirty="0"/>
-              <a:t> </a:t>
-            </a:r>
-            <a:r>
-              <a:rPr lang="en-US" dirty="0" err="1"/>
-              <a:t>puse</a:t>
-            </a:r>
-            <a:r>
-              <a:rPr lang="en-US" dirty="0"/>
-              <a:t> </a:t>
-            </a:r>
-            <a:r>
-              <a:rPr lang="en-US" dirty="0" err="1"/>
-              <a:t>în</a:t>
-            </a:r>
-            <a:r>
-              <a:rPr lang="en-US" dirty="0"/>
-              <a:t> </a:t>
-            </a:r>
-            <a:r>
-              <a:rPr lang="en-US" dirty="0" err="1"/>
-              <a:t>dificultate</a:t>
-            </a:r>
-            <a:r>
-              <a:rPr lang="en-US" dirty="0"/>
-              <a:t> de </a:t>
-            </a:r>
-            <a:r>
-              <a:rPr lang="en-US" dirty="0" err="1"/>
-              <a:t>vorbitorii</a:t>
-            </a:r>
-            <a:r>
-              <a:rPr lang="en-US" dirty="0"/>
-              <a:t> </a:t>
-            </a:r>
-            <a:r>
-              <a:rPr lang="en-US" dirty="0" err="1" smtClean="0"/>
-              <a:t>nativi</a:t>
-            </a:r>
-            <a:r>
-              <a:rPr lang="en-US" dirty="0" smtClean="0"/>
-              <a:t>.</a:t>
-            </a:r>
-          </a:p>
-          <a:p>
-            <a:r>
-              <a:rPr lang="en-US" dirty="0" err="1" smtClean="0"/>
-              <a:t>Unele</a:t>
-            </a:r>
-            <a:r>
-              <a:rPr lang="en-US" dirty="0" smtClean="0"/>
-              <a:t> </a:t>
-            </a:r>
-            <a:r>
-              <a:rPr lang="en-US" dirty="0" err="1"/>
-              <a:t>expresii</a:t>
-            </a:r>
-            <a:r>
-              <a:rPr lang="en-US" dirty="0"/>
-              <a:t> pot </a:t>
-            </a:r>
-            <a:r>
-              <a:rPr lang="en-US" dirty="0" err="1"/>
-              <a:t>substitui</a:t>
-            </a:r>
-            <a:r>
-              <a:rPr lang="en-US" dirty="0"/>
-              <a:t> </a:t>
-            </a:r>
-            <a:r>
-              <a:rPr lang="en-US" dirty="0" err="1"/>
-              <a:t>fraze</a:t>
-            </a:r>
-            <a:r>
-              <a:rPr lang="en-US" dirty="0"/>
-              <a:t> </a:t>
-            </a:r>
-            <a:r>
-              <a:rPr lang="en-US" dirty="0" err="1"/>
-              <a:t>întregi</a:t>
-            </a:r>
-            <a:r>
-              <a:rPr lang="en-US" dirty="0"/>
-              <a:t> </a:t>
-            </a:r>
-            <a:r>
-              <a:rPr lang="en-US" dirty="0" err="1"/>
-              <a:t>şi</a:t>
-            </a:r>
-            <a:r>
-              <a:rPr lang="en-US" dirty="0"/>
-              <a:t> </a:t>
-            </a:r>
-            <a:r>
-              <a:rPr lang="en-US" dirty="0" err="1"/>
-              <a:t>interlocutorul</a:t>
-            </a:r>
-            <a:r>
-              <a:rPr lang="en-US" dirty="0"/>
-              <a:t> </a:t>
-            </a:r>
-            <a:r>
-              <a:rPr lang="en-US" dirty="0" err="1"/>
-              <a:t>poate</a:t>
-            </a:r>
-            <a:r>
-              <a:rPr lang="en-US" dirty="0"/>
-              <a:t> </a:t>
-            </a:r>
-            <a:r>
-              <a:rPr lang="en-US" dirty="0" err="1"/>
-              <a:t>întelege</a:t>
-            </a:r>
-            <a:r>
-              <a:rPr lang="en-US" dirty="0"/>
-              <a:t> </a:t>
-            </a:r>
-            <a:r>
-              <a:rPr lang="en-US" dirty="0" err="1" smtClean="0"/>
-              <a:t>imediat</a:t>
-            </a:r>
-            <a:r>
-              <a:rPr lang="en-US" dirty="0"/>
-              <a:t> </a:t>
-            </a:r>
-            <a:r>
-              <a:rPr lang="en-US" dirty="0" err="1" smtClean="0"/>
-              <a:t>sensul</a:t>
-            </a:r>
-            <a:r>
-              <a:rPr lang="en-US" dirty="0" smtClean="0"/>
-              <a:t>. </a:t>
-            </a:r>
-          </a:p>
-          <a:p>
-            <a:pPr marL="274320" lvl="1" indent="0">
+              <a:t>	</a:t>
+            </a:r>
+          </a:p>
+          <a:p>
+            <a:pPr marL="506412" lvl="2" indent="0">
               <a:buNone/>
             </a:pPr>
+            <a:r>
+              <a:rPr lang="en-US" dirty="0"/>
+              <a:t>	</a:t>
+            </a:r>
             <a:endParaRPr lang="en-US" dirty="0" smtClean="0"/>
           </a:p>
           <a:p>
-            <a:pPr lvl="1"/>
             <a:endParaRPr lang="en-US" dirty="0" smtClean="0"/>
           </a:p>
         </p:txBody>
       </p:sp>
       <p:sp>
         <p:nvSpPr>
-          <p:cNvPr id="7" name="Footer Placeholder 6"/>
+          <p:cNvPr id="3" name="Footer Placeholder 2"/>
           <p:cNvSpPr>
             <a:spLocks noGrp="1"/>
           </p:cNvSpPr>
@@ -18068,7 +20500,7 @@
       </p:sp>
       <p:sp>
         <p:nvSpPr>
-          <p:cNvPr id="8" name="Slide Number Placeholder 7"/>
+          <p:cNvPr id="5" name="Slide Number Placeholder 4"/>
           <p:cNvSpPr>
             <a:spLocks noGrp="1"/>
           </p:cNvSpPr>
@@ -18092,7 +20524,7 @@
     </p:spTree>
     <p:extLst>
       <p:ext uri="{BB962C8B-B14F-4D97-AF65-F5344CB8AC3E}">
-        <p14:creationId xmlns:p14="http://schemas.microsoft.com/office/powerpoint/2010/main" val="2475092730"/>
+        <p14:creationId xmlns:p14="http://schemas.microsoft.com/office/powerpoint/2010/main" val="191376458"/>
       </p:ext>
     </p:extLst>
   </p:cSld>
@@ -18148,14 +20580,19 @@
             <p:ph type="title"/>
           </p:nvPr>
         </p:nvSpPr>
-        <p:spPr/>
+        <p:spPr>
+          <a:xfrm>
+            <a:off x="1379483" y="-147789"/>
+            <a:ext cx="9601200" cy="1142385"/>
+          </a:xfrm>
+        </p:spPr>
         <p:txBody>
           <a:bodyPr/>
           <a:lstStyle/>
           <a:p>
             <a:r>
-              <a:rPr lang="en-US" dirty="0" err="1"/>
-              <a:t>Soluţia</a:t>
+              <a:rPr lang="en-US" dirty="0" smtClean="0"/>
+              <a:t>Module</a:t>
             </a:r>
             <a:endParaRPr lang="en-US" dirty="0"/>
           </a:p>
@@ -18173,51 +20610,53 @@
         </p:nvSpPr>
         <p:spPr>
           <a:xfrm>
-            <a:off x="1295400" y="1981199"/>
+            <a:off x="1379483" y="1337744"/>
             <a:ext cx="9979550" cy="3810001"/>
           </a:xfrm>
         </p:spPr>
         <p:txBody>
           <a:bodyPr>
-            <a:normAutofit lnSpcReduction="10000"/>
+            <a:normAutofit/>
           </a:bodyPr>
           <a:lstStyle/>
           <a:p>
-            <a:r>
-              <a:rPr lang="en-US" dirty="0" err="1"/>
-              <a:t>Aplicaţia</a:t>
-            </a:r>
-            <a:r>
-              <a:rPr lang="en-US" dirty="0"/>
-              <a:t> “Learn-English” </a:t>
-            </a:r>
-            <a:r>
-              <a:rPr lang="en-US" dirty="0" err="1"/>
-              <a:t>încearcă</a:t>
-            </a:r>
-            <a:r>
-              <a:rPr lang="en-US" dirty="0"/>
-              <a:t> </a:t>
-            </a:r>
-            <a:r>
-              <a:rPr lang="en-US" dirty="0" err="1"/>
-              <a:t>să</a:t>
-            </a:r>
-            <a:r>
-              <a:rPr lang="en-US" dirty="0"/>
-              <a:t> </a:t>
-            </a:r>
+            <a:pPr lvl="1"/>
             <a:r>
               <a:rPr lang="en-US" dirty="0" err="1" smtClean="0"/>
-              <a:t>răspundă</a:t>
-            </a:r>
-            <a:r>
-              <a:rPr lang="en-US" dirty="0"/>
-              <a:t> </a:t>
-            </a:r>
+              <a:t>Modulul</a:t>
+            </a:r>
+            <a:r>
+              <a:rPr lang="en-US" dirty="0" smtClean="0"/>
+              <a:t> Listening</a:t>
+            </a:r>
+          </a:p>
+          <a:p>
+            <a:pPr lvl="1"/>
             <a:r>
               <a:rPr lang="en-US" dirty="0" err="1" smtClean="0"/>
-              <a:t>acestor</a:t>
+              <a:t>Modulul</a:t>
+            </a:r>
+            <a:r>
+              <a:rPr lang="en-US" dirty="0" smtClean="0"/>
+              <a:t> Writing</a:t>
+            </a:r>
+          </a:p>
+          <a:p>
+            <a:pPr lvl="1"/>
+            <a:r>
+              <a:rPr lang="en-US" dirty="0" err="1" smtClean="0"/>
+              <a:t>Modulul</a:t>
+            </a:r>
+            <a:r>
+              <a:rPr lang="en-US" dirty="0" smtClean="0"/>
+              <a:t> Recommendation</a:t>
+            </a:r>
+          </a:p>
+          <a:p>
+            <a:pPr lvl="1"/>
+            <a:r>
+              <a:rPr lang="en-US" dirty="0" err="1" smtClean="0"/>
+              <a:t>Modulul</a:t>
             </a:r>
             <a:r>
               <a:rPr lang="en-US" dirty="0" smtClean="0"/>
@@ -18225,7 +20664,18 @@
             </a:r>
             <a:r>
               <a:rPr lang="en-US" dirty="0" err="1" smtClean="0"/>
-              <a:t>provocari</a:t>
+              <a:t>Adaugare</a:t>
+            </a:r>
+            <a:r>
+              <a:rPr lang="en-US" dirty="0" smtClean="0"/>
+              <a:t> Video</a:t>
+            </a:r>
+          </a:p>
+          <a:p>
+            <a:pPr lvl="1"/>
+            <a:r>
+              <a:rPr lang="en-US" dirty="0" err="1" smtClean="0"/>
+              <a:t>Alte</a:t>
             </a:r>
             <a:r>
               <a:rPr lang="en-US" dirty="0" smtClean="0"/>
@@ -18233,170 +20683,26 @@
             </a:r>
             <a:r>
               <a:rPr lang="en-US" dirty="0" err="1" smtClean="0"/>
-              <a:t>prin</a:t>
+              <a:t>Functionalitati</a:t>
+            </a:r>
+            <a:r>
+              <a:rPr lang="en-US" dirty="0" smtClean="0"/>
+              <a:t> : </a:t>
+            </a:r>
+          </a:p>
+          <a:p>
+            <a:pPr lvl="2"/>
+            <a:r>
+              <a:rPr lang="en-US" dirty="0" err="1" smtClean="0"/>
+              <a:t>Vizualizarea</a:t>
             </a:r>
             <a:r>
               <a:rPr lang="en-US" dirty="0" smtClean="0"/>
               <a:t> </a:t>
             </a:r>
             <a:r>
-              <a:rPr lang="en-US" dirty="0" err="1"/>
-              <a:t>inteprinderea</a:t>
-            </a:r>
-            <a:r>
-              <a:rPr lang="en-US" dirty="0"/>
-              <a:t> </a:t>
-            </a:r>
-            <a:r>
-              <a:rPr lang="en-US" dirty="0" err="1"/>
-              <a:t>unor</a:t>
-            </a:r>
-            <a:r>
-              <a:rPr lang="en-US" dirty="0"/>
-              <a:t> </a:t>
-            </a:r>
-            <a:r>
-              <a:rPr lang="en-US" dirty="0" err="1"/>
-              <a:t>acţiuni</a:t>
-            </a:r>
-            <a:r>
-              <a:rPr lang="en-US" dirty="0"/>
-              <a:t> </a:t>
-            </a:r>
-            <a:r>
-              <a:rPr lang="en-US" dirty="0" err="1"/>
-              <a:t>plăcute</a:t>
-            </a:r>
-            <a:r>
-              <a:rPr lang="en-US" dirty="0"/>
-              <a:t> </a:t>
-            </a:r>
-            <a:r>
-              <a:rPr lang="en-US" dirty="0" err="1"/>
-              <a:t>şi</a:t>
-            </a:r>
-            <a:r>
-              <a:rPr lang="en-US" dirty="0"/>
-              <a:t> </a:t>
-            </a:r>
-            <a:r>
-              <a:rPr lang="en-US" dirty="0" err="1"/>
-              <a:t>în</a:t>
-            </a:r>
-            <a:r>
-              <a:rPr lang="en-US" dirty="0"/>
-              <a:t> </a:t>
-            </a:r>
-            <a:r>
-              <a:rPr lang="en-US" dirty="0" err="1"/>
-              <a:t>acelaşi</a:t>
-            </a:r>
-            <a:r>
-              <a:rPr lang="en-US" dirty="0"/>
-              <a:t> </a:t>
-            </a:r>
-            <a:r>
-              <a:rPr lang="en-US" dirty="0" err="1"/>
-              <a:t>timp</a:t>
-            </a:r>
-            <a:r>
-              <a:rPr lang="en-US" dirty="0"/>
-              <a:t> </a:t>
-            </a:r>
-            <a:r>
-              <a:rPr lang="en-US" dirty="0" err="1"/>
-              <a:t>creând</a:t>
-            </a:r>
-            <a:r>
-              <a:rPr lang="en-US" dirty="0"/>
-              <a:t> un </a:t>
-            </a:r>
-            <a:r>
-              <a:rPr lang="en-US" dirty="0" err="1"/>
-              <a:t>mediu</a:t>
-            </a:r>
-            <a:r>
-              <a:rPr lang="en-US" dirty="0"/>
-              <a:t> </a:t>
-            </a:r>
-            <a:r>
-              <a:rPr lang="en-US" dirty="0" err="1"/>
-              <a:t>prielnic</a:t>
-            </a:r>
-            <a:r>
-              <a:rPr lang="en-US" dirty="0"/>
-              <a:t> </a:t>
-            </a:r>
-            <a:r>
-              <a:rPr lang="en-US" dirty="0" err="1"/>
-              <a:t>dobândirii</a:t>
-            </a:r>
-            <a:r>
-              <a:rPr lang="en-US" dirty="0"/>
-              <a:t> </a:t>
-            </a:r>
-            <a:r>
-              <a:rPr lang="en-US" dirty="0" err="1"/>
-              <a:t>cunoştinţelor</a:t>
-            </a:r>
-            <a:r>
-              <a:rPr lang="en-US" dirty="0"/>
-              <a:t> </a:t>
-            </a:r>
-            <a:r>
-              <a:rPr lang="en-US" dirty="0" err="1"/>
-              <a:t>necesare</a:t>
-            </a:r>
-            <a:r>
-              <a:rPr lang="en-US" dirty="0"/>
-              <a:t> </a:t>
-            </a:r>
-            <a:r>
-              <a:rPr lang="en-US" dirty="0" err="1"/>
-              <a:t>comunicării</a:t>
-            </a:r>
-            <a:r>
-              <a:rPr lang="en-US" dirty="0"/>
-              <a:t> </a:t>
-            </a:r>
-            <a:r>
-              <a:rPr lang="en-US" dirty="0" err="1"/>
-              <a:t>în</a:t>
-            </a:r>
-            <a:r>
-              <a:rPr lang="en-US" dirty="0"/>
-              <a:t> </a:t>
-            </a:r>
-            <a:r>
-              <a:rPr lang="en-US" dirty="0" err="1"/>
-              <a:t>limba</a:t>
-            </a:r>
-            <a:r>
-              <a:rPr lang="en-US" dirty="0"/>
-              <a:t> </a:t>
-            </a:r>
-            <a:r>
-              <a:rPr lang="en-US" dirty="0" err="1"/>
-              <a:t>engleză</a:t>
-            </a:r>
-            <a:r>
-              <a:rPr lang="en-US" dirty="0"/>
-              <a:t>. </a:t>
-            </a:r>
-            <a:endParaRPr lang="en-US" dirty="0"/>
-          </a:p>
-          <a:p>
-            <a:r>
               <a:rPr lang="en-US" dirty="0" err="1" smtClean="0"/>
-              <a:t>Lectiile</a:t>
-            </a:r>
-            <a:r>
-              <a:rPr lang="en-US" dirty="0" smtClean="0"/>
-              <a:t> au la </a:t>
-            </a:r>
-            <a:r>
-              <a:rPr lang="en-US" dirty="0" err="1" smtClean="0"/>
-              <a:t>baza</a:t>
+              <a:t>tutoror</a:t>
             </a:r>
             <a:r>
               <a:rPr lang="en-US" dirty="0" smtClean="0"/>
@@ -18404,7 +20710,18 @@
             </a:r>
             <a:r>
               <a:rPr lang="en-US" dirty="0" err="1" smtClean="0"/>
-              <a:t>activitati</a:t>
+              <a:t>clipurilor</a:t>
+            </a:r>
+            <a:r>
+              <a:rPr lang="en-US" dirty="0" smtClean="0"/>
+              <a:t> video</a:t>
+            </a:r>
+          </a:p>
+          <a:p>
+            <a:pPr lvl="2"/>
+            <a:r>
+              <a:rPr lang="en-US" dirty="0" err="1" smtClean="0"/>
+              <a:t>Modificarea</a:t>
             </a:r>
             <a:r>
               <a:rPr lang="en-US" dirty="0" smtClean="0"/>
@@ -18412,286 +20729,26 @@
             </a:r>
             <a:r>
               <a:rPr lang="en-US" dirty="0" err="1" smtClean="0"/>
-              <a:t>placute</a:t>
+              <a:t>nivelului</a:t>
+            </a:r>
+            <a:r>
+              <a:rPr lang="en-US" dirty="0" smtClean="0"/>
+              <a:t> de </a:t>
+            </a:r>
+            <a:r>
+              <a:rPr lang="en-US" dirty="0" err="1" smtClean="0"/>
+              <a:t>dificultate</a:t>
             </a:r>
             <a:endParaRPr lang="en-US" dirty="0" smtClean="0"/>
           </a:p>
           <a:p>
             <a:pPr lvl="2"/>
-            <a:r>
-              <a:rPr lang="en-US" dirty="0" smtClean="0"/>
-              <a:t>a </a:t>
-            </a:r>
-            <a:r>
-              <a:rPr lang="en-US" dirty="0" err="1" smtClean="0"/>
-              <a:t>avansa</a:t>
-            </a:r>
-            <a:r>
-              <a:rPr lang="en-US" dirty="0" smtClean="0"/>
-              <a:t> un </a:t>
-            </a:r>
-            <a:r>
-              <a:rPr lang="en-US" dirty="0" err="1" smtClean="0"/>
-              <a:t>nivel</a:t>
-            </a:r>
             <a:endParaRPr lang="en-US" dirty="0" smtClean="0"/>
           </a:p>
           <a:p>
-            <a:pPr lvl="2"/>
-            <a:r>
-              <a:rPr lang="en-US" dirty="0" smtClean="0"/>
-              <a:t>a </a:t>
-            </a:r>
-            <a:r>
-              <a:rPr lang="en-US" dirty="0" err="1" smtClean="0"/>
-              <a:t>asculta</a:t>
-            </a:r>
-            <a:r>
-              <a:rPr lang="en-US" dirty="0" smtClean="0"/>
-              <a:t> </a:t>
-            </a:r>
-            <a:r>
-              <a:rPr lang="en-US" dirty="0" err="1" smtClean="0"/>
-              <a:t>muzică</a:t>
-            </a:r>
-            <a:r>
-              <a:rPr lang="en-US" dirty="0" smtClean="0"/>
-              <a:t> </a:t>
-            </a:r>
-            <a:r>
-              <a:rPr lang="en-US" dirty="0" err="1" smtClean="0"/>
-              <a:t>plăcută</a:t>
-            </a:r>
-            <a:endParaRPr lang="en-US" dirty="0" smtClean="0"/>
-          </a:p>
-          <a:p>
-            <a:pPr lvl="2"/>
-            <a:r>
-              <a:rPr lang="en-US" dirty="0" smtClean="0"/>
-              <a:t>a </a:t>
-            </a:r>
-            <a:r>
-              <a:rPr lang="en-US" dirty="0" err="1" smtClean="0"/>
-              <a:t>viziona</a:t>
-            </a:r>
-            <a:r>
-              <a:rPr lang="en-US" dirty="0" smtClean="0"/>
-              <a:t> </a:t>
-            </a:r>
-            <a:r>
-              <a:rPr lang="en-US" dirty="0" err="1" smtClean="0"/>
-              <a:t>clipuri</a:t>
-            </a:r>
-            <a:r>
-              <a:rPr lang="en-US" dirty="0" smtClean="0"/>
-              <a:t> video </a:t>
-            </a:r>
-            <a:r>
-              <a:rPr lang="en-US" dirty="0" err="1" smtClean="0"/>
-              <a:t>interesante</a:t>
-            </a:r>
-            <a:endParaRPr lang="en-US" dirty="0" smtClean="0"/>
-          </a:p>
-          <a:p>
-            <a:r>
-              <a:rPr lang="en-US" dirty="0" err="1"/>
-              <a:t>Aplicaţia</a:t>
-            </a:r>
-            <a:r>
-              <a:rPr lang="en-US" dirty="0"/>
-              <a:t> </a:t>
-            </a:r>
-            <a:r>
-              <a:rPr lang="en-US" dirty="0" err="1"/>
-              <a:t>creează</a:t>
-            </a:r>
-            <a:r>
-              <a:rPr lang="en-US" dirty="0"/>
-              <a:t> un </a:t>
-            </a:r>
-            <a:r>
-              <a:rPr lang="en-US" dirty="0" err="1"/>
-              <a:t>mediu</a:t>
-            </a:r>
-            <a:r>
-              <a:rPr lang="en-US" dirty="0"/>
-              <a:t> </a:t>
-            </a:r>
-            <a:r>
-              <a:rPr lang="en-US" dirty="0" err="1"/>
-              <a:t>prietenos</a:t>
-            </a:r>
-            <a:r>
-              <a:rPr lang="en-US" dirty="0"/>
-              <a:t> </a:t>
-            </a:r>
-            <a:r>
-              <a:rPr lang="en-US" dirty="0" err="1"/>
-              <a:t>în</a:t>
-            </a:r>
-            <a:r>
-              <a:rPr lang="en-US" dirty="0"/>
-              <a:t> care auto-</a:t>
-            </a:r>
-            <a:r>
-              <a:rPr lang="en-US" dirty="0" err="1"/>
-              <a:t>motivaţia</a:t>
-            </a:r>
-            <a:r>
-              <a:rPr lang="en-US" dirty="0"/>
-              <a:t> nu </a:t>
-            </a:r>
-            <a:r>
-              <a:rPr lang="en-US" dirty="0" err="1"/>
-              <a:t>mai</a:t>
-            </a:r>
-            <a:r>
-              <a:rPr lang="en-US" dirty="0"/>
-              <a:t> </a:t>
-            </a:r>
-            <a:r>
-              <a:rPr lang="en-US" dirty="0" err="1"/>
-              <a:t>constituie</a:t>
-            </a:r>
-            <a:r>
-              <a:rPr lang="en-US" dirty="0"/>
-              <a:t> un factor </a:t>
-            </a:r>
-            <a:r>
-              <a:rPr lang="en-US" dirty="0" err="1"/>
-              <a:t>decisiv</a:t>
-            </a:r>
-            <a:r>
-              <a:rPr lang="en-US" dirty="0"/>
-              <a:t> </a:t>
-            </a:r>
-            <a:r>
-              <a:rPr lang="en-US" dirty="0" err="1"/>
-              <a:t>în</a:t>
-            </a:r>
-            <a:r>
-              <a:rPr lang="en-US" dirty="0"/>
-              <a:t> </a:t>
-            </a:r>
-            <a:r>
-              <a:rPr lang="en-US" dirty="0" err="1"/>
-              <a:t>învăţarea</a:t>
-            </a:r>
-            <a:r>
-              <a:rPr lang="en-US" dirty="0"/>
-              <a:t> </a:t>
-            </a:r>
-            <a:r>
-              <a:rPr lang="en-US" dirty="0" err="1"/>
-              <a:t>limbii</a:t>
-            </a:r>
-            <a:r>
-              <a:rPr lang="en-US" dirty="0"/>
-              <a:t>. </a:t>
-            </a:r>
-            <a:endParaRPr lang="en-US" dirty="0" smtClean="0"/>
-          </a:p>
-          <a:p>
-            <a:r>
-              <a:rPr lang="en-US" dirty="0" err="1" smtClean="0"/>
-              <a:t>Utilizatorii</a:t>
-            </a:r>
-            <a:r>
-              <a:rPr lang="en-US" dirty="0" smtClean="0"/>
-              <a:t> </a:t>
-            </a:r>
-            <a:r>
-              <a:rPr lang="en-US" dirty="0" err="1"/>
-              <a:t>desfaşoară</a:t>
-            </a:r>
-            <a:r>
-              <a:rPr lang="en-US" dirty="0"/>
-              <a:t> </a:t>
-            </a:r>
-            <a:r>
-              <a:rPr lang="en-US" dirty="0" err="1"/>
-              <a:t>activităţi</a:t>
-            </a:r>
-            <a:r>
-              <a:rPr lang="en-US" dirty="0"/>
-              <a:t> </a:t>
-            </a:r>
-            <a:r>
-              <a:rPr lang="en-US" dirty="0" err="1"/>
-              <a:t>plăcute</a:t>
-            </a:r>
-            <a:r>
-              <a:rPr lang="en-US" dirty="0"/>
-              <a:t> </a:t>
-            </a:r>
-            <a:r>
-              <a:rPr lang="en-US" dirty="0" err="1"/>
-              <a:t>şi</a:t>
-            </a:r>
-            <a:r>
-              <a:rPr lang="en-US" dirty="0"/>
-              <a:t> </a:t>
-            </a:r>
-            <a:r>
-              <a:rPr lang="en-US" dirty="0" err="1"/>
-              <a:t>uzuale</a:t>
-            </a:r>
-            <a:r>
-              <a:rPr lang="en-US" dirty="0"/>
-              <a:t> </a:t>
-            </a:r>
-            <a:r>
-              <a:rPr lang="en-US" dirty="0" err="1"/>
-              <a:t>şi</a:t>
-            </a:r>
-            <a:r>
-              <a:rPr lang="en-US" dirty="0"/>
-              <a:t> </a:t>
-            </a:r>
-            <a:r>
-              <a:rPr lang="en-US" dirty="0" err="1"/>
-              <a:t>în</a:t>
-            </a:r>
-            <a:r>
-              <a:rPr lang="en-US" dirty="0"/>
-              <a:t> </a:t>
-            </a:r>
-            <a:r>
-              <a:rPr lang="en-US" dirty="0" err="1"/>
-              <a:t>acelaşi</a:t>
-            </a:r>
-            <a:r>
-              <a:rPr lang="en-US" dirty="0"/>
-              <a:t> </a:t>
-            </a:r>
-            <a:r>
-              <a:rPr lang="en-US" dirty="0" err="1"/>
-              <a:t>timp</a:t>
-            </a:r>
-            <a:r>
-              <a:rPr lang="en-US" dirty="0"/>
-              <a:t> </a:t>
-            </a:r>
-            <a:r>
-              <a:rPr lang="en-US" dirty="0" err="1" smtClean="0"/>
-              <a:t>învaţă</a:t>
-            </a:r>
-            <a:r>
-              <a:rPr lang="en-US" dirty="0" smtClean="0"/>
-              <a:t> </a:t>
-            </a:r>
-            <a:r>
-              <a:rPr lang="en-US" dirty="0" err="1"/>
-              <a:t>limba</a:t>
-            </a:r>
-            <a:r>
-              <a:rPr lang="en-US" dirty="0"/>
-              <a:t> </a:t>
-            </a:r>
-            <a:r>
-              <a:rPr lang="en-US" dirty="0" err="1"/>
-              <a:t>engleză</a:t>
-            </a:r>
+            <a:pPr marL="274320" lvl="1" indent="0">
+              <a:buNone/>
+            </a:pPr>
             <a:endParaRPr lang="en-US" dirty="0" smtClean="0"/>
           </a:p>
         </p:txBody>
@@ -18745,20 +20802,20 @@
     </p:spTree>
     <p:extLst>
       <p:ext uri="{BB962C8B-B14F-4D97-AF65-F5344CB8AC3E}">
-        <p14:creationId xmlns:p14="http://schemas.microsoft.com/office/powerpoint/2010/main" val="191376458"/>
+        <p14:creationId xmlns:p14="http://schemas.microsoft.com/office/powerpoint/2010/main" val="3715679001"/>
       </p:ext>
     </p:extLst>
   </p:cSld>
   <p:clrMapOvr>
     <a:masterClrMapping/>
   </p:clrMapOvr>
-  <mc:AlternateContent xmlns:mc="http://schemas.openxmlformats.org/markup-compatibility/2006">
-    <mc:Choice xmlns:p14="http://schemas.microsoft.com/office/powerpoint/2010/main" Requires="p14">
+  <mc:AlternateContent xmlns:mc="http://schemas.openxmlformats.org/markup-compatibility/2006" xmlns:p14="http://schemas.microsoft.com/office/powerpoint/2010/main">
+    <mc:Choice Requires="p14">
       <p:transition spd="med" p14:dur="700">
         <p:fade/>
       </p:transition>
     </mc:Choice>
-    <mc:Fallback>
+    <mc:Fallback xmlns="">
       <p:transition spd="med">
         <p:fade/>
       </p:transition>
@@ -18801,223 +20858,30 @@
             <p:ph type="title"/>
           </p:nvPr>
         </p:nvSpPr>
-        <p:spPr/>
+        <p:spPr>
+          <a:xfrm>
+            <a:off x="1148255" y="-222432"/>
+            <a:ext cx="9601200" cy="1142385"/>
+          </a:xfrm>
+        </p:spPr>
         <p:txBody>
           <a:bodyPr/>
           <a:lstStyle/>
           <a:p>
             <a:r>
-              <a:rPr lang="en-US" dirty="0" smtClean="0"/>
-              <a:t>Module</a:t>
-            </a:r>
-            <a:endParaRPr lang="en-US" dirty="0"/>
+              <a:rPr lang="en-US" dirty="0" err="1"/>
+              <a:t>Modulul</a:t>
+            </a:r>
+            <a:r>
+              <a:rPr lang="en-US" dirty="0"/>
+              <a:t> Listening</a:t>
+            </a:r>
           </a:p>
         </p:txBody>
       </p:sp>
       <p:sp>
         <p:nvSpPr>
-          <p:cNvPr id="4" name="Content Placeholder 3"/>
-          <p:cNvSpPr>
-            <a:spLocks noGrp="1"/>
-          </p:cNvSpPr>
-          <p:nvPr>
-            <p:ph sz="half" idx="1"/>
-          </p:nvPr>
-        </p:nvSpPr>
-        <p:spPr>
-          <a:xfrm>
-            <a:off x="1295400" y="1981199"/>
-            <a:ext cx="9979550" cy="3810001"/>
-          </a:xfrm>
-        </p:spPr>
-        <p:txBody>
-          <a:bodyPr>
-            <a:normAutofit/>
-          </a:bodyPr>
-          <a:lstStyle/>
-          <a:p>
-            <a:r>
-              <a:rPr lang="en-US" dirty="0" err="1" smtClean="0"/>
-              <a:t>Aplicatia</a:t>
-            </a:r>
-            <a:r>
-              <a:rPr lang="en-US" dirty="0" smtClean="0"/>
-              <a:t> Learn-English are la </a:t>
-            </a:r>
-            <a:r>
-              <a:rPr lang="en-US" dirty="0" err="1" smtClean="0"/>
-              <a:t>baza</a:t>
-            </a:r>
-            <a:r>
-              <a:rPr lang="en-US" dirty="0" smtClean="0"/>
-              <a:t> o </a:t>
-            </a:r>
-            <a:r>
-              <a:rPr lang="en-US" dirty="0" err="1" smtClean="0"/>
-              <a:t>suita</a:t>
-            </a:r>
-            <a:r>
-              <a:rPr lang="en-US" dirty="0" smtClean="0"/>
-              <a:t> de module </a:t>
-            </a:r>
-            <a:r>
-              <a:rPr lang="en-US" dirty="0" err="1" smtClean="0"/>
-              <a:t>ce</a:t>
-            </a:r>
-            <a:r>
-              <a:rPr lang="en-US" dirty="0" smtClean="0"/>
-              <a:t> vin in </a:t>
-            </a:r>
-            <a:r>
-              <a:rPr lang="en-US" dirty="0" err="1" smtClean="0"/>
-              <a:t>ajutorul</a:t>
-            </a:r>
-            <a:r>
-              <a:rPr lang="en-US" dirty="0" smtClean="0"/>
-              <a:t> </a:t>
-            </a:r>
-            <a:r>
-              <a:rPr lang="en-US" dirty="0" err="1" smtClean="0"/>
-              <a:t>utilizatorului</a:t>
-            </a:r>
-            <a:r>
-              <a:rPr lang="en-US" dirty="0" smtClean="0"/>
-              <a:t> </a:t>
-            </a:r>
-          </a:p>
-          <a:p>
-            <a:pPr lvl="1"/>
-            <a:r>
-              <a:rPr lang="en-US" dirty="0" err="1" smtClean="0"/>
-              <a:t>Modulul</a:t>
-            </a:r>
-            <a:r>
-              <a:rPr lang="en-US" dirty="0" smtClean="0"/>
-              <a:t> Listening</a:t>
-            </a:r>
-          </a:p>
-          <a:p>
-            <a:pPr lvl="1"/>
-            <a:r>
-              <a:rPr lang="en-US" dirty="0" err="1" smtClean="0"/>
-              <a:t>Modulul</a:t>
-            </a:r>
-            <a:r>
-              <a:rPr lang="en-US" dirty="0" smtClean="0"/>
-              <a:t> Writing</a:t>
-            </a:r>
-          </a:p>
-          <a:p>
-            <a:pPr lvl="1"/>
-            <a:r>
-              <a:rPr lang="en-US" dirty="0" err="1" smtClean="0"/>
-              <a:t>Modulul</a:t>
-            </a:r>
-            <a:r>
-              <a:rPr lang="en-US" dirty="0" smtClean="0"/>
-              <a:t> Recommendation</a:t>
-            </a:r>
-          </a:p>
-          <a:p>
-            <a:pPr lvl="1"/>
-            <a:r>
-              <a:rPr lang="en-US" dirty="0" err="1" smtClean="0"/>
-              <a:t>Modulul</a:t>
-            </a:r>
-            <a:r>
-              <a:rPr lang="en-US" dirty="0" smtClean="0"/>
-              <a:t> </a:t>
-            </a:r>
-            <a:r>
-              <a:rPr lang="en-US" dirty="0" err="1" smtClean="0"/>
-              <a:t>Adaugare</a:t>
-            </a:r>
-            <a:r>
-              <a:rPr lang="en-US" dirty="0" smtClean="0"/>
-              <a:t> Video</a:t>
-            </a:r>
-          </a:p>
-          <a:p>
-            <a:pPr lvl="1"/>
-            <a:r>
-              <a:rPr lang="en-US" dirty="0" err="1" smtClean="0"/>
-              <a:t>Alte</a:t>
-            </a:r>
-            <a:r>
-              <a:rPr lang="en-US" dirty="0" smtClean="0"/>
-              <a:t> </a:t>
-            </a:r>
-            <a:r>
-              <a:rPr lang="en-US" dirty="0" err="1" smtClean="0"/>
-              <a:t>Functionalitati</a:t>
-            </a:r>
-            <a:r>
-              <a:rPr lang="en-US" dirty="0" smtClean="0"/>
-              <a:t> : </a:t>
-            </a:r>
-          </a:p>
-          <a:p>
-            <a:pPr lvl="2"/>
-            <a:r>
-              <a:rPr lang="en-US" dirty="0" err="1" smtClean="0"/>
-              <a:t>Vizualizarea</a:t>
-            </a:r>
-            <a:r>
-              <a:rPr lang="en-US" dirty="0" smtClean="0"/>
-              <a:t> </a:t>
-            </a:r>
-            <a:r>
-              <a:rPr lang="en-US" dirty="0" err="1" smtClean="0"/>
-              <a:t>tutoror</a:t>
-            </a:r>
-            <a:r>
-              <a:rPr lang="en-US" dirty="0" smtClean="0"/>
-              <a:t> </a:t>
-            </a:r>
-            <a:r>
-              <a:rPr lang="en-US" dirty="0" err="1" smtClean="0"/>
-              <a:t>clipurilor</a:t>
-            </a:r>
-            <a:r>
-              <a:rPr lang="en-US" dirty="0" smtClean="0"/>
-              <a:t> video</a:t>
-            </a:r>
-          </a:p>
-          <a:p>
-            <a:pPr lvl="2"/>
-            <a:r>
-              <a:rPr lang="en-US" dirty="0" err="1" smtClean="0"/>
-              <a:t>Modificarea</a:t>
-            </a:r>
-            <a:r>
-              <a:rPr lang="en-US" dirty="0" smtClean="0"/>
-              <a:t> </a:t>
-            </a:r>
-            <a:r>
-              <a:rPr lang="en-US" dirty="0" err="1" smtClean="0"/>
-              <a:t>nivelului</a:t>
-            </a:r>
-            <a:r>
-              <a:rPr lang="en-US" dirty="0" smtClean="0"/>
-              <a:t> de </a:t>
-            </a:r>
-            <a:r>
-              <a:rPr lang="en-US" dirty="0" err="1" smtClean="0"/>
-              <a:t>dificultate</a:t>
-            </a:r>
-            <a:endParaRPr lang="en-US" dirty="0" smtClean="0"/>
-          </a:p>
-          <a:p>
-            <a:pPr marL="274320" lvl="1" indent="0">
-              <a:buNone/>
-            </a:pPr>
-            <a:endParaRPr lang="en-US" dirty="0" smtClean="0"/>
-          </a:p>
-        </p:txBody>
-      </p:sp>
-      <p:sp>
-        <p:nvSpPr>
-          <p:cNvPr id="3" name="Footer Placeholder 2"/>
+          <p:cNvPr id="5" name="Footer Placeholder 4"/>
           <p:cNvSpPr>
             <a:spLocks noGrp="1"/>
           </p:cNvSpPr>
@@ -19040,7 +20904,7 @@
       </p:sp>
       <p:sp>
         <p:nvSpPr>
-          <p:cNvPr id="5" name="Slide Number Placeholder 4"/>
+          <p:cNvPr id="6" name="Slide Number Placeholder 5"/>
           <p:cNvSpPr>
             <a:spLocks noGrp="1"/>
           </p:cNvSpPr>
@@ -19061,23 +20925,47 @@
           </a:p>
         </p:txBody>
       </p:sp>
+      <p:pic>
+        <p:nvPicPr>
+          <p:cNvPr id="7" name="Picture 6"/>
+          <p:cNvPicPr>
+            <a:picLocks noChangeAspect="1"/>
+          </p:cNvPicPr>
+          <p:nvPr/>
+        </p:nvPicPr>
+        <p:blipFill>
+          <a:blip r:embed="rId2"/>
+          <a:stretch>
+            <a:fillRect/>
+          </a:stretch>
+        </p:blipFill>
+        <p:spPr>
+          <a:xfrm>
+            <a:off x="1801210" y="1271587"/>
+            <a:ext cx="8610600" cy="4582675"/>
+          </a:xfrm>
+          <a:prstGeom prst="rect">
+            <a:avLst/>
+          </a:prstGeom>
+        </p:spPr>
+      </p:pic>
     </p:spTree>
     <p:extLst>
       <p:ext uri="{BB962C8B-B14F-4D97-AF65-F5344CB8AC3E}">
-        <p14:creationId xmlns:p14="http://schemas.microsoft.com/office/powerpoint/2010/main" val="3715679001"/>
+        <p14:creationId xmlns:p14="http://schemas.microsoft.com/office/powerpoint/2010/main" val="3461309370"/>
       </p:ext>
     </p:extLst>
   </p:cSld>
   <p:clrMapOvr>
     <a:masterClrMapping/>
   </p:clrMapOvr>
-  <mc:AlternateContent xmlns:mc="http://schemas.openxmlformats.org/markup-compatibility/2006">
-    <mc:Choice xmlns:p14="http://schemas.microsoft.com/office/powerpoint/2010/main" Requires="p14">
+  <mc:AlternateContent xmlns:mc="http://schemas.openxmlformats.org/markup-compatibility/2006" xmlns:p14="http://schemas.microsoft.com/office/powerpoint/2010/main">
+    <mc:Choice Requires="p14">
       <p:transition spd="med" p14:dur="700">
         <p:fade/>
       </p:transition>
     </mc:Choice>
-    <mc:Fallback>
+    <mc:Fallback xmlns="">
       <p:transition spd="med">
         <p:fade/>
       </p:transition>
@@ -19120,7 +21008,12 @@
             <p:ph type="title"/>
           </p:nvPr>
         </p:nvSpPr>
-        <p:spPr/>
+        <p:spPr>
+          <a:xfrm>
+            <a:off x="1084744" y="-415144"/>
+            <a:ext cx="9601200" cy="1142385"/>
+          </a:xfrm>
+        </p:spPr>
         <p:txBody>
           <a:bodyPr/>
           <a:lstStyle/>
@@ -19137,305 +21030,6 @@
           </a:p>
         </p:txBody>
       </p:sp>
-      <p:sp>
-        <p:nvSpPr>
-          <p:cNvPr id="4" name="Content Placeholder 3"/>
-          <p:cNvSpPr>
-            <a:spLocks noGrp="1"/>
-          </p:cNvSpPr>
-          <p:nvPr>
-            <p:ph sz="half" idx="1"/>
-          </p:nvPr>
-        </p:nvSpPr>
-        <p:spPr>
-          <a:xfrm>
-            <a:off x="1295400" y="1981199"/>
-            <a:ext cx="4222143" cy="3810001"/>
-          </a:xfrm>
-        </p:spPr>
-        <p:txBody>
-          <a:bodyPr>
-            <a:normAutofit/>
-          </a:bodyPr>
-          <a:lstStyle/>
-          <a:p>
-            <a:r>
-              <a:rPr lang="en-US" dirty="0" err="1"/>
-              <a:t>Î</a:t>
-            </a:r>
-            <a:r>
-              <a:rPr lang="en-US" dirty="0" err="1" smtClean="0"/>
-              <a:t>n</a:t>
-            </a:r>
-            <a:r>
-              <a:rPr lang="en-US" dirty="0" smtClean="0"/>
-              <a:t> </a:t>
-            </a:r>
-            <a:r>
-              <a:rPr lang="en-US" dirty="0" err="1"/>
-              <a:t>cadrul</a:t>
-            </a:r>
-            <a:r>
-              <a:rPr lang="en-US" dirty="0"/>
-              <a:t> </a:t>
-            </a:r>
-            <a:r>
-              <a:rPr lang="en-US" dirty="0" err="1"/>
-              <a:t>acestui</a:t>
-            </a:r>
-            <a:r>
-              <a:rPr lang="en-US" dirty="0"/>
-              <a:t> </a:t>
-            </a:r>
-            <a:r>
-              <a:rPr lang="en-US" dirty="0" err="1"/>
-              <a:t>modul</a:t>
-            </a:r>
-            <a:r>
-              <a:rPr lang="en-US" dirty="0"/>
-              <a:t> </a:t>
-            </a:r>
-            <a:r>
-              <a:rPr lang="en-US" dirty="0" err="1"/>
-              <a:t>utilizatorul</a:t>
-            </a:r>
-            <a:r>
-              <a:rPr lang="en-US" dirty="0"/>
-              <a:t> are </a:t>
-            </a:r>
-            <a:r>
-              <a:rPr lang="en-US" dirty="0" err="1"/>
-              <a:t>posibilitatea</a:t>
-            </a:r>
-            <a:r>
-              <a:rPr lang="en-US" dirty="0"/>
-              <a:t> </a:t>
-            </a:r>
-            <a:r>
-              <a:rPr lang="en-US" dirty="0" err="1"/>
-              <a:t>să</a:t>
-            </a:r>
-            <a:r>
-              <a:rPr lang="en-US" dirty="0"/>
-              <a:t> </a:t>
-            </a:r>
-            <a:r>
-              <a:rPr lang="en-US" dirty="0" err="1"/>
-              <a:t>asculte</a:t>
-            </a:r>
-            <a:r>
-              <a:rPr lang="en-US" dirty="0"/>
-              <a:t> </a:t>
-            </a:r>
-            <a:r>
-              <a:rPr lang="en-US" dirty="0" err="1"/>
-              <a:t>dialogurile</a:t>
-            </a:r>
-            <a:r>
-              <a:rPr lang="en-US" dirty="0"/>
-              <a:t> din </a:t>
-            </a:r>
-            <a:r>
-              <a:rPr lang="en-US" dirty="0" err="1"/>
-              <a:t>cadrul</a:t>
-            </a:r>
-            <a:r>
-              <a:rPr lang="en-US" dirty="0"/>
-              <a:t> </a:t>
-            </a:r>
-            <a:r>
-              <a:rPr lang="en-US" dirty="0" err="1"/>
-              <a:t>clipurilor</a:t>
-            </a:r>
-            <a:r>
-              <a:rPr lang="en-US" dirty="0"/>
-              <a:t> </a:t>
-            </a:r>
-            <a:r>
-              <a:rPr lang="en-US" dirty="0" err="1"/>
-              <a:t>încărcate</a:t>
-            </a:r>
-            <a:r>
-              <a:rPr lang="en-US" dirty="0"/>
-              <a:t> </a:t>
-            </a:r>
-            <a:r>
-              <a:rPr lang="en-US" dirty="0" err="1"/>
-              <a:t>în</a:t>
-            </a:r>
-            <a:r>
-              <a:rPr lang="en-US" dirty="0"/>
-              <a:t> </a:t>
-            </a:r>
-            <a:r>
-              <a:rPr lang="en-US" dirty="0" err="1" smtClean="0"/>
-              <a:t>aplicaţie</a:t>
-            </a:r>
-            <a:endParaRPr lang="en-US" dirty="0"/>
-          </a:p>
-          <a:p>
-            <a:r>
-              <a:rPr lang="en-US" dirty="0" err="1" smtClean="0"/>
-              <a:t>Frazele</a:t>
-            </a:r>
-            <a:r>
-              <a:rPr lang="en-US" dirty="0"/>
-              <a:t> </a:t>
-            </a:r>
-            <a:r>
-              <a:rPr lang="en-US" dirty="0" err="1" smtClean="0"/>
-              <a:t>parcurse</a:t>
-            </a:r>
-            <a:r>
-              <a:rPr lang="en-US" dirty="0" smtClean="0"/>
-              <a:t> </a:t>
-            </a:r>
-            <a:r>
-              <a:rPr lang="en-US" dirty="0" err="1" smtClean="0"/>
-              <a:t>sunt</a:t>
-            </a:r>
-            <a:r>
-              <a:rPr lang="en-US" dirty="0" smtClean="0"/>
-              <a:t> </a:t>
-            </a:r>
-            <a:r>
-              <a:rPr lang="en-US" dirty="0" err="1" smtClean="0"/>
-              <a:t>trecute</a:t>
-            </a:r>
-            <a:r>
-              <a:rPr lang="en-US" dirty="0" smtClean="0"/>
-              <a:t> in </a:t>
-            </a:r>
-            <a:r>
-              <a:rPr lang="en-US" dirty="0" err="1" smtClean="0"/>
-              <a:t>josul</a:t>
-            </a:r>
-            <a:r>
-              <a:rPr lang="en-US" dirty="0" smtClean="0"/>
-              <a:t> </a:t>
-            </a:r>
-            <a:r>
-              <a:rPr lang="en-US" dirty="0" err="1" smtClean="0"/>
-              <a:t>paginii</a:t>
-            </a:r>
-            <a:endParaRPr lang="en-US" dirty="0"/>
-          </a:p>
-          <a:p>
-            <a:r>
-              <a:rPr lang="en-US" dirty="0" err="1" smtClean="0"/>
-              <a:t>Utilizatorul</a:t>
-            </a:r>
-            <a:r>
-              <a:rPr lang="en-US" dirty="0" smtClean="0"/>
-              <a:t> are </a:t>
-            </a:r>
-            <a:r>
-              <a:rPr lang="en-US" dirty="0" err="1" smtClean="0"/>
-              <a:t>acces</a:t>
-            </a:r>
-            <a:r>
-              <a:rPr lang="en-US" dirty="0" smtClean="0"/>
-              <a:t> la </a:t>
-            </a:r>
-            <a:r>
-              <a:rPr lang="en-US" dirty="0" err="1" smtClean="0"/>
-              <a:t>numarul</a:t>
-            </a:r>
-            <a:r>
-              <a:rPr lang="en-US" dirty="0" smtClean="0"/>
-              <a:t> de </a:t>
-            </a:r>
-            <a:r>
-              <a:rPr lang="en-US" dirty="0" err="1" smtClean="0"/>
-              <a:t>fraze</a:t>
-            </a:r>
-            <a:r>
-              <a:rPr lang="en-US" dirty="0" smtClean="0"/>
-              <a:t> din </a:t>
-            </a:r>
-            <a:r>
-              <a:rPr lang="en-US" dirty="0" err="1" smtClean="0"/>
-              <a:t>cadrul</a:t>
-            </a:r>
-            <a:r>
-              <a:rPr lang="en-US" dirty="0" smtClean="0"/>
-              <a:t> </a:t>
-            </a:r>
-            <a:r>
-              <a:rPr lang="en-US" dirty="0" err="1" smtClean="0"/>
-              <a:t>lectiei</a:t>
-            </a:r>
-            <a:endParaRPr lang="en-US" dirty="0"/>
-          </a:p>
-          <a:p>
-            <a:r>
-              <a:rPr lang="en-US" dirty="0" err="1" smtClean="0"/>
-              <a:t>Aplicatia</a:t>
-            </a:r>
-            <a:r>
-              <a:rPr lang="en-US" dirty="0" smtClean="0"/>
-              <a:t> nu </a:t>
-            </a:r>
-            <a:r>
-              <a:rPr lang="en-US" dirty="0" err="1" smtClean="0"/>
-              <a:t>permite</a:t>
-            </a:r>
-            <a:r>
-              <a:rPr lang="en-US" dirty="0" smtClean="0"/>
-              <a:t> </a:t>
-            </a:r>
-            <a:r>
-              <a:rPr lang="en-US" dirty="0" err="1" smtClean="0"/>
-              <a:t>scrierea</a:t>
-            </a:r>
-            <a:r>
-              <a:rPr lang="en-US" dirty="0" smtClean="0"/>
-              <a:t> </a:t>
-            </a:r>
-            <a:r>
-              <a:rPr lang="en-US" dirty="0" err="1" smtClean="0"/>
-              <a:t>incorecta</a:t>
-            </a:r>
-            <a:r>
-              <a:rPr lang="en-US" dirty="0" smtClean="0"/>
-              <a:t> a </a:t>
-            </a:r>
-            <a:r>
-              <a:rPr lang="en-US" dirty="0" err="1" smtClean="0"/>
-              <a:t>frazelor</a:t>
-            </a:r>
-            <a:endParaRPr lang="en-US" dirty="0" smtClean="0"/>
-          </a:p>
-          <a:p>
-            <a:endParaRPr lang="en-US" dirty="0" smtClean="0"/>
-          </a:p>
-          <a:p>
-            <a:endParaRPr lang="en-US" dirty="0" smtClean="0"/>
-          </a:p>
-        </p:txBody>
-      </p:sp>
-      <p:pic>
-        <p:nvPicPr>
-          <p:cNvPr id="5" name="Image1"/>
-          <p:cNvPicPr/>
-          <p:nvPr/>
-        </p:nvPicPr>
-        <p:blipFill>
-          <a:blip r:embed="rId2"/>
-          <a:stretch>
-            <a:fillRect/>
-          </a:stretch>
-        </p:blipFill>
-        <p:spPr bwMode="auto">
-          <a:xfrm>
-            <a:off x="5517543" y="727241"/>
-            <a:ext cx="5943600" cy="4862830"/>
-          </a:xfrm>
-          <a:prstGeom prst="rect">
-            <a:avLst/>
-          </a:prstGeom>
-        </p:spPr>
-      </p:pic>
       <p:sp>
         <p:nvSpPr>
           <p:cNvPr id="7" name="Footer Placeholder 6"/>
@@ -19482,6 +21076,30 @@
           </a:p>
         </p:txBody>
       </p:sp>
+      <p:pic>
+        <p:nvPicPr>
+          <p:cNvPr id="6" name="Picture 5"/>
+          <p:cNvPicPr>
+            <a:picLocks noChangeAspect="1"/>
+          </p:cNvPicPr>
+          <p:nvPr/>
+        </p:nvPicPr>
+        <p:blipFill>
+          <a:blip r:embed="rId3"/>
+          <a:stretch>
+            <a:fillRect/>
+          </a:stretch>
+        </p:blipFill>
+        <p:spPr>
+          <a:xfrm>
+            <a:off x="1781283" y="727241"/>
+            <a:ext cx="8208121" cy="5408662"/>
+          </a:xfrm>
+          <a:prstGeom prst="rect">
+            <a:avLst/>
+          </a:prstGeom>
+        </p:spPr>
+      </p:pic>
     </p:spTree>
     <p:extLst>
       <p:ext uri="{BB962C8B-B14F-4D97-AF65-F5344CB8AC3E}">
@@ -19492,13 +21110,13 @@
   <p:clrMapOvr>
     <a:masterClrMapping/>
   </p:clrMapOvr>
-  <mc:AlternateContent xmlns:mc="http://schemas.openxmlformats.org/markup-compatibility/2006">
-    <mc:Choice xmlns:p14="http://schemas.microsoft.com/office/powerpoint/2010/main" Requires="p14">
+  <mc:AlternateContent xmlns:mc="http://schemas.openxmlformats.org/markup-compatibility/2006" xmlns:p14="http://schemas.microsoft.com/office/powerpoint/2010/main">
+    <mc:Choice Requires="p14">
       <p:transition spd="med" p14:dur="700">
         <p:fade/>
       </p:transition>
     </mc:Choice>
-    <mc:Fallback>
+    <mc:Fallback xmlns="">
       <p:transition spd="med">
         <p:fade/>
       </p:transition>
@@ -19541,7 +21159,12 @@
             <p:ph type="title"/>
           </p:nvPr>
         </p:nvSpPr>
-        <p:spPr/>
+        <p:spPr>
+          <a:xfrm>
+            <a:off x="1084744" y="-415144"/>
+            <a:ext cx="9601200" cy="1142385"/>
+          </a:xfrm>
+        </p:spPr>
         <p:txBody>
           <a:bodyPr/>
           <a:lstStyle/>
@@ -19552,7 +21175,7 @@
             </a:r>
             <a:r>
               <a:rPr lang="en-US" dirty="0" smtClean="0"/>
-              <a:t> Writing</a:t>
+              <a:t> Listening</a:t>
             </a:r>
             <a:endParaRPr lang="en-US" dirty="0"/>
           </a:p>
@@ -19560,296 +21183,7 @@
       </p:sp>
       <p:sp>
         <p:nvSpPr>
-          <p:cNvPr id="4" name="Content Placeholder 3"/>
-          <p:cNvSpPr>
-            <a:spLocks noGrp="1"/>
-          </p:cNvSpPr>
-          <p:nvPr>
-            <p:ph sz="half" idx="1"/>
-          </p:nvPr>
-        </p:nvSpPr>
-        <p:spPr>
-          <a:xfrm>
-            <a:off x="1295401" y="1981199"/>
-            <a:ext cx="4238708" cy="3810001"/>
-          </a:xfrm>
-        </p:spPr>
-        <p:txBody>
-          <a:bodyPr>
-            <a:normAutofit/>
-          </a:bodyPr>
-          <a:lstStyle/>
-          <a:p>
-            <a:r>
-              <a:rPr lang="en-US" dirty="0" err="1" smtClean="0"/>
-              <a:t>În</a:t>
-            </a:r>
-            <a:r>
-              <a:rPr lang="en-US" dirty="0" smtClean="0"/>
-              <a:t> </a:t>
-            </a:r>
-            <a:r>
-              <a:rPr lang="en-US" dirty="0" err="1"/>
-              <a:t>cadrul</a:t>
-            </a:r>
-            <a:r>
-              <a:rPr lang="en-US" dirty="0"/>
-              <a:t> </a:t>
-            </a:r>
-            <a:r>
-              <a:rPr lang="en-US" dirty="0" err="1"/>
-              <a:t>acestui</a:t>
-            </a:r>
-            <a:r>
-              <a:rPr lang="en-US" dirty="0"/>
-              <a:t> </a:t>
-            </a:r>
-            <a:r>
-              <a:rPr lang="en-US" dirty="0" err="1"/>
-              <a:t>modul</a:t>
-            </a:r>
-            <a:r>
-              <a:rPr lang="en-US" dirty="0"/>
-              <a:t> </a:t>
-            </a:r>
-            <a:r>
-              <a:rPr lang="en-US" dirty="0" err="1"/>
-              <a:t>utilizatorul</a:t>
-            </a:r>
-            <a:r>
-              <a:rPr lang="en-US" dirty="0"/>
-              <a:t> are </a:t>
-            </a:r>
-            <a:r>
-              <a:rPr lang="en-US" dirty="0" err="1"/>
-              <a:t>posibilitatea</a:t>
-            </a:r>
-            <a:r>
-              <a:rPr lang="en-US" dirty="0"/>
-              <a:t> </a:t>
-            </a:r>
-            <a:r>
-              <a:rPr lang="en-US" dirty="0" err="1"/>
-              <a:t>să</a:t>
-            </a:r>
-            <a:r>
-              <a:rPr lang="en-US" dirty="0"/>
-              <a:t> </a:t>
-            </a:r>
-            <a:r>
-              <a:rPr lang="en-US" dirty="0" err="1"/>
-              <a:t>scrie</a:t>
-            </a:r>
-            <a:r>
-              <a:rPr lang="en-US" dirty="0"/>
-              <a:t> </a:t>
-            </a:r>
-            <a:r>
-              <a:rPr lang="en-US" dirty="0" err="1"/>
-              <a:t>dialogul</a:t>
-            </a:r>
-            <a:r>
-              <a:rPr lang="en-US" dirty="0"/>
-              <a:t> din </a:t>
-            </a:r>
-            <a:r>
-              <a:rPr lang="en-US" dirty="0" err="1"/>
-              <a:t>cadrul</a:t>
-            </a:r>
-            <a:r>
-              <a:rPr lang="en-US" dirty="0"/>
-              <a:t> </a:t>
-            </a:r>
-            <a:r>
-              <a:rPr lang="en-US" dirty="0" err="1"/>
-              <a:t>clipurilor</a:t>
-            </a:r>
-            <a:r>
-              <a:rPr lang="en-US" dirty="0"/>
-              <a:t> </a:t>
-            </a:r>
-            <a:r>
-              <a:rPr lang="en-US" dirty="0" err="1"/>
-              <a:t>şi</a:t>
-            </a:r>
-            <a:r>
-              <a:rPr lang="en-US" dirty="0"/>
-              <a:t> </a:t>
-            </a:r>
-            <a:r>
-              <a:rPr lang="en-US" dirty="0" err="1"/>
-              <a:t>să</a:t>
-            </a:r>
-            <a:r>
-              <a:rPr lang="en-US" dirty="0"/>
-              <a:t> </a:t>
-            </a:r>
-            <a:r>
-              <a:rPr lang="en-US" dirty="0" err="1"/>
-              <a:t>îşi</a:t>
-            </a:r>
-            <a:r>
-              <a:rPr lang="en-US" dirty="0"/>
-              <a:t> </a:t>
-            </a:r>
-            <a:r>
-              <a:rPr lang="en-US" dirty="0" err="1"/>
-              <a:t>verifice</a:t>
-            </a:r>
-            <a:r>
-              <a:rPr lang="en-US" dirty="0"/>
-              <a:t> </a:t>
-            </a:r>
-            <a:r>
-              <a:rPr lang="en-US" dirty="0" err="1"/>
-              <a:t>cunoştinţele</a:t>
-            </a:r>
-            <a:r>
-              <a:rPr lang="en-US" dirty="0"/>
-              <a:t> de </a:t>
-            </a:r>
-            <a:r>
-              <a:rPr lang="en-US" dirty="0" err="1"/>
-              <a:t>scriere</a:t>
-            </a:r>
-            <a:r>
-              <a:rPr lang="en-US" dirty="0"/>
-              <a:t>. </a:t>
-            </a:r>
-            <a:endParaRPr lang="en-US" dirty="0" smtClean="0"/>
-          </a:p>
-          <a:p>
-            <a:endParaRPr lang="en-US" dirty="0" smtClean="0"/>
-          </a:p>
-          <a:p>
-            <a:endParaRPr lang="en-US" dirty="0"/>
-          </a:p>
-          <a:p>
-            <a:r>
-              <a:rPr lang="en-US" dirty="0" err="1" smtClean="0"/>
-              <a:t>Aplicatia</a:t>
-            </a:r>
-            <a:r>
-              <a:rPr lang="en-US" dirty="0" smtClean="0"/>
-              <a:t> </a:t>
-            </a:r>
-            <a:r>
-              <a:rPr lang="en-US" dirty="0" err="1" smtClean="0"/>
-              <a:t>corecteaza</a:t>
-            </a:r>
-            <a:r>
-              <a:rPr lang="en-US" dirty="0" smtClean="0"/>
-              <a:t> </a:t>
-            </a:r>
-            <a:r>
-              <a:rPr lang="en-US" dirty="0" err="1" smtClean="0"/>
-              <a:t>utilizatorul</a:t>
-            </a:r>
-            <a:r>
-              <a:rPr lang="en-US" dirty="0" smtClean="0"/>
-              <a:t> </a:t>
-            </a:r>
-            <a:r>
-              <a:rPr lang="en-US" dirty="0" err="1" smtClean="0"/>
-              <a:t>daca</a:t>
-            </a:r>
-            <a:r>
-              <a:rPr lang="en-US" dirty="0" smtClean="0"/>
-              <a:t> </a:t>
-            </a:r>
-            <a:r>
-              <a:rPr lang="en-US" dirty="0" err="1" smtClean="0"/>
-              <a:t>greseste</a:t>
-            </a:r>
-            <a:r>
-              <a:rPr lang="en-US" dirty="0" smtClean="0"/>
-              <a:t> </a:t>
-            </a:r>
-            <a:r>
-              <a:rPr lang="en-US" dirty="0" err="1" smtClean="0"/>
-              <a:t>si</a:t>
-            </a:r>
-            <a:r>
-              <a:rPr lang="en-US" dirty="0" smtClean="0"/>
-              <a:t> </a:t>
-            </a:r>
-            <a:r>
-              <a:rPr lang="en-US" dirty="0" err="1" smtClean="0"/>
-              <a:t>ofera</a:t>
-            </a:r>
-            <a:r>
-              <a:rPr lang="en-US" dirty="0" smtClean="0"/>
-              <a:t> hint-</a:t>
-            </a:r>
-            <a:r>
-              <a:rPr lang="en-US" dirty="0" err="1" smtClean="0"/>
-              <a:t>uri</a:t>
-            </a:r>
-            <a:r>
-              <a:rPr lang="en-US" dirty="0"/>
-              <a:t> </a:t>
-            </a:r>
-            <a:r>
-              <a:rPr lang="en-US" dirty="0" smtClean="0"/>
-              <a:t>in </a:t>
-            </a:r>
-            <a:r>
-              <a:rPr lang="en-US" dirty="0" err="1" smtClean="0"/>
-              <a:t>cazul</a:t>
-            </a:r>
-            <a:r>
-              <a:rPr lang="en-US" dirty="0" smtClean="0"/>
-              <a:t> in care </a:t>
-            </a:r>
-            <a:r>
-              <a:rPr lang="en-US" dirty="0" err="1" smtClean="0"/>
-              <a:t>acesta</a:t>
-            </a:r>
-            <a:r>
-              <a:rPr lang="en-US" dirty="0" smtClean="0"/>
-              <a:t> </a:t>
-            </a:r>
-            <a:r>
-              <a:rPr lang="en-US" dirty="0" err="1" smtClean="0"/>
-              <a:t>intampina</a:t>
-            </a:r>
-            <a:r>
-              <a:rPr lang="en-US" dirty="0" smtClean="0"/>
-              <a:t> </a:t>
-            </a:r>
-            <a:r>
-              <a:rPr lang="en-US" dirty="0" err="1" smtClean="0"/>
-              <a:t>dificultati</a:t>
-            </a:r>
-            <a:endParaRPr lang="en-US" dirty="0" smtClean="0"/>
-          </a:p>
-        </p:txBody>
-      </p:sp>
-      <p:pic>
-        <p:nvPicPr>
-          <p:cNvPr id="6" name="Picture 5"/>
-          <p:cNvPicPr/>
-          <p:nvPr/>
-        </p:nvPicPr>
-        <p:blipFill>
-          <a:blip r:embed="rId2"/>
-          <a:stretch>
-            <a:fillRect/>
-          </a:stretch>
-        </p:blipFill>
-        <p:spPr>
-          <a:xfrm>
-            <a:off x="5584519" y="654054"/>
-            <a:ext cx="5949315" cy="2981325"/>
-          </a:xfrm>
-          <a:prstGeom prst="rect">
-            <a:avLst/>
-          </a:prstGeom>
-        </p:spPr>
-      </p:pic>
-      <p:sp>
-        <p:nvSpPr>
-          <p:cNvPr id="3" name="Footer Placeholder 2"/>
+          <p:cNvPr id="7" name="Footer Placeholder 6"/>
           <p:cNvSpPr>
             <a:spLocks noGrp="1"/>
           </p:cNvSpPr>
@@ -19872,7 +21206,7 @@
       </p:sp>
       <p:sp>
         <p:nvSpPr>
-          <p:cNvPr id="7" name="Slide Number Placeholder 6"/>
+          <p:cNvPr id="8" name="Slide Number Placeholder 7"/>
           <p:cNvSpPr>
             <a:spLocks noGrp="1"/>
           </p:cNvSpPr>
@@ -19895,8 +21229,10 @@
       </p:sp>
       <p:pic>
         <p:nvPicPr>
-          <p:cNvPr id="8" name="Picture 7"/>
-          <p:cNvPicPr/>
+          <p:cNvPr id="3" name="Picture 2"/>
+          <p:cNvPicPr>
+            <a:picLocks noChangeAspect="1"/>
+          </p:cNvPicPr>
           <p:nvPr/>
         </p:nvPicPr>
         <p:blipFill>
@@ -19907,8 +21243,8 @@
         </p:blipFill>
         <p:spPr>
           <a:xfrm>
-            <a:off x="5419269" y="4092893"/>
-            <a:ext cx="5949315" cy="415290"/>
+            <a:off x="1084744" y="1067457"/>
+            <a:ext cx="8391525" cy="876300"/>
           </a:xfrm>
           <a:prstGeom prst="rect">
             <a:avLst/>
@@ -19917,8 +21253,10 @@
       </p:pic>
       <p:pic>
         <p:nvPicPr>
-          <p:cNvPr id="10" name="Picture 9"/>
-          <p:cNvPicPr/>
+          <p:cNvPr id="4" name="Picture 3"/>
+          <p:cNvPicPr>
+            <a:picLocks noChangeAspect="1"/>
+          </p:cNvPicPr>
           <p:nvPr/>
         </p:nvPicPr>
         <p:blipFill>
@@ -19929,8 +21267,8 @@
         </p:blipFill>
         <p:spPr>
           <a:xfrm>
-            <a:off x="5419268" y="5071715"/>
-            <a:ext cx="5949315" cy="443230"/>
+            <a:off x="1103794" y="2128676"/>
+            <a:ext cx="8372475" cy="771525"/>
           </a:xfrm>
           <a:prstGeom prst="rect">
             <a:avLst/>
@@ -19939,8 +21277,10 @@
       </p:pic>
       <p:pic>
         <p:nvPicPr>
-          <p:cNvPr id="12" name="Picture 11"/>
-          <p:cNvPicPr/>
+          <p:cNvPr id="5" name="Picture 4"/>
+          <p:cNvPicPr>
+            <a:picLocks noChangeAspect="1"/>
+          </p:cNvPicPr>
           <p:nvPr/>
         </p:nvPicPr>
         <p:blipFill>
@@ -19951,8 +21291,8 @@
         </p:blipFill>
         <p:spPr>
           <a:xfrm>
-            <a:off x="5419268" y="4573210"/>
-            <a:ext cx="5949315" cy="444500"/>
+            <a:off x="1103794" y="3113172"/>
+            <a:ext cx="8372475" cy="790575"/>
           </a:xfrm>
           <a:prstGeom prst="rect">
             <a:avLst/>
@@ -19962,7 +21302,7 @@
     </p:spTree>
     <p:extLst>
       <p:ext uri="{BB962C8B-B14F-4D97-AF65-F5344CB8AC3E}">
-        <p14:creationId xmlns:p14="http://schemas.microsoft.com/office/powerpoint/2010/main" val="2349925068"/>
+        <p14:creationId xmlns:p14="http://schemas.microsoft.com/office/powerpoint/2010/main" val="3302439174"/>
       </p:ext>
     </p:extLst>
   </p:cSld>
@@ -20018,7 +21358,12 @@
             <p:ph type="title"/>
           </p:nvPr>
         </p:nvSpPr>
-        <p:spPr/>
+        <p:spPr>
+          <a:xfrm>
+            <a:off x="1295400" y="168166"/>
+            <a:ext cx="9601200" cy="574183"/>
+          </a:xfrm>
+        </p:spPr>
         <p:txBody>
           <a:bodyPr/>
           <a:lstStyle/>
@@ -20029,11 +21374,7 @@
             </a:r>
             <a:r>
               <a:rPr lang="en-US" dirty="0" smtClean="0"/>
-              <a:t> </a:t>
-            </a:r>
-            <a:r>
-              <a:rPr lang="en-US" dirty="0"/>
-              <a:t>Recommendations</a:t>
+              <a:t> Listening</a:t>
             </a:r>
             <a:endParaRPr lang="en-US" dirty="0"/>
           </a:p>
@@ -20041,236 +21382,59 @@
       </p:sp>
       <p:sp>
         <p:nvSpPr>
-          <p:cNvPr id="4" name="Content Placeholder 3"/>
+          <p:cNvPr id="6" name="Content Placeholder 5"/>
           <p:cNvSpPr>
             <a:spLocks noGrp="1"/>
           </p:cNvSpPr>
           <p:nvPr>
-            <p:ph sz="half" idx="1"/>
+            <p:ph idx="1"/>
           </p:nvPr>
         </p:nvSpPr>
         <p:spPr>
           <a:xfrm>
-            <a:off x="1295400" y="1981199"/>
-            <a:ext cx="4485198" cy="3810001"/>
+            <a:off x="1295400" y="5252164"/>
+            <a:ext cx="9601200" cy="525517"/>
           </a:xfrm>
         </p:spPr>
         <p:txBody>
-          <a:bodyPr>
-            <a:normAutofit/>
-          </a:bodyPr>
+          <a:bodyPr/>
           <a:lstStyle/>
           <a:p>
             <a:r>
               <a:rPr lang="en-US" dirty="0" err="1" smtClean="0"/>
-              <a:t>Această</a:t>
+              <a:t>Eficienta</a:t>
             </a:r>
             <a:r>
               <a:rPr lang="en-US" dirty="0" smtClean="0"/>
-              <a:t> </a:t>
+              <a:t>:   </a:t>
+            </a:r>
+            <a:r>
+              <a:rPr lang="en-US" dirty="0" err="1" smtClean="0"/>
+              <a:t>numarul_de</a:t>
             </a:r>
             <a:r>
               <a:rPr lang="en-US" dirty="0" err="1"/>
-              <a:t>zona</a:t>
-            </a:r>
-            <a:r>
-              <a:rPr lang="en-US" dirty="0"/>
-              <a:t> a </a:t>
-            </a:r>
-            <a:r>
-              <a:rPr lang="en-US" dirty="0" err="1"/>
-              <a:t>aplicaţiei</a:t>
-            </a:r>
-            <a:r>
-              <a:rPr lang="en-US" dirty="0"/>
-              <a:t> </a:t>
-            </a:r>
-            <a:r>
-              <a:rPr lang="en-US" dirty="0" err="1"/>
-              <a:t>oferă</a:t>
-            </a:r>
-            <a:r>
-              <a:rPr lang="en-US" dirty="0"/>
-              <a:t> </a:t>
-            </a:r>
-            <a:r>
-              <a:rPr lang="en-US" dirty="0" err="1"/>
-              <a:t>informaţii</a:t>
-            </a:r>
-            <a:r>
-              <a:rPr lang="en-US" dirty="0"/>
-              <a:t> </a:t>
-            </a:r>
-            <a:r>
-              <a:rPr lang="en-US" dirty="0" err="1"/>
-              <a:t>referitoare</a:t>
-            </a:r>
-            <a:r>
-              <a:rPr lang="en-US" dirty="0"/>
-              <a:t> la </a:t>
-            </a:r>
-            <a:r>
-              <a:rPr lang="en-US" dirty="0" err="1"/>
-              <a:t>progresul</a:t>
-            </a:r>
-            <a:r>
-              <a:rPr lang="en-US" dirty="0"/>
-              <a:t> </a:t>
-            </a:r>
-            <a:r>
-              <a:rPr lang="en-US" dirty="0" err="1"/>
-              <a:t>utilizatorului</a:t>
-            </a:r>
-            <a:r>
-              <a:rPr lang="en-US" dirty="0"/>
-              <a:t> </a:t>
-            </a:r>
-            <a:r>
-              <a:rPr lang="en-US" dirty="0" err="1"/>
-              <a:t>cât</a:t>
-            </a:r>
-            <a:r>
-              <a:rPr lang="en-US" dirty="0"/>
-              <a:t> </a:t>
-            </a:r>
-            <a:r>
-              <a:rPr lang="en-US" dirty="0" err="1"/>
-              <a:t>şi</a:t>
-            </a:r>
-            <a:r>
-              <a:rPr lang="en-US" dirty="0"/>
-              <a:t> la </a:t>
-            </a:r>
-            <a:r>
-              <a:rPr lang="en-US" dirty="0" err="1"/>
-              <a:t>urmatoarele</a:t>
-            </a:r>
-            <a:r>
-              <a:rPr lang="en-US" dirty="0"/>
-              <a:t> </a:t>
-            </a:r>
-            <a:r>
-              <a:rPr lang="en-US" dirty="0" err="1"/>
-              <a:t>lecţii</a:t>
-            </a:r>
-            <a:r>
-              <a:rPr lang="en-US" dirty="0"/>
-              <a:t> </a:t>
-            </a:r>
-            <a:r>
-              <a:rPr lang="en-US" dirty="0" err="1"/>
-              <a:t>recomandate</a:t>
-            </a:r>
-            <a:r>
-              <a:rPr lang="en-US" dirty="0"/>
-              <a:t>. </a:t>
-            </a:r>
-            <a:endParaRPr lang="en-US" dirty="0" smtClean="0"/>
-          </a:p>
-          <a:p>
+              <a:t>_</a:t>
+            </a:r>
             <a:r>
               <a:rPr lang="en-US" dirty="0" err="1" smtClean="0"/>
-              <a:t>Nivelul</a:t>
+              <a:t>hinturi</a:t>
             </a:r>
             <a:r>
               <a:rPr lang="en-US" dirty="0" smtClean="0"/>
-              <a:t> de </a:t>
+              <a:t> / </a:t>
             </a:r>
             <a:r>
               <a:rPr lang="en-US" dirty="0" err="1" smtClean="0"/>
-              <a:t>cunostinte</a:t>
-            </a:r>
-            <a:r>
-              <a:rPr lang="en-US" dirty="0" smtClean="0"/>
-              <a:t> a </a:t>
-            </a:r>
-            <a:r>
-              <a:rPr lang="en-US" dirty="0" err="1" smtClean="0"/>
-              <a:t>utilizatorului</a:t>
-            </a:r>
-            <a:endParaRPr lang="en-US" dirty="0" smtClean="0"/>
-          </a:p>
-          <a:p>
-            <a:pPr lvl="1"/>
-            <a:r>
-              <a:rPr lang="en-US" dirty="0" err="1" smtClean="0"/>
-              <a:t>Progresul</a:t>
-            </a:r>
-            <a:r>
-              <a:rPr lang="en-US" dirty="0" smtClean="0"/>
-              <a:t> in </a:t>
-            </a:r>
-            <a:r>
-              <a:rPr lang="en-US" dirty="0" err="1" smtClean="0"/>
-              <a:t>ascultare</a:t>
-            </a:r>
-            <a:endParaRPr lang="en-US" dirty="0" smtClean="0"/>
-          </a:p>
-          <a:p>
-            <a:pPr lvl="1"/>
-            <a:r>
-              <a:rPr lang="en-US" dirty="0" err="1" smtClean="0"/>
-              <a:t>Progresul</a:t>
-            </a:r>
-            <a:r>
-              <a:rPr lang="en-US" dirty="0" smtClean="0"/>
-              <a:t> in </a:t>
-            </a:r>
-            <a:r>
-              <a:rPr lang="en-US" dirty="0" err="1" smtClean="0"/>
-              <a:t>scriere</a:t>
-            </a:r>
-            <a:endParaRPr lang="en-US" dirty="0" smtClean="0"/>
-          </a:p>
-          <a:p>
-            <a:pPr lvl="1"/>
-            <a:r>
-              <a:rPr lang="en-US" dirty="0" err="1" smtClean="0"/>
-              <a:t>Progresul</a:t>
-            </a:r>
-            <a:r>
-              <a:rPr lang="en-US" dirty="0" smtClean="0"/>
-              <a:t> in </a:t>
-            </a:r>
-            <a:r>
-              <a:rPr lang="en-US" dirty="0" err="1" smtClean="0"/>
-              <a:t>vorbire</a:t>
+              <a:t>numarul_de_cuvinte</a:t>
             </a:r>
             <a:endParaRPr lang="en-US" dirty="0"/>
-          </a:p>
-          <a:p>
-            <a:pPr marL="0" indent="0">
-              <a:buNone/>
-            </a:pPr>
-            <a:endParaRPr lang="en-US" dirty="0" smtClean="0"/>
           </a:p>
         </p:txBody>
       </p:sp>
-      <p:pic>
-        <p:nvPicPr>
-          <p:cNvPr id="5" name="Image5"/>
-          <p:cNvPicPr/>
-          <p:nvPr/>
-        </p:nvPicPr>
-        <p:blipFill>
-          <a:blip r:embed="rId2"/>
-          <a:stretch>
-            <a:fillRect/>
-          </a:stretch>
-        </p:blipFill>
-        <p:spPr bwMode="auto">
-          <a:xfrm>
-            <a:off x="5680711" y="2919453"/>
-            <a:ext cx="5748627" cy="2725973"/>
-          </a:xfrm>
-          <a:prstGeom prst="rect">
-            <a:avLst/>
-          </a:prstGeom>
-        </p:spPr>
-      </p:pic>
       <p:sp>
         <p:nvSpPr>
-          <p:cNvPr id="3" name="Footer Placeholder 2"/>
+          <p:cNvPr id="7" name="Footer Placeholder 6"/>
           <p:cNvSpPr>
             <a:spLocks noGrp="1"/>
           </p:cNvSpPr>
@@ -20293,7 +21457,7 @@
       </p:sp>
       <p:sp>
         <p:nvSpPr>
-          <p:cNvPr id="6" name="Slide Number Placeholder 5"/>
+          <p:cNvPr id="8" name="Slide Number Placeholder 7"/>
           <p:cNvSpPr>
             <a:spLocks noGrp="1"/>
           </p:cNvSpPr>
@@ -20314,10 +21478,34 @@
           </a:p>
         </p:txBody>
       </p:sp>
+      <p:pic>
+        <p:nvPicPr>
+          <p:cNvPr id="9" name="Picture 8"/>
+          <p:cNvPicPr>
+            <a:picLocks noChangeAspect="1"/>
+          </p:cNvPicPr>
+          <p:nvPr/>
+        </p:nvPicPr>
+        <p:blipFill>
+          <a:blip r:embed="rId3"/>
+          <a:stretch>
+            <a:fillRect/>
+          </a:stretch>
+        </p:blipFill>
+        <p:spPr>
+          <a:xfrm>
+            <a:off x="1295400" y="760282"/>
+            <a:ext cx="7830207" cy="4491882"/>
+          </a:xfrm>
+          <a:prstGeom prst="rect">
+            <a:avLst/>
+          </a:prstGeom>
+        </p:spPr>
+      </p:pic>
     </p:spTree>
     <p:extLst>
       <p:ext uri="{BB962C8B-B14F-4D97-AF65-F5344CB8AC3E}">
-        <p14:creationId xmlns:p14="http://schemas.microsoft.com/office/powerpoint/2010/main" val="3686288575"/>
+        <p14:creationId xmlns:p14="http://schemas.microsoft.com/office/powerpoint/2010/main" val="4242991046"/>
       </p:ext>
     </p:extLst>
   </p:cSld>
